--- a/Docs/HabModelWorkflow.pptx
+++ b/Docs/HabModelWorkflow.pptx
@@ -6,10 +6,15 @@
   </p:sldMasterIdLst>
   <p:sldIdLst>
     <p:sldId id="256" r:id="rId2"/>
-    <p:sldId id="257" r:id="rId3"/>
+    <p:sldId id="259" r:id="rId3"/>
+    <p:sldId id="258" r:id="rId4"/>
+    <p:sldId id="260" r:id="rId5"/>
+    <p:sldId id="261" r:id="rId6"/>
+    <p:sldId id="257" r:id="rId7"/>
+    <p:sldId id="262" r:id="rId8"/>
   </p:sldIdLst>
   <p:sldSz cx="12192000" cy="6858000"/>
-  <p:notesSz cx="6858000" cy="9144000"/>
+  <p:notesSz cx="7010400" cy="9296400"/>
   <p:defaultTextStyle>
     <a:defPPr>
       <a:defRPr lang="en-US"/>
@@ -244,7 +249,7 @@
           <a:p>
             <a:fld id="{4130C3CE-EEDC-40CB-8C01-18274405B503}" type="datetimeFigureOut">
               <a:rPr lang="en-US" smtClean="0"/>
-              <a:t>7/15/2015</a:t>
+              <a:t>7/28/2015</a:t>
             </a:fld>
             <a:endParaRPr lang="en-US"/>
           </a:p>
@@ -414,7 +419,7 @@
           <a:p>
             <a:fld id="{4130C3CE-EEDC-40CB-8C01-18274405B503}" type="datetimeFigureOut">
               <a:rPr lang="en-US" smtClean="0"/>
-              <a:t>7/15/2015</a:t>
+              <a:t>7/28/2015</a:t>
             </a:fld>
             <a:endParaRPr lang="en-US"/>
           </a:p>
@@ -594,7 +599,7 @@
           <a:p>
             <a:fld id="{4130C3CE-EEDC-40CB-8C01-18274405B503}" type="datetimeFigureOut">
               <a:rPr lang="en-US" smtClean="0"/>
-              <a:t>7/15/2015</a:t>
+              <a:t>7/28/2015</a:t>
             </a:fld>
             <a:endParaRPr lang="en-US"/>
           </a:p>
@@ -764,7 +769,7 @@
           <a:p>
             <a:fld id="{4130C3CE-EEDC-40CB-8C01-18274405B503}" type="datetimeFigureOut">
               <a:rPr lang="en-US" smtClean="0"/>
-              <a:t>7/15/2015</a:t>
+              <a:t>7/28/2015</a:t>
             </a:fld>
             <a:endParaRPr lang="en-US"/>
           </a:p>
@@ -1010,7 +1015,7 @@
           <a:p>
             <a:fld id="{4130C3CE-EEDC-40CB-8C01-18274405B503}" type="datetimeFigureOut">
               <a:rPr lang="en-US" smtClean="0"/>
-              <a:t>7/15/2015</a:t>
+              <a:t>7/28/2015</a:t>
             </a:fld>
             <a:endParaRPr lang="en-US"/>
           </a:p>
@@ -1242,7 +1247,7 @@
           <a:p>
             <a:fld id="{4130C3CE-EEDC-40CB-8C01-18274405B503}" type="datetimeFigureOut">
               <a:rPr lang="en-US" smtClean="0"/>
-              <a:t>7/15/2015</a:t>
+              <a:t>7/28/2015</a:t>
             </a:fld>
             <a:endParaRPr lang="en-US"/>
           </a:p>
@@ -1609,7 +1614,7 @@
           <a:p>
             <a:fld id="{4130C3CE-EEDC-40CB-8C01-18274405B503}" type="datetimeFigureOut">
               <a:rPr lang="en-US" smtClean="0"/>
-              <a:t>7/15/2015</a:t>
+              <a:t>7/28/2015</a:t>
             </a:fld>
             <a:endParaRPr lang="en-US"/>
           </a:p>
@@ -1727,7 +1732,7 @@
           <a:p>
             <a:fld id="{4130C3CE-EEDC-40CB-8C01-18274405B503}" type="datetimeFigureOut">
               <a:rPr lang="en-US" smtClean="0"/>
-              <a:t>7/15/2015</a:t>
+              <a:t>7/28/2015</a:t>
             </a:fld>
             <a:endParaRPr lang="en-US"/>
           </a:p>
@@ -1822,7 +1827,7 @@
           <a:p>
             <a:fld id="{4130C3CE-EEDC-40CB-8C01-18274405B503}" type="datetimeFigureOut">
               <a:rPr lang="en-US" smtClean="0"/>
-              <a:t>7/15/2015</a:t>
+              <a:t>7/28/2015</a:t>
             </a:fld>
             <a:endParaRPr lang="en-US"/>
           </a:p>
@@ -2099,7 +2104,7 @@
           <a:p>
             <a:fld id="{4130C3CE-EEDC-40CB-8C01-18274405B503}" type="datetimeFigureOut">
               <a:rPr lang="en-US" smtClean="0"/>
-              <a:t>7/15/2015</a:t>
+              <a:t>7/28/2015</a:t>
             </a:fld>
             <a:endParaRPr lang="en-US"/>
           </a:p>
@@ -2352,7 +2357,7 @@
           <a:p>
             <a:fld id="{4130C3CE-EEDC-40CB-8C01-18274405B503}" type="datetimeFigureOut">
               <a:rPr lang="en-US" smtClean="0"/>
-              <a:t>7/15/2015</a:t>
+              <a:t>7/28/2015</a:t>
             </a:fld>
             <a:endParaRPr lang="en-US"/>
           </a:p>
@@ -2565,7 +2570,7 @@
           <a:p>
             <a:fld id="{4130C3CE-EEDC-40CB-8C01-18274405B503}" type="datetimeFigureOut">
               <a:rPr lang="en-US" smtClean="0"/>
-              <a:t>7/15/2015</a:t>
+              <a:t>7/28/2015</a:t>
             </a:fld>
             <a:endParaRPr lang="en-US"/>
           </a:p>
@@ -2978,7 +2983,7 @@
         </p:nvSpPr>
         <p:spPr>
           <a:xfrm>
-            <a:off x="8508733" y="3628726"/>
+            <a:off x="8066637" y="4106303"/>
             <a:ext cx="3493970" cy="1732545"/>
           </a:xfrm>
           <a:prstGeom prst="rect">
@@ -3581,6 +3586,11 @@
           <a:prstGeom prst="roundRect">
             <a:avLst/>
           </a:prstGeom>
+          <a:ln>
+            <a:solidFill>
+              <a:srgbClr val="FF0000"/>
+            </a:solidFill>
+          </a:ln>
         </p:spPr>
         <p:style>
           <a:lnRef idx="2">
@@ -3747,7 +3757,7 @@
         </p:nvSpPr>
         <p:spPr>
           <a:xfrm>
-            <a:off x="8688698" y="4097643"/>
+            <a:off x="8208348" y="4580187"/>
             <a:ext cx="1386040" cy="680622"/>
           </a:xfrm>
           <a:prstGeom prst="roundRect">
@@ -3783,48 +3793,6 @@
           </a:p>
         </p:txBody>
       </p:sp>
-      <p:cxnSp>
-        <p:nvCxnSpPr>
-          <p:cNvPr id="74" name="Straight Arrow Connector 73"/>
-          <p:cNvCxnSpPr>
-            <a:stCxn id="63" idx="2"/>
-            <a:endCxn id="72" idx="0"/>
-          </p:cNvCxnSpPr>
-          <p:nvPr/>
-        </p:nvCxnSpPr>
-        <p:spPr>
-          <a:xfrm>
-            <a:off x="9052717" y="3576468"/>
-            <a:ext cx="329001" cy="521175"/>
-          </a:xfrm>
-          <a:prstGeom prst="straightConnector1">
-            <a:avLst/>
-          </a:prstGeom>
-          <a:ln w="19050">
-            <a:solidFill>
-              <a:schemeClr val="tx1">
-                <a:lumMod val="75000"/>
-                <a:lumOff val="25000"/>
-              </a:schemeClr>
-            </a:solidFill>
-            <a:tailEnd type="triangle"/>
-          </a:ln>
-        </p:spPr>
-        <p:style>
-          <a:lnRef idx="1">
-            <a:schemeClr val="accent1"/>
-          </a:lnRef>
-          <a:fillRef idx="0">
-            <a:schemeClr val="accent1"/>
-          </a:fillRef>
-          <a:effectRef idx="0">
-            <a:schemeClr val="accent1"/>
-          </a:effectRef>
-          <a:fontRef idx="minor">
-            <a:schemeClr val="tx1"/>
-          </a:fontRef>
-        </p:style>
-      </p:cxnSp>
       <p:sp>
         <p:nvSpPr>
           <p:cNvPr id="81" name="Round Diagonal Corner Rectangle 80"/>
@@ -3833,7 +3801,7 @@
         </p:nvSpPr>
         <p:spPr>
           <a:xfrm>
-            <a:off x="10481661" y="3719485"/>
+            <a:off x="10133924" y="4257090"/>
             <a:ext cx="1386040" cy="680622"/>
           </a:xfrm>
           <a:prstGeom prst="round2DiagRect">
@@ -3891,7 +3859,7 @@
         </p:nvSpPr>
         <p:spPr>
           <a:xfrm>
-            <a:off x="10481661" y="4537632"/>
+            <a:off x="10133924" y="5045606"/>
             <a:ext cx="1386040" cy="680622"/>
           </a:xfrm>
           <a:prstGeom prst="round2DiagRect">
@@ -3946,13 +3914,14 @@
           <p:cNvPr id="84" name="Straight Arrow Connector 83"/>
           <p:cNvCxnSpPr>
             <a:stCxn id="72" idx="3"/>
+            <a:endCxn id="81" idx="2"/>
           </p:cNvCxnSpPr>
           <p:nvPr/>
         </p:nvCxnSpPr>
         <p:spPr>
           <a:xfrm flipV="1">
-            <a:off x="10074738" y="4059796"/>
-            <a:ext cx="406923" cy="378158"/>
+            <a:off x="9594388" y="4597401"/>
+            <a:ext cx="539536" cy="323097"/>
           </a:xfrm>
           <a:prstGeom prst="straightConnector1">
             <a:avLst/>
@@ -3987,13 +3956,14 @@
           <p:cNvPr id="86" name="Straight Arrow Connector 85"/>
           <p:cNvCxnSpPr>
             <a:stCxn id="72" idx="3"/>
+            <a:endCxn id="82" idx="2"/>
           </p:cNvCxnSpPr>
           <p:nvPr/>
         </p:nvCxnSpPr>
         <p:spPr>
           <a:xfrm>
-            <a:off x="10074738" y="4437954"/>
-            <a:ext cx="406923" cy="439989"/>
+            <a:off x="9594388" y="4920498"/>
+            <a:ext cx="539536" cy="465419"/>
           </a:xfrm>
           <a:prstGeom prst="straightConnector1">
             <a:avLst/>
@@ -4226,6 +4196,50 @@
           </a:xfrm>
           <a:prstGeom prst="straightConnector1">
             <a:avLst/>
+          </a:prstGeom>
+          <a:ln w="19050">
+            <a:solidFill>
+              <a:schemeClr val="tx1">
+                <a:lumMod val="75000"/>
+                <a:lumOff val="25000"/>
+              </a:schemeClr>
+            </a:solidFill>
+            <a:tailEnd type="triangle"/>
+          </a:ln>
+        </p:spPr>
+        <p:style>
+          <a:lnRef idx="1">
+            <a:schemeClr val="accent1"/>
+          </a:lnRef>
+          <a:fillRef idx="0">
+            <a:schemeClr val="accent1"/>
+          </a:fillRef>
+          <a:effectRef idx="0">
+            <a:schemeClr val="accent1"/>
+          </a:effectRef>
+          <a:fontRef idx="minor">
+            <a:schemeClr val="tx1"/>
+          </a:fontRef>
+        </p:style>
+      </p:cxnSp>
+      <p:cxnSp>
+        <p:nvCxnSpPr>
+          <p:cNvPr id="22" name="Curved Connector 21"/>
+          <p:cNvCxnSpPr>
+            <a:stCxn id="33" idx="2"/>
+            <a:endCxn id="72" idx="0"/>
+          </p:cNvCxnSpPr>
+          <p:nvPr/>
+        </p:nvCxnSpPr>
+        <p:spPr>
+          <a:xfrm rot="5400000">
+            <a:off x="9307850" y="3169986"/>
+            <a:ext cx="1003719" cy="1816682"/>
+          </a:xfrm>
+          <a:prstGeom prst="curvedConnector3">
+            <a:avLst>
+              <a:gd name="adj1" fmla="val 50000"/>
+            </a:avLst>
           </a:prstGeom>
           <a:ln w="19050">
             <a:solidFill>
@@ -4282,6 +4296,502 @@
           <a:chExt cx="0" cy="0"/>
         </a:xfrm>
       </p:grpSpPr>
+      <p:pic>
+        <p:nvPicPr>
+          <p:cNvPr id="2" name="Picture 1"/>
+          <p:cNvPicPr>
+            <a:picLocks noChangeAspect="1"/>
+          </p:cNvPicPr>
+          <p:nvPr/>
+        </p:nvPicPr>
+        <p:blipFill>
+          <a:blip r:embed="rId2"/>
+          <a:stretch>
+            <a:fillRect/>
+          </a:stretch>
+        </p:blipFill>
+        <p:spPr>
+          <a:xfrm>
+            <a:off x="96252" y="1279510"/>
+            <a:ext cx="11985608" cy="3119236"/>
+          </a:xfrm>
+          <a:prstGeom prst="rect">
+            <a:avLst/>
+          </a:prstGeom>
+        </p:spPr>
+      </p:pic>
+      <p:pic>
+        <p:nvPicPr>
+          <p:cNvPr id="4" name="Picture 3"/>
+          <p:cNvPicPr>
+            <a:picLocks noChangeAspect="1"/>
+          </p:cNvPicPr>
+          <p:nvPr/>
+        </p:nvPicPr>
+        <p:blipFill>
+          <a:blip r:embed="rId3"/>
+          <a:stretch>
+            <a:fillRect/>
+          </a:stretch>
+        </p:blipFill>
+        <p:spPr>
+          <a:xfrm>
+            <a:off x="-18942" y="6176"/>
+            <a:ext cx="4571691" cy="1040188"/>
+          </a:xfrm>
+          <a:prstGeom prst="rect">
+            <a:avLst/>
+          </a:prstGeom>
+        </p:spPr>
+      </p:pic>
+      <p:pic>
+        <p:nvPicPr>
+          <p:cNvPr id="5" name="Picture 4"/>
+          <p:cNvPicPr>
+            <a:picLocks noChangeAspect="1"/>
+          </p:cNvPicPr>
+          <p:nvPr/>
+        </p:nvPicPr>
+        <p:blipFill>
+          <a:blip r:embed="rId4"/>
+          <a:stretch>
+            <a:fillRect/>
+          </a:stretch>
+        </p:blipFill>
+        <p:spPr>
+          <a:xfrm>
+            <a:off x="0" y="4893503"/>
+            <a:ext cx="4455428" cy="1964497"/>
+          </a:xfrm>
+          <a:prstGeom prst="rect">
+            <a:avLst/>
+          </a:prstGeom>
+        </p:spPr>
+      </p:pic>
+      <p:sp>
+        <p:nvSpPr>
+          <p:cNvPr id="6" name="Rectangle 5"/>
+          <p:cNvSpPr/>
+          <p:nvPr/>
+        </p:nvSpPr>
+        <p:spPr>
+          <a:xfrm>
+            <a:off x="-18941" y="6495576"/>
+            <a:ext cx="4474369" cy="105878"/>
+          </a:xfrm>
+          <a:prstGeom prst="rect">
+            <a:avLst/>
+          </a:prstGeom>
+          <a:solidFill>
+            <a:srgbClr val="FFFF00">
+              <a:alpha val="33000"/>
+            </a:srgbClr>
+          </a:solidFill>
+          <a:ln>
+            <a:noFill/>
+          </a:ln>
+        </p:spPr>
+        <p:style>
+          <a:lnRef idx="2">
+            <a:schemeClr val="accent1">
+              <a:shade val="50000"/>
+            </a:schemeClr>
+          </a:lnRef>
+          <a:fillRef idx="1">
+            <a:schemeClr val="accent1"/>
+          </a:fillRef>
+          <a:effectRef idx="0">
+            <a:schemeClr val="accent1"/>
+          </a:effectRef>
+          <a:fontRef idx="minor">
+            <a:schemeClr val="lt1"/>
+          </a:fontRef>
+        </p:style>
+        <p:txBody>
+          <a:bodyPr rtlCol="0" anchor="ctr"/>
+          <a:lstStyle/>
+          <a:p>
+            <a:pPr algn="ctr"/>
+            <a:endParaRPr lang="en-US"/>
+          </a:p>
+        </p:txBody>
+      </p:sp>
+      <p:sp>
+        <p:nvSpPr>
+          <p:cNvPr id="7" name="Rectangle 6"/>
+          <p:cNvSpPr/>
+          <p:nvPr/>
+        </p:nvSpPr>
+        <p:spPr>
+          <a:xfrm>
+            <a:off x="-18942" y="6673350"/>
+            <a:ext cx="4474369" cy="105878"/>
+          </a:xfrm>
+          <a:prstGeom prst="rect">
+            <a:avLst/>
+          </a:prstGeom>
+          <a:solidFill>
+            <a:srgbClr val="FFFF00">
+              <a:alpha val="33000"/>
+            </a:srgbClr>
+          </a:solidFill>
+          <a:ln>
+            <a:noFill/>
+          </a:ln>
+        </p:spPr>
+        <p:style>
+          <a:lnRef idx="2">
+            <a:schemeClr val="accent1">
+              <a:shade val="50000"/>
+            </a:schemeClr>
+          </a:lnRef>
+          <a:fillRef idx="1">
+            <a:schemeClr val="accent1"/>
+          </a:fillRef>
+          <a:effectRef idx="0">
+            <a:schemeClr val="accent1"/>
+          </a:effectRef>
+          <a:fontRef idx="minor">
+            <a:schemeClr val="lt1"/>
+          </a:fontRef>
+        </p:style>
+        <p:txBody>
+          <a:bodyPr rtlCol="0" anchor="ctr"/>
+          <a:lstStyle/>
+          <a:p>
+            <a:pPr algn="ctr"/>
+            <a:endParaRPr lang="en-US"/>
+          </a:p>
+        </p:txBody>
+      </p:sp>
+    </p:spTree>
+    <p:extLst>
+      <p:ext uri="{BB962C8B-B14F-4D97-AF65-F5344CB8AC3E}">
+        <p14:creationId xmlns:p14="http://schemas.microsoft.com/office/powerpoint/2010/main" val="3659032151"/>
+      </p:ext>
+    </p:extLst>
+  </p:cSld>
+  <p:clrMapOvr>
+    <a:masterClrMapping/>
+  </p:clrMapOvr>
+</p:sld>
+</file>
+
+<file path=ppt/slides/slide3.xml><?xml version="1.0" encoding="utf-8"?>
+<p:sld xmlns:a="http://schemas.openxmlformats.org/drawingml/2006/main" xmlns:r="http://schemas.openxmlformats.org/officeDocument/2006/relationships" xmlns:p="http://schemas.openxmlformats.org/presentationml/2006/main">
+  <p:cSld>
+    <p:spTree>
+      <p:nvGrpSpPr>
+        <p:cNvPr id="1" name=""/>
+        <p:cNvGrpSpPr/>
+        <p:nvPr/>
+      </p:nvGrpSpPr>
+      <p:grpSpPr>
+        <a:xfrm>
+          <a:off x="0" y="0"/>
+          <a:ext cx="0" cy="0"/>
+          <a:chOff x="0" y="0"/>
+          <a:chExt cx="0" cy="0"/>
+        </a:xfrm>
+      </p:grpSpPr>
+      <p:pic>
+        <p:nvPicPr>
+          <p:cNvPr id="2" name="Picture 1"/>
+          <p:cNvPicPr>
+            <a:picLocks noChangeAspect="1"/>
+          </p:cNvPicPr>
+          <p:nvPr/>
+        </p:nvPicPr>
+        <p:blipFill>
+          <a:blip r:embed="rId2"/>
+          <a:stretch>
+            <a:fillRect/>
+          </a:stretch>
+        </p:blipFill>
+        <p:spPr>
+          <a:xfrm>
+            <a:off x="2974356" y="233361"/>
+            <a:ext cx="5819775" cy="6391275"/>
+          </a:xfrm>
+          <a:prstGeom prst="rect">
+            <a:avLst/>
+          </a:prstGeom>
+        </p:spPr>
+      </p:pic>
+    </p:spTree>
+    <p:extLst>
+      <p:ext uri="{BB962C8B-B14F-4D97-AF65-F5344CB8AC3E}">
+        <p14:creationId xmlns:p14="http://schemas.microsoft.com/office/powerpoint/2010/main" val="1393313572"/>
+      </p:ext>
+    </p:extLst>
+  </p:cSld>
+  <p:clrMapOvr>
+    <a:masterClrMapping/>
+  </p:clrMapOvr>
+</p:sld>
+</file>
+
+<file path=ppt/slides/slide4.xml><?xml version="1.0" encoding="utf-8"?>
+<p:sld xmlns:a="http://schemas.openxmlformats.org/drawingml/2006/main" xmlns:r="http://schemas.openxmlformats.org/officeDocument/2006/relationships" xmlns:p="http://schemas.openxmlformats.org/presentationml/2006/main">
+  <p:cSld>
+    <p:spTree>
+      <p:nvGrpSpPr>
+        <p:cNvPr id="1" name=""/>
+        <p:cNvGrpSpPr/>
+        <p:nvPr/>
+      </p:nvGrpSpPr>
+      <p:grpSpPr>
+        <a:xfrm>
+          <a:off x="0" y="0"/>
+          <a:ext cx="0" cy="0"/>
+          <a:chOff x="0" y="0"/>
+          <a:chExt cx="0" cy="0"/>
+        </a:xfrm>
+      </p:grpSpPr>
+      <p:pic>
+        <p:nvPicPr>
+          <p:cNvPr id="2" name="Picture 1"/>
+          <p:cNvPicPr>
+            <a:picLocks noChangeAspect="1"/>
+          </p:cNvPicPr>
+          <p:nvPr/>
+        </p:nvPicPr>
+        <p:blipFill>
+          <a:blip r:embed="rId2"/>
+          <a:stretch>
+            <a:fillRect/>
+          </a:stretch>
+        </p:blipFill>
+        <p:spPr>
+          <a:xfrm>
+            <a:off x="500513" y="1171483"/>
+            <a:ext cx="4045769" cy="3919571"/>
+          </a:xfrm>
+          <a:prstGeom prst="rect">
+            <a:avLst/>
+          </a:prstGeom>
+        </p:spPr>
+      </p:pic>
+      <p:pic>
+        <p:nvPicPr>
+          <p:cNvPr id="4" name="Picture 3"/>
+          <p:cNvPicPr>
+            <a:picLocks noChangeAspect="1"/>
+          </p:cNvPicPr>
+          <p:nvPr/>
+        </p:nvPicPr>
+        <p:blipFill>
+          <a:blip r:embed="rId3"/>
+          <a:stretch>
+            <a:fillRect/>
+          </a:stretch>
+        </p:blipFill>
+        <p:spPr>
+          <a:xfrm>
+            <a:off x="5980673" y="708761"/>
+            <a:ext cx="5784205" cy="4845017"/>
+          </a:xfrm>
+          <a:prstGeom prst="rect">
+            <a:avLst/>
+          </a:prstGeom>
+        </p:spPr>
+      </p:pic>
+      <p:sp>
+        <p:nvSpPr>
+          <p:cNvPr id="5" name="Right Arrow 4"/>
+          <p:cNvSpPr/>
+          <p:nvPr/>
+        </p:nvSpPr>
+        <p:spPr>
+          <a:xfrm>
+            <a:off x="5034012" y="2808821"/>
+            <a:ext cx="702645" cy="644893"/>
+          </a:xfrm>
+          <a:prstGeom prst="rightArrow">
+            <a:avLst/>
+          </a:prstGeom>
+        </p:spPr>
+        <p:style>
+          <a:lnRef idx="2">
+            <a:schemeClr val="accent1">
+              <a:shade val="50000"/>
+            </a:schemeClr>
+          </a:lnRef>
+          <a:fillRef idx="1">
+            <a:schemeClr val="accent1"/>
+          </a:fillRef>
+          <a:effectRef idx="0">
+            <a:schemeClr val="accent1"/>
+          </a:effectRef>
+          <a:fontRef idx="minor">
+            <a:schemeClr val="lt1"/>
+          </a:fontRef>
+        </p:style>
+        <p:txBody>
+          <a:bodyPr rtlCol="0" anchor="ctr"/>
+          <a:lstStyle/>
+          <a:p>
+            <a:pPr algn="ctr"/>
+            <a:endParaRPr lang="en-US"/>
+          </a:p>
+        </p:txBody>
+      </p:sp>
+    </p:spTree>
+    <p:extLst>
+      <p:ext uri="{BB962C8B-B14F-4D97-AF65-F5344CB8AC3E}">
+        <p14:creationId xmlns:p14="http://schemas.microsoft.com/office/powerpoint/2010/main" val="3508178513"/>
+      </p:ext>
+    </p:extLst>
+  </p:cSld>
+  <p:clrMapOvr>
+    <a:masterClrMapping/>
+  </p:clrMapOvr>
+</p:sld>
+</file>
+
+<file path=ppt/slides/slide5.xml><?xml version="1.0" encoding="utf-8"?>
+<p:sld xmlns:a="http://schemas.openxmlformats.org/drawingml/2006/main" xmlns:r="http://schemas.openxmlformats.org/officeDocument/2006/relationships" xmlns:p="http://schemas.openxmlformats.org/presentationml/2006/main">
+  <p:cSld>
+    <p:spTree>
+      <p:nvGrpSpPr>
+        <p:cNvPr id="1" name=""/>
+        <p:cNvGrpSpPr/>
+        <p:nvPr/>
+      </p:nvGrpSpPr>
+      <p:grpSpPr>
+        <a:xfrm>
+          <a:off x="0" y="0"/>
+          <a:ext cx="0" cy="0"/>
+          <a:chOff x="0" y="0"/>
+          <a:chExt cx="0" cy="0"/>
+        </a:xfrm>
+      </p:grpSpPr>
+      <p:pic>
+        <p:nvPicPr>
+          <p:cNvPr id="4" name="Picture 3"/>
+          <p:cNvPicPr>
+            <a:picLocks noChangeAspect="1"/>
+          </p:cNvPicPr>
+          <p:nvPr/>
+        </p:nvPicPr>
+        <p:blipFill>
+          <a:blip r:embed="rId2"/>
+          <a:stretch>
+            <a:fillRect/>
+          </a:stretch>
+        </p:blipFill>
+        <p:spPr>
+          <a:xfrm>
+            <a:off x="5893364" y="783301"/>
+            <a:ext cx="6298636" cy="5692998"/>
+          </a:xfrm>
+          <a:prstGeom prst="rect">
+            <a:avLst/>
+          </a:prstGeom>
+        </p:spPr>
+      </p:pic>
+      <p:pic>
+        <p:nvPicPr>
+          <p:cNvPr id="2" name="Picture 1"/>
+          <p:cNvPicPr>
+            <a:picLocks noChangeAspect="1"/>
+          </p:cNvPicPr>
+          <p:nvPr/>
+        </p:nvPicPr>
+        <p:blipFill>
+          <a:blip r:embed="rId3"/>
+          <a:stretch>
+            <a:fillRect/>
+          </a:stretch>
+        </p:blipFill>
+        <p:spPr>
+          <a:xfrm>
+            <a:off x="71537" y="4077117"/>
+            <a:ext cx="5732497" cy="2580957"/>
+          </a:xfrm>
+          <a:prstGeom prst="rect">
+            <a:avLst/>
+          </a:prstGeom>
+        </p:spPr>
+      </p:pic>
+      <p:pic>
+        <p:nvPicPr>
+          <p:cNvPr id="3" name="Picture 2"/>
+          <p:cNvPicPr>
+            <a:picLocks noChangeAspect="1"/>
+          </p:cNvPicPr>
+          <p:nvPr/>
+        </p:nvPicPr>
+        <p:blipFill>
+          <a:blip r:embed="rId4"/>
+          <a:stretch>
+            <a:fillRect/>
+          </a:stretch>
+        </p:blipFill>
+        <p:spPr>
+          <a:xfrm>
+            <a:off x="3573679" y="0"/>
+            <a:ext cx="2846371" cy="4573981"/>
+          </a:xfrm>
+          <a:prstGeom prst="rect">
+            <a:avLst/>
+          </a:prstGeom>
+        </p:spPr>
+      </p:pic>
+      <p:pic>
+        <p:nvPicPr>
+          <p:cNvPr id="5" name="Picture 4"/>
+          <p:cNvPicPr>
+            <a:picLocks noChangeAspect="1"/>
+          </p:cNvPicPr>
+          <p:nvPr/>
+        </p:nvPicPr>
+        <p:blipFill>
+          <a:blip r:embed="rId5"/>
+          <a:stretch>
+            <a:fillRect/>
+          </a:stretch>
+        </p:blipFill>
+        <p:spPr>
+          <a:xfrm>
+            <a:off x="10772775" y="106881"/>
+            <a:ext cx="1419225" cy="1562100"/>
+          </a:xfrm>
+          <a:prstGeom prst="rect">
+            <a:avLst/>
+          </a:prstGeom>
+        </p:spPr>
+      </p:pic>
+    </p:spTree>
+    <p:extLst>
+      <p:ext uri="{BB962C8B-B14F-4D97-AF65-F5344CB8AC3E}">
+        <p14:creationId xmlns:p14="http://schemas.microsoft.com/office/powerpoint/2010/main" val="2182159967"/>
+      </p:ext>
+    </p:extLst>
+  </p:cSld>
+  <p:clrMapOvr>
+    <a:masterClrMapping/>
+  </p:clrMapOvr>
+</p:sld>
+</file>
+
+<file path=ppt/slides/slide6.xml><?xml version="1.0" encoding="utf-8"?>
+<p:sld xmlns:a="http://schemas.openxmlformats.org/drawingml/2006/main" xmlns:r="http://schemas.openxmlformats.org/officeDocument/2006/relationships" xmlns:p="http://schemas.openxmlformats.org/presentationml/2006/main">
+  <p:cSld>
+    <p:spTree>
+      <p:nvGrpSpPr>
+        <p:cNvPr id="1" name=""/>
+        <p:cNvGrpSpPr/>
+        <p:nvPr/>
+      </p:nvGrpSpPr>
+      <p:grpSpPr>
+        <a:xfrm>
+          <a:off x="0" y="0"/>
+          <a:ext cx="0" cy="0"/>
+          <a:chOff x="0" y="0"/>
+          <a:chExt cx="0" cy="0"/>
+        </a:xfrm>
+      </p:grpSpPr>
       <p:sp>
         <p:nvSpPr>
           <p:cNvPr id="2" name="Round Diagonal Corner Rectangle 1"/>
@@ -5245,6 +5755,60 @@
     <p:extLst>
       <p:ext uri="{BB962C8B-B14F-4D97-AF65-F5344CB8AC3E}">
         <p14:creationId xmlns:p14="http://schemas.microsoft.com/office/powerpoint/2010/main" val="1294703194"/>
+      </p:ext>
+    </p:extLst>
+  </p:cSld>
+  <p:clrMapOvr>
+    <a:masterClrMapping/>
+  </p:clrMapOvr>
+</p:sld>
+</file>
+
+<file path=ppt/slides/slide7.xml><?xml version="1.0" encoding="utf-8"?>
+<p:sld xmlns:a="http://schemas.openxmlformats.org/drawingml/2006/main" xmlns:r="http://schemas.openxmlformats.org/officeDocument/2006/relationships" xmlns:p="http://schemas.openxmlformats.org/presentationml/2006/main">
+  <p:cSld>
+    <p:spTree>
+      <p:nvGrpSpPr>
+        <p:cNvPr id="1" name=""/>
+        <p:cNvGrpSpPr/>
+        <p:nvPr/>
+      </p:nvGrpSpPr>
+      <p:grpSpPr>
+        <a:xfrm>
+          <a:off x="0" y="0"/>
+          <a:ext cx="0" cy="0"/>
+          <a:chOff x="0" y="0"/>
+          <a:chExt cx="0" cy="0"/>
+        </a:xfrm>
+      </p:grpSpPr>
+      <p:pic>
+        <p:nvPicPr>
+          <p:cNvPr id="2" name="Picture 1"/>
+          <p:cNvPicPr>
+            <a:picLocks noChangeAspect="1"/>
+          </p:cNvPicPr>
+          <p:nvPr/>
+        </p:nvPicPr>
+        <p:blipFill>
+          <a:blip r:embed="rId2"/>
+          <a:stretch>
+            <a:fillRect/>
+          </a:stretch>
+        </p:blipFill>
+        <p:spPr>
+          <a:xfrm>
+            <a:off x="647649" y="193958"/>
+            <a:ext cx="9972675" cy="6219825"/>
+          </a:xfrm>
+          <a:prstGeom prst="rect">
+            <a:avLst/>
+          </a:prstGeom>
+        </p:spPr>
+      </p:pic>
+    </p:spTree>
+    <p:extLst>
+      <p:ext uri="{BB962C8B-B14F-4D97-AF65-F5344CB8AC3E}">
+        <p14:creationId xmlns:p14="http://schemas.microsoft.com/office/powerpoint/2010/main" val="2746103947"/>
       </p:ext>
     </p:extLst>
   </p:cSld>

--- a/Docs/HabModelWorkflow.pptx
+++ b/Docs/HabModelWorkflow.pptx
@@ -4,14 +4,24 @@
   <p:sldMasterIdLst>
     <p:sldMasterId id="2147483648" r:id="rId1"/>
   </p:sldMasterIdLst>
+  <p:notesMasterIdLst>
+    <p:notesMasterId r:id="rId16"/>
+  </p:notesMasterIdLst>
   <p:sldIdLst>
     <p:sldId id="256" r:id="rId2"/>
     <p:sldId id="259" r:id="rId3"/>
-    <p:sldId id="258" r:id="rId4"/>
-    <p:sldId id="260" r:id="rId5"/>
-    <p:sldId id="261" r:id="rId6"/>
-    <p:sldId id="257" r:id="rId7"/>
-    <p:sldId id="262" r:id="rId8"/>
+    <p:sldId id="260" r:id="rId4"/>
+    <p:sldId id="261" r:id="rId5"/>
+    <p:sldId id="257" r:id="rId6"/>
+    <p:sldId id="262" r:id="rId7"/>
+    <p:sldId id="263" r:id="rId8"/>
+    <p:sldId id="264" r:id="rId9"/>
+    <p:sldId id="265" r:id="rId10"/>
+    <p:sldId id="266" r:id="rId11"/>
+    <p:sldId id="267" r:id="rId12"/>
+    <p:sldId id="268" r:id="rId13"/>
+    <p:sldId id="270" r:id="rId14"/>
+    <p:sldId id="269" r:id="rId15"/>
   </p:sldIdLst>
   <p:sldSz cx="12192000" cy="6858000"/>
   <p:notesSz cx="7010400" cy="9296400"/>
@@ -118,6 +128,440 @@
 </p:presentation>
 </file>
 
+<file path=ppt/notesMasters/notesMaster1.xml><?xml version="1.0" encoding="utf-8"?>
+<p:notesMaster xmlns:a="http://schemas.openxmlformats.org/drawingml/2006/main" xmlns:r="http://schemas.openxmlformats.org/officeDocument/2006/relationships" xmlns:p="http://schemas.openxmlformats.org/presentationml/2006/main">
+  <p:cSld>
+    <p:bg>
+      <p:bgRef idx="1001">
+        <a:schemeClr val="bg1"/>
+      </p:bgRef>
+    </p:bg>
+    <p:spTree>
+      <p:nvGrpSpPr>
+        <p:cNvPr id="1" name=""/>
+        <p:cNvGrpSpPr/>
+        <p:nvPr/>
+      </p:nvGrpSpPr>
+      <p:grpSpPr>
+        <a:xfrm>
+          <a:off x="0" y="0"/>
+          <a:ext cx="0" cy="0"/>
+          <a:chOff x="0" y="0"/>
+          <a:chExt cx="0" cy="0"/>
+        </a:xfrm>
+      </p:grpSpPr>
+      <p:sp>
+        <p:nvSpPr>
+          <p:cNvPr id="2" name="Header Placeholder 1"/>
+          <p:cNvSpPr>
+            <a:spLocks noGrp="1"/>
+          </p:cNvSpPr>
+          <p:nvPr>
+            <p:ph type="hdr" sz="quarter"/>
+          </p:nvPr>
+        </p:nvSpPr>
+        <p:spPr>
+          <a:xfrm>
+            <a:off x="0" y="0"/>
+            <a:ext cx="3038475" cy="466725"/>
+          </a:xfrm>
+          <a:prstGeom prst="rect">
+            <a:avLst/>
+          </a:prstGeom>
+        </p:spPr>
+        <p:txBody>
+          <a:bodyPr vert="horz" lIns="91440" tIns="45720" rIns="91440" bIns="45720" rtlCol="0"/>
+          <a:lstStyle>
+            <a:lvl1pPr algn="l">
+              <a:defRPr sz="1200"/>
+            </a:lvl1pPr>
+          </a:lstStyle>
+          <a:p>
+            <a:endParaRPr lang="en-US"/>
+          </a:p>
+        </p:txBody>
+      </p:sp>
+      <p:sp>
+        <p:nvSpPr>
+          <p:cNvPr id="3" name="Date Placeholder 2"/>
+          <p:cNvSpPr>
+            <a:spLocks noGrp="1"/>
+          </p:cNvSpPr>
+          <p:nvPr>
+            <p:ph type="dt" idx="1"/>
+          </p:nvPr>
+        </p:nvSpPr>
+        <p:spPr>
+          <a:xfrm>
+            <a:off x="3970338" y="0"/>
+            <a:ext cx="3038475" cy="466725"/>
+          </a:xfrm>
+          <a:prstGeom prst="rect">
+            <a:avLst/>
+          </a:prstGeom>
+        </p:spPr>
+        <p:txBody>
+          <a:bodyPr vert="horz" lIns="91440" tIns="45720" rIns="91440" bIns="45720" rtlCol="0"/>
+          <a:lstStyle>
+            <a:lvl1pPr algn="r">
+              <a:defRPr sz="1200"/>
+            </a:lvl1pPr>
+          </a:lstStyle>
+          <a:p>
+            <a:fld id="{FCF2E4E9-B34F-4113-B7DD-F75C072BC864}" type="datetimeFigureOut">
+              <a:rPr lang="en-US" smtClean="0"/>
+              <a:t>8/7/2015</a:t>
+            </a:fld>
+            <a:endParaRPr lang="en-US"/>
+          </a:p>
+        </p:txBody>
+      </p:sp>
+      <p:sp>
+        <p:nvSpPr>
+          <p:cNvPr id="4" name="Slide Image Placeholder 3"/>
+          <p:cNvSpPr>
+            <a:spLocks noGrp="1" noRot="1" noChangeAspect="1"/>
+          </p:cNvSpPr>
+          <p:nvPr>
+            <p:ph type="sldImg" idx="2"/>
+          </p:nvPr>
+        </p:nvSpPr>
+        <p:spPr>
+          <a:xfrm>
+            <a:off x="717550" y="1162050"/>
+            <a:ext cx="5575300" cy="3136900"/>
+          </a:xfrm>
+          <a:prstGeom prst="rect">
+            <a:avLst/>
+          </a:prstGeom>
+          <a:noFill/>
+          <a:ln w="12700">
+            <a:solidFill>
+              <a:prstClr val="black"/>
+            </a:solidFill>
+          </a:ln>
+        </p:spPr>
+        <p:txBody>
+          <a:bodyPr vert="horz" lIns="91440" tIns="45720" rIns="91440" bIns="45720" rtlCol="0" anchor="ctr"/>
+          <a:lstStyle/>
+          <a:p>
+            <a:endParaRPr lang="en-US"/>
+          </a:p>
+        </p:txBody>
+      </p:sp>
+      <p:sp>
+        <p:nvSpPr>
+          <p:cNvPr id="5" name="Notes Placeholder 4"/>
+          <p:cNvSpPr>
+            <a:spLocks noGrp="1"/>
+          </p:cNvSpPr>
+          <p:nvPr>
+            <p:ph type="body" sz="quarter" idx="3"/>
+          </p:nvPr>
+        </p:nvSpPr>
+        <p:spPr>
+          <a:xfrm>
+            <a:off x="701675" y="4473575"/>
+            <a:ext cx="5607050" cy="3660775"/>
+          </a:xfrm>
+          <a:prstGeom prst="rect">
+            <a:avLst/>
+          </a:prstGeom>
+        </p:spPr>
+        <p:txBody>
+          <a:bodyPr vert="horz" lIns="91440" tIns="45720" rIns="91440" bIns="45720" rtlCol="0"/>
+          <a:lstStyle/>
+          <a:p>
+            <a:pPr lvl="0"/>
+            <a:r>
+              <a:rPr lang="en-US" smtClean="0"/>
+              <a:t>Click to edit Master text styles</a:t>
+            </a:r>
+          </a:p>
+          <a:p>
+            <a:pPr lvl="1"/>
+            <a:r>
+              <a:rPr lang="en-US" smtClean="0"/>
+              <a:t>Second level</a:t>
+            </a:r>
+          </a:p>
+          <a:p>
+            <a:pPr lvl="2"/>
+            <a:r>
+              <a:rPr lang="en-US" smtClean="0"/>
+              <a:t>Third level</a:t>
+            </a:r>
+          </a:p>
+          <a:p>
+            <a:pPr lvl="3"/>
+            <a:r>
+              <a:rPr lang="en-US" smtClean="0"/>
+              <a:t>Fourth level</a:t>
+            </a:r>
+          </a:p>
+          <a:p>
+            <a:pPr lvl="4"/>
+            <a:r>
+              <a:rPr lang="en-US" smtClean="0"/>
+              <a:t>Fifth level</a:t>
+            </a:r>
+            <a:endParaRPr lang="en-US"/>
+          </a:p>
+        </p:txBody>
+      </p:sp>
+      <p:sp>
+        <p:nvSpPr>
+          <p:cNvPr id="6" name="Footer Placeholder 5"/>
+          <p:cNvSpPr>
+            <a:spLocks noGrp="1"/>
+          </p:cNvSpPr>
+          <p:nvPr>
+            <p:ph type="ftr" sz="quarter" idx="4"/>
+          </p:nvPr>
+        </p:nvSpPr>
+        <p:spPr>
+          <a:xfrm>
+            <a:off x="0" y="8829675"/>
+            <a:ext cx="3038475" cy="466725"/>
+          </a:xfrm>
+          <a:prstGeom prst="rect">
+            <a:avLst/>
+          </a:prstGeom>
+        </p:spPr>
+        <p:txBody>
+          <a:bodyPr vert="horz" lIns="91440" tIns="45720" rIns="91440" bIns="45720" rtlCol="0" anchor="b"/>
+          <a:lstStyle>
+            <a:lvl1pPr algn="l">
+              <a:defRPr sz="1200"/>
+            </a:lvl1pPr>
+          </a:lstStyle>
+          <a:p>
+            <a:endParaRPr lang="en-US"/>
+          </a:p>
+        </p:txBody>
+      </p:sp>
+      <p:sp>
+        <p:nvSpPr>
+          <p:cNvPr id="7" name="Slide Number Placeholder 6"/>
+          <p:cNvSpPr>
+            <a:spLocks noGrp="1"/>
+          </p:cNvSpPr>
+          <p:nvPr>
+            <p:ph type="sldNum" sz="quarter" idx="5"/>
+          </p:nvPr>
+        </p:nvSpPr>
+        <p:spPr>
+          <a:xfrm>
+            <a:off x="3970338" y="8829675"/>
+            <a:ext cx="3038475" cy="466725"/>
+          </a:xfrm>
+          <a:prstGeom prst="rect">
+            <a:avLst/>
+          </a:prstGeom>
+        </p:spPr>
+        <p:txBody>
+          <a:bodyPr vert="horz" lIns="91440" tIns="45720" rIns="91440" bIns="45720" rtlCol="0" anchor="b"/>
+          <a:lstStyle>
+            <a:lvl1pPr algn="r">
+              <a:defRPr sz="1200"/>
+            </a:lvl1pPr>
+          </a:lstStyle>
+          <a:p>
+            <a:fld id="{89C65FE6-552F-4ADA-B615-870ADD490143}" type="slidenum">
+              <a:rPr lang="en-US" smtClean="0"/>
+              <a:t>‹#›</a:t>
+            </a:fld>
+            <a:endParaRPr lang="en-US"/>
+          </a:p>
+        </p:txBody>
+      </p:sp>
+    </p:spTree>
+    <p:extLst>
+      <p:ext uri="{BB962C8B-B14F-4D97-AF65-F5344CB8AC3E}">
+        <p14:creationId xmlns:p14="http://schemas.microsoft.com/office/powerpoint/2010/main" val="3123050718"/>
+      </p:ext>
+    </p:extLst>
+  </p:cSld>
+  <p:clrMap bg1="lt1" tx1="dk1" bg2="lt2" tx2="dk2" accent1="accent1" accent2="accent2" accent3="accent3" accent4="accent4" accent5="accent5" accent6="accent6" hlink="hlink" folHlink="folHlink"/>
+  <p:notesStyle>
+    <a:lvl1pPr marL="0" algn="l" defTabSz="914400" rtl="0" eaLnBrk="1" latinLnBrk="0" hangingPunct="1">
+      <a:defRPr sz="1200" kern="1200">
+        <a:solidFill>
+          <a:schemeClr val="tx1"/>
+        </a:solidFill>
+        <a:latin typeface="+mn-lt"/>
+        <a:ea typeface="+mn-ea"/>
+        <a:cs typeface="+mn-cs"/>
+      </a:defRPr>
+    </a:lvl1pPr>
+    <a:lvl2pPr marL="457200" algn="l" defTabSz="914400" rtl="0" eaLnBrk="1" latinLnBrk="0" hangingPunct="1">
+      <a:defRPr sz="1200" kern="1200">
+        <a:solidFill>
+          <a:schemeClr val="tx1"/>
+        </a:solidFill>
+        <a:latin typeface="+mn-lt"/>
+        <a:ea typeface="+mn-ea"/>
+        <a:cs typeface="+mn-cs"/>
+      </a:defRPr>
+    </a:lvl2pPr>
+    <a:lvl3pPr marL="914400" algn="l" defTabSz="914400" rtl="0" eaLnBrk="1" latinLnBrk="0" hangingPunct="1">
+      <a:defRPr sz="1200" kern="1200">
+        <a:solidFill>
+          <a:schemeClr val="tx1"/>
+        </a:solidFill>
+        <a:latin typeface="+mn-lt"/>
+        <a:ea typeface="+mn-ea"/>
+        <a:cs typeface="+mn-cs"/>
+      </a:defRPr>
+    </a:lvl3pPr>
+    <a:lvl4pPr marL="1371600" algn="l" defTabSz="914400" rtl="0" eaLnBrk="1" latinLnBrk="0" hangingPunct="1">
+      <a:defRPr sz="1200" kern="1200">
+        <a:solidFill>
+          <a:schemeClr val="tx1"/>
+        </a:solidFill>
+        <a:latin typeface="+mn-lt"/>
+        <a:ea typeface="+mn-ea"/>
+        <a:cs typeface="+mn-cs"/>
+      </a:defRPr>
+    </a:lvl4pPr>
+    <a:lvl5pPr marL="1828800" algn="l" defTabSz="914400" rtl="0" eaLnBrk="1" latinLnBrk="0" hangingPunct="1">
+      <a:defRPr sz="1200" kern="1200">
+        <a:solidFill>
+          <a:schemeClr val="tx1"/>
+        </a:solidFill>
+        <a:latin typeface="+mn-lt"/>
+        <a:ea typeface="+mn-ea"/>
+        <a:cs typeface="+mn-cs"/>
+      </a:defRPr>
+    </a:lvl5pPr>
+    <a:lvl6pPr marL="2286000" algn="l" defTabSz="914400" rtl="0" eaLnBrk="1" latinLnBrk="0" hangingPunct="1">
+      <a:defRPr sz="1200" kern="1200">
+        <a:solidFill>
+          <a:schemeClr val="tx1"/>
+        </a:solidFill>
+        <a:latin typeface="+mn-lt"/>
+        <a:ea typeface="+mn-ea"/>
+        <a:cs typeface="+mn-cs"/>
+      </a:defRPr>
+    </a:lvl6pPr>
+    <a:lvl7pPr marL="2743200" algn="l" defTabSz="914400" rtl="0" eaLnBrk="1" latinLnBrk="0" hangingPunct="1">
+      <a:defRPr sz="1200" kern="1200">
+        <a:solidFill>
+          <a:schemeClr val="tx1"/>
+        </a:solidFill>
+        <a:latin typeface="+mn-lt"/>
+        <a:ea typeface="+mn-ea"/>
+        <a:cs typeface="+mn-cs"/>
+      </a:defRPr>
+    </a:lvl7pPr>
+    <a:lvl8pPr marL="3200400" algn="l" defTabSz="914400" rtl="0" eaLnBrk="1" latinLnBrk="0" hangingPunct="1">
+      <a:defRPr sz="1200" kern="1200">
+        <a:solidFill>
+          <a:schemeClr val="tx1"/>
+        </a:solidFill>
+        <a:latin typeface="+mn-lt"/>
+        <a:ea typeface="+mn-ea"/>
+        <a:cs typeface="+mn-cs"/>
+      </a:defRPr>
+    </a:lvl8pPr>
+    <a:lvl9pPr marL="3657600" algn="l" defTabSz="914400" rtl="0" eaLnBrk="1" latinLnBrk="0" hangingPunct="1">
+      <a:defRPr sz="1200" kern="1200">
+        <a:solidFill>
+          <a:schemeClr val="tx1"/>
+        </a:solidFill>
+        <a:latin typeface="+mn-lt"/>
+        <a:ea typeface="+mn-ea"/>
+        <a:cs typeface="+mn-cs"/>
+      </a:defRPr>
+    </a:lvl9pPr>
+  </p:notesStyle>
+</p:notesMaster>
+</file>
+
+<file path=ppt/notesSlides/notesSlide1.xml><?xml version="1.0" encoding="utf-8"?>
+<p:notes xmlns:a="http://schemas.openxmlformats.org/drawingml/2006/main" xmlns:r="http://schemas.openxmlformats.org/officeDocument/2006/relationships" xmlns:p="http://schemas.openxmlformats.org/presentationml/2006/main">
+  <p:cSld>
+    <p:spTree>
+      <p:nvGrpSpPr>
+        <p:cNvPr id="1" name=""/>
+        <p:cNvGrpSpPr/>
+        <p:nvPr/>
+      </p:nvGrpSpPr>
+      <p:grpSpPr>
+        <a:xfrm>
+          <a:off x="0" y="0"/>
+          <a:ext cx="0" cy="0"/>
+          <a:chOff x="0" y="0"/>
+          <a:chExt cx="0" cy="0"/>
+        </a:xfrm>
+      </p:grpSpPr>
+      <p:sp>
+        <p:nvSpPr>
+          <p:cNvPr id="2" name="Slide Image Placeholder 1"/>
+          <p:cNvSpPr>
+            <a:spLocks noGrp="1" noRot="1" noChangeAspect="1"/>
+          </p:cNvSpPr>
+          <p:nvPr>
+            <p:ph type="sldImg"/>
+          </p:nvPr>
+        </p:nvSpPr>
+        <p:spPr/>
+      </p:sp>
+      <p:sp>
+        <p:nvSpPr>
+          <p:cNvPr id="3" name="Notes Placeholder 2"/>
+          <p:cNvSpPr>
+            <a:spLocks noGrp="1"/>
+          </p:cNvSpPr>
+          <p:nvPr>
+            <p:ph type="body" idx="1"/>
+          </p:nvPr>
+        </p:nvSpPr>
+        <p:spPr/>
+        <p:txBody>
+          <a:bodyPr/>
+          <a:lstStyle/>
+          <a:p>
+            <a:endParaRPr lang="en-US" dirty="0"/>
+          </a:p>
+        </p:txBody>
+      </p:sp>
+      <p:sp>
+        <p:nvSpPr>
+          <p:cNvPr id="4" name="Slide Number Placeholder 3"/>
+          <p:cNvSpPr>
+            <a:spLocks noGrp="1"/>
+          </p:cNvSpPr>
+          <p:nvPr>
+            <p:ph type="sldNum" sz="quarter" idx="10"/>
+          </p:nvPr>
+        </p:nvSpPr>
+        <p:spPr/>
+        <p:txBody>
+          <a:bodyPr/>
+          <a:lstStyle/>
+          <a:p>
+            <a:fld id="{89C65FE6-552F-4ADA-B615-870ADD490143}" type="slidenum">
+              <a:rPr lang="en-US" smtClean="0"/>
+              <a:t>6</a:t>
+            </a:fld>
+            <a:endParaRPr lang="en-US"/>
+          </a:p>
+        </p:txBody>
+      </p:sp>
+    </p:spTree>
+    <p:extLst>
+      <p:ext uri="{BB962C8B-B14F-4D97-AF65-F5344CB8AC3E}">
+        <p14:creationId xmlns:p14="http://schemas.microsoft.com/office/powerpoint/2010/main" val="156653219"/>
+      </p:ext>
+    </p:extLst>
+  </p:cSld>
+  <p:clrMapOvr>
+    <a:masterClrMapping/>
+  </p:clrMapOvr>
+</p:notes>
+</file>
+
 <file path=ppt/slideLayouts/slideLayout1.xml><?xml version="1.0" encoding="utf-8"?>
 <p:sldLayout xmlns:a="http://schemas.openxmlformats.org/drawingml/2006/main" xmlns:r="http://schemas.openxmlformats.org/officeDocument/2006/relationships" xmlns:p="http://schemas.openxmlformats.org/presentationml/2006/main" type="title" preserve="1">
   <p:cSld name="Title Slide">
@@ -249,7 +693,7 @@
           <a:p>
             <a:fld id="{4130C3CE-EEDC-40CB-8C01-18274405B503}" type="datetimeFigureOut">
               <a:rPr lang="en-US" smtClean="0"/>
-              <a:t>7/28/2015</a:t>
+              <a:t>8/7/2015</a:t>
             </a:fld>
             <a:endParaRPr lang="en-US"/>
           </a:p>
@@ -419,7 +863,7 @@
           <a:p>
             <a:fld id="{4130C3CE-EEDC-40CB-8C01-18274405B503}" type="datetimeFigureOut">
               <a:rPr lang="en-US" smtClean="0"/>
-              <a:t>7/28/2015</a:t>
+              <a:t>8/7/2015</a:t>
             </a:fld>
             <a:endParaRPr lang="en-US"/>
           </a:p>
@@ -599,7 +1043,7 @@
           <a:p>
             <a:fld id="{4130C3CE-EEDC-40CB-8C01-18274405B503}" type="datetimeFigureOut">
               <a:rPr lang="en-US" smtClean="0"/>
-              <a:t>7/28/2015</a:t>
+              <a:t>8/7/2015</a:t>
             </a:fld>
             <a:endParaRPr lang="en-US"/>
           </a:p>
@@ -769,7 +1213,7 @@
           <a:p>
             <a:fld id="{4130C3CE-EEDC-40CB-8C01-18274405B503}" type="datetimeFigureOut">
               <a:rPr lang="en-US" smtClean="0"/>
-              <a:t>7/28/2015</a:t>
+              <a:t>8/7/2015</a:t>
             </a:fld>
             <a:endParaRPr lang="en-US"/>
           </a:p>
@@ -1015,7 +1459,7 @@
           <a:p>
             <a:fld id="{4130C3CE-EEDC-40CB-8C01-18274405B503}" type="datetimeFigureOut">
               <a:rPr lang="en-US" smtClean="0"/>
-              <a:t>7/28/2015</a:t>
+              <a:t>8/7/2015</a:t>
             </a:fld>
             <a:endParaRPr lang="en-US"/>
           </a:p>
@@ -1247,7 +1691,7 @@
           <a:p>
             <a:fld id="{4130C3CE-EEDC-40CB-8C01-18274405B503}" type="datetimeFigureOut">
               <a:rPr lang="en-US" smtClean="0"/>
-              <a:t>7/28/2015</a:t>
+              <a:t>8/7/2015</a:t>
             </a:fld>
             <a:endParaRPr lang="en-US"/>
           </a:p>
@@ -1614,7 +2058,7 @@
           <a:p>
             <a:fld id="{4130C3CE-EEDC-40CB-8C01-18274405B503}" type="datetimeFigureOut">
               <a:rPr lang="en-US" smtClean="0"/>
-              <a:t>7/28/2015</a:t>
+              <a:t>8/7/2015</a:t>
             </a:fld>
             <a:endParaRPr lang="en-US"/>
           </a:p>
@@ -1732,7 +2176,7 @@
           <a:p>
             <a:fld id="{4130C3CE-EEDC-40CB-8C01-18274405B503}" type="datetimeFigureOut">
               <a:rPr lang="en-US" smtClean="0"/>
-              <a:t>7/28/2015</a:t>
+              <a:t>8/7/2015</a:t>
             </a:fld>
             <a:endParaRPr lang="en-US"/>
           </a:p>
@@ -1827,7 +2271,7 @@
           <a:p>
             <a:fld id="{4130C3CE-EEDC-40CB-8C01-18274405B503}" type="datetimeFigureOut">
               <a:rPr lang="en-US" smtClean="0"/>
-              <a:t>7/28/2015</a:t>
+              <a:t>8/7/2015</a:t>
             </a:fld>
             <a:endParaRPr lang="en-US"/>
           </a:p>
@@ -2104,7 +2548,7 @@
           <a:p>
             <a:fld id="{4130C3CE-EEDC-40CB-8C01-18274405B503}" type="datetimeFigureOut">
               <a:rPr lang="en-US" smtClean="0"/>
-              <a:t>7/28/2015</a:t>
+              <a:t>8/7/2015</a:t>
             </a:fld>
             <a:endParaRPr lang="en-US"/>
           </a:p>
@@ -2357,7 +2801,7 @@
           <a:p>
             <a:fld id="{4130C3CE-EEDC-40CB-8C01-18274405B503}" type="datetimeFigureOut">
               <a:rPr lang="en-US" smtClean="0"/>
-              <a:t>7/28/2015</a:t>
+              <a:t>8/7/2015</a:t>
             </a:fld>
             <a:endParaRPr lang="en-US"/>
           </a:p>
@@ -2570,7 +3014,7 @@
           <a:p>
             <a:fld id="{4130C3CE-EEDC-40CB-8C01-18274405B503}" type="datetimeFigureOut">
               <a:rPr lang="en-US" smtClean="0"/>
-              <a:t>7/28/2015</a:t>
+              <a:t>8/7/2015</a:t>
             </a:fld>
             <a:endParaRPr lang="en-US"/>
           </a:p>
@@ -4279,6 +4723,2456 @@
 </p:sld>
 </file>
 
+<file path=ppt/slides/slide10.xml><?xml version="1.0" encoding="utf-8"?>
+<p:sld xmlns:a="http://schemas.openxmlformats.org/drawingml/2006/main" xmlns:r="http://schemas.openxmlformats.org/officeDocument/2006/relationships" xmlns:p="http://schemas.openxmlformats.org/presentationml/2006/main">
+  <p:cSld>
+    <p:spTree>
+      <p:nvGrpSpPr>
+        <p:cNvPr id="1" name=""/>
+        <p:cNvGrpSpPr/>
+        <p:nvPr/>
+      </p:nvGrpSpPr>
+      <p:grpSpPr>
+        <a:xfrm>
+          <a:off x="0" y="0"/>
+          <a:ext cx="0" cy="0"/>
+          <a:chOff x="0" y="0"/>
+          <a:chExt cx="0" cy="0"/>
+        </a:xfrm>
+      </p:grpSpPr>
+      <p:pic>
+        <p:nvPicPr>
+          <p:cNvPr id="5" name="Picture 4"/>
+          <p:cNvPicPr>
+            <a:picLocks noChangeAspect="1"/>
+          </p:cNvPicPr>
+          <p:nvPr/>
+        </p:nvPicPr>
+        <p:blipFill>
+          <a:blip r:embed="rId2"/>
+          <a:stretch>
+            <a:fillRect/>
+          </a:stretch>
+        </p:blipFill>
+        <p:spPr>
+          <a:xfrm>
+            <a:off x="3267075" y="814387"/>
+            <a:ext cx="5657850" cy="5229225"/>
+          </a:xfrm>
+          <a:prstGeom prst="rect">
+            <a:avLst/>
+          </a:prstGeom>
+        </p:spPr>
+      </p:pic>
+      <p:sp>
+        <p:nvSpPr>
+          <p:cNvPr id="2" name="Rectangle 1"/>
+          <p:cNvSpPr/>
+          <p:nvPr/>
+        </p:nvSpPr>
+        <p:spPr>
+          <a:xfrm>
+            <a:off x="99918" y="96873"/>
+            <a:ext cx="2405402" cy="369332"/>
+          </a:xfrm>
+          <a:prstGeom prst="rect">
+            <a:avLst/>
+          </a:prstGeom>
+        </p:spPr>
+        <p:txBody>
+          <a:bodyPr wrap="none">
+            <a:spAutoFit/>
+          </a:bodyPr>
+          <a:lstStyle/>
+          <a:p>
+            <a:r>
+              <a:rPr lang="en-US" b="1" dirty="0" err="1"/>
+              <a:t>Moxostoma_collapsum</a:t>
+            </a:r>
+            <a:endParaRPr lang="en-US" b="1" dirty="0"/>
+          </a:p>
+        </p:txBody>
+      </p:sp>
+      <p:sp>
+        <p:nvSpPr>
+          <p:cNvPr id="4" name="Rectangle 3"/>
+          <p:cNvSpPr/>
+          <p:nvPr/>
+        </p:nvSpPr>
+        <p:spPr>
+          <a:xfrm>
+            <a:off x="5656456" y="2617203"/>
+            <a:ext cx="439544" cy="646331"/>
+          </a:xfrm>
+          <a:prstGeom prst="rect">
+            <a:avLst/>
+          </a:prstGeom>
+        </p:spPr>
+        <p:txBody>
+          <a:bodyPr wrap="none">
+            <a:spAutoFit/>
+          </a:bodyPr>
+          <a:lstStyle/>
+          <a:p>
+            <a:r>
+              <a:rPr lang="en-US" sz="3600" b="1" dirty="0" smtClean="0">
+                <a:solidFill>
+                  <a:srgbClr val="FF0000">
+                    <a:alpha val="44000"/>
+                  </a:srgbClr>
+                </a:solidFill>
+                <a:effectLst>
+                  <a:outerShdw blurRad="38100" dist="38100" dir="2700000" algn="tl">
+                    <a:srgbClr val="000000">
+                      <a:alpha val="43137"/>
+                    </a:srgbClr>
+                  </a:outerShdw>
+                </a:effectLst>
+              </a:rPr>
+              <a:t>X</a:t>
+            </a:r>
+            <a:endParaRPr lang="en-US" sz="3600" dirty="0">
+              <a:solidFill>
+                <a:srgbClr val="FF0000">
+                  <a:alpha val="44000"/>
+                </a:srgbClr>
+              </a:solidFill>
+              <a:effectLst>
+                <a:outerShdw blurRad="38100" dist="38100" dir="2700000" algn="tl">
+                  <a:srgbClr val="000000">
+                    <a:alpha val="43137"/>
+                  </a:srgbClr>
+                </a:outerShdw>
+              </a:effectLst>
+            </a:endParaRPr>
+          </a:p>
+        </p:txBody>
+      </p:sp>
+      <p:sp>
+        <p:nvSpPr>
+          <p:cNvPr id="6" name="Rectangle 5"/>
+          <p:cNvSpPr/>
+          <p:nvPr/>
+        </p:nvSpPr>
+        <p:spPr>
+          <a:xfrm>
+            <a:off x="7390253" y="814387"/>
+            <a:ext cx="439544" cy="646331"/>
+          </a:xfrm>
+          <a:prstGeom prst="rect">
+            <a:avLst/>
+          </a:prstGeom>
+        </p:spPr>
+        <p:txBody>
+          <a:bodyPr wrap="none">
+            <a:spAutoFit/>
+          </a:bodyPr>
+          <a:lstStyle/>
+          <a:p>
+            <a:r>
+              <a:rPr lang="en-US" sz="3600" b="1" dirty="0" smtClean="0">
+                <a:solidFill>
+                  <a:srgbClr val="FF0000">
+                    <a:alpha val="44000"/>
+                  </a:srgbClr>
+                </a:solidFill>
+                <a:effectLst>
+                  <a:outerShdw blurRad="38100" dist="38100" dir="2700000" algn="tl">
+                    <a:srgbClr val="000000">
+                      <a:alpha val="43137"/>
+                    </a:srgbClr>
+                  </a:outerShdw>
+                </a:effectLst>
+              </a:rPr>
+              <a:t>X</a:t>
+            </a:r>
+            <a:endParaRPr lang="en-US" sz="3600" dirty="0">
+              <a:solidFill>
+                <a:srgbClr val="FF0000">
+                  <a:alpha val="44000"/>
+                </a:srgbClr>
+              </a:solidFill>
+              <a:effectLst>
+                <a:outerShdw blurRad="38100" dist="38100" dir="2700000" algn="tl">
+                  <a:srgbClr val="000000">
+                    <a:alpha val="43137"/>
+                  </a:srgbClr>
+                </a:outerShdw>
+              </a:effectLst>
+            </a:endParaRPr>
+          </a:p>
+        </p:txBody>
+      </p:sp>
+      <p:sp>
+        <p:nvSpPr>
+          <p:cNvPr id="7" name="Rectangle 6"/>
+          <p:cNvSpPr/>
+          <p:nvPr/>
+        </p:nvSpPr>
+        <p:spPr>
+          <a:xfrm>
+            <a:off x="7170481" y="4198854"/>
+            <a:ext cx="439544" cy="646331"/>
+          </a:xfrm>
+          <a:prstGeom prst="rect">
+            <a:avLst/>
+          </a:prstGeom>
+        </p:spPr>
+        <p:txBody>
+          <a:bodyPr wrap="none">
+            <a:spAutoFit/>
+          </a:bodyPr>
+          <a:lstStyle/>
+          <a:p>
+            <a:r>
+              <a:rPr lang="en-US" sz="3600" b="1" dirty="0" smtClean="0">
+                <a:solidFill>
+                  <a:srgbClr val="FF0000">
+                    <a:alpha val="44000"/>
+                  </a:srgbClr>
+                </a:solidFill>
+                <a:effectLst>
+                  <a:outerShdw blurRad="38100" dist="38100" dir="2700000" algn="tl">
+                    <a:srgbClr val="000000">
+                      <a:alpha val="43137"/>
+                    </a:srgbClr>
+                  </a:outerShdw>
+                </a:effectLst>
+              </a:rPr>
+              <a:t>X</a:t>
+            </a:r>
+            <a:endParaRPr lang="en-US" sz="3600" dirty="0">
+              <a:solidFill>
+                <a:srgbClr val="FF0000">
+                  <a:alpha val="44000"/>
+                </a:srgbClr>
+              </a:solidFill>
+              <a:effectLst>
+                <a:outerShdw blurRad="38100" dist="38100" dir="2700000" algn="tl">
+                  <a:srgbClr val="000000">
+                    <a:alpha val="43137"/>
+                  </a:srgbClr>
+                </a:outerShdw>
+              </a:effectLst>
+            </a:endParaRPr>
+          </a:p>
+        </p:txBody>
+      </p:sp>
+      <p:sp>
+        <p:nvSpPr>
+          <p:cNvPr id="8" name="Rectangle 7"/>
+          <p:cNvSpPr/>
+          <p:nvPr/>
+        </p:nvSpPr>
+        <p:spPr>
+          <a:xfrm>
+            <a:off x="4652913" y="4044475"/>
+            <a:ext cx="439544" cy="646331"/>
+          </a:xfrm>
+          <a:prstGeom prst="rect">
+            <a:avLst/>
+          </a:prstGeom>
+        </p:spPr>
+        <p:txBody>
+          <a:bodyPr wrap="none">
+            <a:spAutoFit/>
+          </a:bodyPr>
+          <a:lstStyle/>
+          <a:p>
+            <a:r>
+              <a:rPr lang="en-US" sz="3600" b="1" dirty="0" smtClean="0">
+                <a:solidFill>
+                  <a:srgbClr val="FF0000">
+                    <a:alpha val="44000"/>
+                  </a:srgbClr>
+                </a:solidFill>
+                <a:effectLst>
+                  <a:outerShdw blurRad="38100" dist="38100" dir="2700000" algn="tl">
+                    <a:srgbClr val="000000">
+                      <a:alpha val="43137"/>
+                    </a:srgbClr>
+                  </a:outerShdw>
+                </a:effectLst>
+              </a:rPr>
+              <a:t>X</a:t>
+            </a:r>
+            <a:endParaRPr lang="en-US" sz="3600" dirty="0">
+              <a:solidFill>
+                <a:srgbClr val="FF0000">
+                  <a:alpha val="44000"/>
+                </a:srgbClr>
+              </a:solidFill>
+              <a:effectLst>
+                <a:outerShdw blurRad="38100" dist="38100" dir="2700000" algn="tl">
+                  <a:srgbClr val="000000">
+                    <a:alpha val="43137"/>
+                  </a:srgbClr>
+                </a:outerShdw>
+              </a:effectLst>
+            </a:endParaRPr>
+          </a:p>
+        </p:txBody>
+      </p:sp>
+      <p:sp>
+        <p:nvSpPr>
+          <p:cNvPr id="9" name="Rectangle 8"/>
+          <p:cNvSpPr/>
+          <p:nvPr/>
+        </p:nvSpPr>
+        <p:spPr>
+          <a:xfrm>
+            <a:off x="5216912" y="4845185"/>
+            <a:ext cx="439544" cy="646331"/>
+          </a:xfrm>
+          <a:prstGeom prst="rect">
+            <a:avLst/>
+          </a:prstGeom>
+        </p:spPr>
+        <p:txBody>
+          <a:bodyPr wrap="none">
+            <a:spAutoFit/>
+          </a:bodyPr>
+          <a:lstStyle/>
+          <a:p>
+            <a:r>
+              <a:rPr lang="en-US" sz="3600" b="1" dirty="0" smtClean="0">
+                <a:solidFill>
+                  <a:srgbClr val="FF0000">
+                    <a:alpha val="44000"/>
+                  </a:srgbClr>
+                </a:solidFill>
+                <a:effectLst>
+                  <a:outerShdw blurRad="38100" dist="38100" dir="2700000" algn="tl">
+                    <a:srgbClr val="000000">
+                      <a:alpha val="43137"/>
+                    </a:srgbClr>
+                  </a:outerShdw>
+                </a:effectLst>
+              </a:rPr>
+              <a:t>X</a:t>
+            </a:r>
+            <a:endParaRPr lang="en-US" sz="3600" dirty="0">
+              <a:solidFill>
+                <a:srgbClr val="FF0000">
+                  <a:alpha val="44000"/>
+                </a:srgbClr>
+              </a:solidFill>
+              <a:effectLst>
+                <a:outerShdw blurRad="38100" dist="38100" dir="2700000" algn="tl">
+                  <a:srgbClr val="000000">
+                    <a:alpha val="43137"/>
+                  </a:srgbClr>
+                </a:outerShdw>
+              </a:effectLst>
+            </a:endParaRPr>
+          </a:p>
+        </p:txBody>
+      </p:sp>
+      <p:sp>
+        <p:nvSpPr>
+          <p:cNvPr id="10" name="Rectangle 9"/>
+          <p:cNvSpPr/>
+          <p:nvPr/>
+        </p:nvSpPr>
+        <p:spPr>
+          <a:xfrm>
+            <a:off x="4777368" y="1970872"/>
+            <a:ext cx="439544" cy="646331"/>
+          </a:xfrm>
+          <a:prstGeom prst="rect">
+            <a:avLst/>
+          </a:prstGeom>
+        </p:spPr>
+        <p:txBody>
+          <a:bodyPr wrap="square">
+            <a:spAutoFit/>
+          </a:bodyPr>
+          <a:lstStyle/>
+          <a:p>
+            <a:r>
+              <a:rPr lang="en-US" sz="3600" b="1" dirty="0" smtClean="0">
+                <a:solidFill>
+                  <a:srgbClr val="FF0000">
+                    <a:alpha val="44000"/>
+                  </a:srgbClr>
+                </a:solidFill>
+                <a:effectLst>
+                  <a:outerShdw blurRad="38100" dist="38100" dir="2700000" algn="tl">
+                    <a:srgbClr val="000000">
+                      <a:alpha val="43137"/>
+                    </a:srgbClr>
+                  </a:outerShdw>
+                </a:effectLst>
+              </a:rPr>
+              <a:t>X</a:t>
+            </a:r>
+            <a:endParaRPr lang="en-US" sz="3600" dirty="0">
+              <a:solidFill>
+                <a:srgbClr val="FF0000">
+                  <a:alpha val="44000"/>
+                </a:srgbClr>
+              </a:solidFill>
+              <a:effectLst>
+                <a:outerShdw blurRad="38100" dist="38100" dir="2700000" algn="tl">
+                  <a:srgbClr val="000000">
+                    <a:alpha val="43137"/>
+                  </a:srgbClr>
+                </a:outerShdw>
+              </a:effectLst>
+            </a:endParaRPr>
+          </a:p>
+        </p:txBody>
+      </p:sp>
+      <p:sp>
+        <p:nvSpPr>
+          <p:cNvPr id="11" name="Rectangle 10"/>
+          <p:cNvSpPr/>
+          <p:nvPr/>
+        </p:nvSpPr>
+        <p:spPr>
+          <a:xfrm>
+            <a:off x="6730937" y="1532897"/>
+            <a:ext cx="439544" cy="646331"/>
+          </a:xfrm>
+          <a:prstGeom prst="rect">
+            <a:avLst/>
+          </a:prstGeom>
+        </p:spPr>
+        <p:txBody>
+          <a:bodyPr wrap="square">
+            <a:spAutoFit/>
+          </a:bodyPr>
+          <a:lstStyle/>
+          <a:p>
+            <a:r>
+              <a:rPr lang="en-US" sz="3600" b="1" dirty="0" smtClean="0">
+                <a:solidFill>
+                  <a:srgbClr val="FF0000">
+                    <a:alpha val="44000"/>
+                  </a:srgbClr>
+                </a:solidFill>
+                <a:effectLst>
+                  <a:outerShdw blurRad="38100" dist="38100" dir="2700000" algn="tl">
+                    <a:srgbClr val="000000">
+                      <a:alpha val="43137"/>
+                    </a:srgbClr>
+                  </a:outerShdw>
+                </a:effectLst>
+              </a:rPr>
+              <a:t>X</a:t>
+            </a:r>
+            <a:endParaRPr lang="en-US" sz="3600" dirty="0">
+              <a:solidFill>
+                <a:srgbClr val="FF0000">
+                  <a:alpha val="44000"/>
+                </a:srgbClr>
+              </a:solidFill>
+              <a:effectLst>
+                <a:outerShdw blurRad="38100" dist="38100" dir="2700000" algn="tl">
+                  <a:srgbClr val="000000">
+                    <a:alpha val="43137"/>
+                  </a:srgbClr>
+                </a:outerShdw>
+              </a:effectLst>
+            </a:endParaRPr>
+          </a:p>
+        </p:txBody>
+      </p:sp>
+    </p:spTree>
+    <p:extLst>
+      <p:ext uri="{BB962C8B-B14F-4D97-AF65-F5344CB8AC3E}">
+        <p14:creationId xmlns:p14="http://schemas.microsoft.com/office/powerpoint/2010/main" val="2656325227"/>
+      </p:ext>
+    </p:extLst>
+  </p:cSld>
+  <p:clrMapOvr>
+    <a:masterClrMapping/>
+  </p:clrMapOvr>
+</p:sld>
+</file>
+
+<file path=ppt/slides/slide11.xml><?xml version="1.0" encoding="utf-8"?>
+<p:sld xmlns:a="http://schemas.openxmlformats.org/drawingml/2006/main" xmlns:r="http://schemas.openxmlformats.org/officeDocument/2006/relationships" xmlns:p="http://schemas.openxmlformats.org/presentationml/2006/main">
+  <p:cSld>
+    <p:spTree>
+      <p:nvGrpSpPr>
+        <p:cNvPr id="1" name=""/>
+        <p:cNvGrpSpPr/>
+        <p:nvPr/>
+      </p:nvGrpSpPr>
+      <p:grpSpPr>
+        <a:xfrm>
+          <a:off x="0" y="0"/>
+          <a:ext cx="0" cy="0"/>
+          <a:chOff x="0" y="0"/>
+          <a:chExt cx="0" cy="0"/>
+        </a:xfrm>
+      </p:grpSpPr>
+      <p:sp>
+        <p:nvSpPr>
+          <p:cNvPr id="2" name="Rectangle 1"/>
+          <p:cNvSpPr/>
+          <p:nvPr/>
+        </p:nvSpPr>
+        <p:spPr>
+          <a:xfrm>
+            <a:off x="266810" y="116123"/>
+            <a:ext cx="1782860" cy="369332"/>
+          </a:xfrm>
+          <a:prstGeom prst="rect">
+            <a:avLst/>
+          </a:prstGeom>
+        </p:spPr>
+        <p:txBody>
+          <a:bodyPr wrap="none">
+            <a:spAutoFit/>
+          </a:bodyPr>
+          <a:lstStyle/>
+          <a:p>
+            <a:r>
+              <a:rPr lang="en-US" b="1" dirty="0" err="1"/>
+              <a:t>Noturus_insignis</a:t>
+            </a:r>
+            <a:endParaRPr lang="en-US" b="1" dirty="0"/>
+          </a:p>
+        </p:txBody>
+      </p:sp>
+      <p:pic>
+        <p:nvPicPr>
+          <p:cNvPr id="3" name="Picture 2"/>
+          <p:cNvPicPr>
+            <a:picLocks noChangeAspect="1"/>
+          </p:cNvPicPr>
+          <p:nvPr/>
+        </p:nvPicPr>
+        <p:blipFill>
+          <a:blip r:embed="rId2"/>
+          <a:stretch>
+            <a:fillRect/>
+          </a:stretch>
+        </p:blipFill>
+        <p:spPr>
+          <a:xfrm>
+            <a:off x="2357437" y="1081087"/>
+            <a:ext cx="7477125" cy="4695825"/>
+          </a:xfrm>
+          <a:prstGeom prst="rect">
+            <a:avLst/>
+          </a:prstGeom>
+        </p:spPr>
+      </p:pic>
+      <p:sp>
+        <p:nvSpPr>
+          <p:cNvPr id="5" name="Rectangle 4"/>
+          <p:cNvSpPr/>
+          <p:nvPr/>
+        </p:nvSpPr>
+        <p:spPr>
+          <a:xfrm>
+            <a:off x="2723250" y="1880933"/>
+            <a:ext cx="439544" cy="646331"/>
+          </a:xfrm>
+          <a:prstGeom prst="rect">
+            <a:avLst/>
+          </a:prstGeom>
+        </p:spPr>
+        <p:txBody>
+          <a:bodyPr wrap="none">
+            <a:spAutoFit/>
+          </a:bodyPr>
+          <a:lstStyle/>
+          <a:p>
+            <a:r>
+              <a:rPr lang="en-US" sz="3600" b="1" dirty="0" smtClean="0">
+                <a:solidFill>
+                  <a:srgbClr val="FF0000">
+                    <a:alpha val="44000"/>
+                  </a:srgbClr>
+                </a:solidFill>
+                <a:effectLst>
+                  <a:outerShdw blurRad="38100" dist="38100" dir="2700000" algn="tl">
+                    <a:srgbClr val="000000">
+                      <a:alpha val="43137"/>
+                    </a:srgbClr>
+                  </a:outerShdw>
+                </a:effectLst>
+              </a:rPr>
+              <a:t>X</a:t>
+            </a:r>
+            <a:endParaRPr lang="en-US" sz="3600" dirty="0">
+              <a:solidFill>
+                <a:srgbClr val="FF0000">
+                  <a:alpha val="44000"/>
+                </a:srgbClr>
+              </a:solidFill>
+              <a:effectLst>
+                <a:outerShdw blurRad="38100" dist="38100" dir="2700000" algn="tl">
+                  <a:srgbClr val="000000">
+                    <a:alpha val="43137"/>
+                  </a:srgbClr>
+                </a:outerShdw>
+              </a:effectLst>
+            </a:endParaRPr>
+          </a:p>
+        </p:txBody>
+      </p:sp>
+      <p:sp>
+        <p:nvSpPr>
+          <p:cNvPr id="6" name="Rectangle 5"/>
+          <p:cNvSpPr/>
+          <p:nvPr/>
+        </p:nvSpPr>
+        <p:spPr>
+          <a:xfrm>
+            <a:off x="3528607" y="1762180"/>
+            <a:ext cx="439544" cy="646331"/>
+          </a:xfrm>
+          <a:prstGeom prst="rect">
+            <a:avLst/>
+          </a:prstGeom>
+        </p:spPr>
+        <p:txBody>
+          <a:bodyPr wrap="none">
+            <a:spAutoFit/>
+          </a:bodyPr>
+          <a:lstStyle/>
+          <a:p>
+            <a:r>
+              <a:rPr lang="en-US" sz="3600" b="1" dirty="0" smtClean="0">
+                <a:solidFill>
+                  <a:srgbClr val="FF0000">
+                    <a:alpha val="44000"/>
+                  </a:srgbClr>
+                </a:solidFill>
+                <a:effectLst>
+                  <a:outerShdw blurRad="38100" dist="38100" dir="2700000" algn="tl">
+                    <a:srgbClr val="000000">
+                      <a:alpha val="43137"/>
+                    </a:srgbClr>
+                  </a:outerShdw>
+                </a:effectLst>
+              </a:rPr>
+              <a:t>X</a:t>
+            </a:r>
+            <a:endParaRPr lang="en-US" sz="3600" dirty="0">
+              <a:solidFill>
+                <a:srgbClr val="FF0000">
+                  <a:alpha val="44000"/>
+                </a:srgbClr>
+              </a:solidFill>
+              <a:effectLst>
+                <a:outerShdw blurRad="38100" dist="38100" dir="2700000" algn="tl">
+                  <a:srgbClr val="000000">
+                    <a:alpha val="43137"/>
+                  </a:srgbClr>
+                </a:outerShdw>
+              </a:effectLst>
+            </a:endParaRPr>
+          </a:p>
+        </p:txBody>
+      </p:sp>
+      <p:sp>
+        <p:nvSpPr>
+          <p:cNvPr id="7" name="Rectangle 6"/>
+          <p:cNvSpPr/>
+          <p:nvPr/>
+        </p:nvSpPr>
+        <p:spPr>
+          <a:xfrm>
+            <a:off x="5063845" y="2394456"/>
+            <a:ext cx="439544" cy="646331"/>
+          </a:xfrm>
+          <a:prstGeom prst="rect">
+            <a:avLst/>
+          </a:prstGeom>
+        </p:spPr>
+        <p:txBody>
+          <a:bodyPr wrap="none">
+            <a:spAutoFit/>
+          </a:bodyPr>
+          <a:lstStyle/>
+          <a:p>
+            <a:r>
+              <a:rPr lang="en-US" sz="3600" b="1" dirty="0" smtClean="0">
+                <a:solidFill>
+                  <a:srgbClr val="FF0000">
+                    <a:alpha val="44000"/>
+                  </a:srgbClr>
+                </a:solidFill>
+                <a:effectLst>
+                  <a:outerShdw blurRad="38100" dist="38100" dir="2700000" algn="tl">
+                    <a:srgbClr val="000000">
+                      <a:alpha val="43137"/>
+                    </a:srgbClr>
+                  </a:outerShdw>
+                </a:effectLst>
+              </a:rPr>
+              <a:t>X</a:t>
+            </a:r>
+            <a:endParaRPr lang="en-US" sz="3600" dirty="0">
+              <a:solidFill>
+                <a:srgbClr val="FF0000">
+                  <a:alpha val="44000"/>
+                </a:srgbClr>
+              </a:solidFill>
+              <a:effectLst>
+                <a:outerShdw blurRad="38100" dist="38100" dir="2700000" algn="tl">
+                  <a:srgbClr val="000000">
+                    <a:alpha val="43137"/>
+                  </a:srgbClr>
+                </a:outerShdw>
+              </a:effectLst>
+            </a:endParaRPr>
+          </a:p>
+        </p:txBody>
+      </p:sp>
+      <p:sp>
+        <p:nvSpPr>
+          <p:cNvPr id="8" name="Rectangle 7"/>
+          <p:cNvSpPr/>
+          <p:nvPr/>
+        </p:nvSpPr>
+        <p:spPr>
+          <a:xfrm>
+            <a:off x="5443110" y="2782668"/>
+            <a:ext cx="439544" cy="646331"/>
+          </a:xfrm>
+          <a:prstGeom prst="rect">
+            <a:avLst/>
+          </a:prstGeom>
+        </p:spPr>
+        <p:txBody>
+          <a:bodyPr wrap="none">
+            <a:spAutoFit/>
+          </a:bodyPr>
+          <a:lstStyle/>
+          <a:p>
+            <a:r>
+              <a:rPr lang="en-US" sz="3600" b="1" dirty="0" smtClean="0">
+                <a:solidFill>
+                  <a:srgbClr val="FF0000">
+                    <a:alpha val="44000"/>
+                  </a:srgbClr>
+                </a:solidFill>
+                <a:effectLst>
+                  <a:outerShdw blurRad="38100" dist="38100" dir="2700000" algn="tl">
+                    <a:srgbClr val="000000">
+                      <a:alpha val="43137"/>
+                    </a:srgbClr>
+                  </a:outerShdw>
+                </a:effectLst>
+              </a:rPr>
+              <a:t>X</a:t>
+            </a:r>
+            <a:endParaRPr lang="en-US" sz="3600" dirty="0">
+              <a:solidFill>
+                <a:srgbClr val="FF0000">
+                  <a:alpha val="44000"/>
+                </a:srgbClr>
+              </a:solidFill>
+              <a:effectLst>
+                <a:outerShdw blurRad="38100" dist="38100" dir="2700000" algn="tl">
+                  <a:srgbClr val="000000">
+                    <a:alpha val="43137"/>
+                  </a:srgbClr>
+                </a:outerShdw>
+              </a:effectLst>
+            </a:endParaRPr>
+          </a:p>
+        </p:txBody>
+      </p:sp>
+      <p:sp>
+        <p:nvSpPr>
+          <p:cNvPr id="9" name="Rectangle 8"/>
+          <p:cNvSpPr/>
+          <p:nvPr/>
+        </p:nvSpPr>
+        <p:spPr>
+          <a:xfrm>
+            <a:off x="6095999" y="1124754"/>
+            <a:ext cx="439544" cy="646331"/>
+          </a:xfrm>
+          <a:prstGeom prst="rect">
+            <a:avLst/>
+          </a:prstGeom>
+        </p:spPr>
+        <p:txBody>
+          <a:bodyPr wrap="none">
+            <a:spAutoFit/>
+          </a:bodyPr>
+          <a:lstStyle/>
+          <a:p>
+            <a:r>
+              <a:rPr lang="en-US" sz="3600" b="1" dirty="0" smtClean="0">
+                <a:solidFill>
+                  <a:srgbClr val="FF0000">
+                    <a:alpha val="44000"/>
+                  </a:srgbClr>
+                </a:solidFill>
+                <a:effectLst>
+                  <a:outerShdw blurRad="38100" dist="38100" dir="2700000" algn="tl">
+                    <a:srgbClr val="000000">
+                      <a:alpha val="43137"/>
+                    </a:srgbClr>
+                  </a:outerShdw>
+                </a:effectLst>
+              </a:rPr>
+              <a:t>X</a:t>
+            </a:r>
+            <a:endParaRPr lang="en-US" sz="3600" dirty="0">
+              <a:solidFill>
+                <a:srgbClr val="FF0000">
+                  <a:alpha val="44000"/>
+                </a:srgbClr>
+              </a:solidFill>
+              <a:effectLst>
+                <a:outerShdw blurRad="38100" dist="38100" dir="2700000" algn="tl">
+                  <a:srgbClr val="000000">
+                    <a:alpha val="43137"/>
+                  </a:srgbClr>
+                </a:outerShdw>
+              </a:effectLst>
+            </a:endParaRPr>
+          </a:p>
+        </p:txBody>
+      </p:sp>
+      <p:sp>
+        <p:nvSpPr>
+          <p:cNvPr id="10" name="Rectangle 9"/>
+          <p:cNvSpPr/>
+          <p:nvPr/>
+        </p:nvSpPr>
+        <p:spPr>
+          <a:xfrm>
+            <a:off x="6828202" y="1455521"/>
+            <a:ext cx="439544" cy="646331"/>
+          </a:xfrm>
+          <a:prstGeom prst="rect">
+            <a:avLst/>
+          </a:prstGeom>
+        </p:spPr>
+        <p:txBody>
+          <a:bodyPr wrap="none">
+            <a:spAutoFit/>
+          </a:bodyPr>
+          <a:lstStyle/>
+          <a:p>
+            <a:r>
+              <a:rPr lang="en-US" sz="3600" b="1" dirty="0" smtClean="0">
+                <a:solidFill>
+                  <a:srgbClr val="FF0000">
+                    <a:alpha val="44000"/>
+                  </a:srgbClr>
+                </a:solidFill>
+                <a:effectLst>
+                  <a:outerShdw blurRad="38100" dist="38100" dir="2700000" algn="tl">
+                    <a:srgbClr val="000000">
+                      <a:alpha val="43137"/>
+                    </a:srgbClr>
+                  </a:outerShdw>
+                </a:effectLst>
+              </a:rPr>
+              <a:t>X</a:t>
+            </a:r>
+            <a:endParaRPr lang="en-US" sz="3600" dirty="0">
+              <a:solidFill>
+                <a:srgbClr val="FF0000">
+                  <a:alpha val="44000"/>
+                </a:srgbClr>
+              </a:solidFill>
+              <a:effectLst>
+                <a:outerShdw blurRad="38100" dist="38100" dir="2700000" algn="tl">
+                  <a:srgbClr val="000000">
+                    <a:alpha val="43137"/>
+                  </a:srgbClr>
+                </a:outerShdw>
+              </a:effectLst>
+            </a:endParaRPr>
+          </a:p>
+        </p:txBody>
+      </p:sp>
+      <p:sp>
+        <p:nvSpPr>
+          <p:cNvPr id="11" name="Rectangle 10"/>
+          <p:cNvSpPr/>
+          <p:nvPr/>
+        </p:nvSpPr>
+        <p:spPr>
+          <a:xfrm>
+            <a:off x="6786607" y="2100631"/>
+            <a:ext cx="439544" cy="646331"/>
+          </a:xfrm>
+          <a:prstGeom prst="rect">
+            <a:avLst/>
+          </a:prstGeom>
+        </p:spPr>
+        <p:txBody>
+          <a:bodyPr wrap="none">
+            <a:spAutoFit/>
+          </a:bodyPr>
+          <a:lstStyle/>
+          <a:p>
+            <a:r>
+              <a:rPr lang="en-US" sz="3600" b="1" dirty="0" smtClean="0">
+                <a:solidFill>
+                  <a:srgbClr val="FF0000">
+                    <a:alpha val="44000"/>
+                  </a:srgbClr>
+                </a:solidFill>
+                <a:effectLst>
+                  <a:outerShdw blurRad="38100" dist="38100" dir="2700000" algn="tl">
+                    <a:srgbClr val="000000">
+                      <a:alpha val="43137"/>
+                    </a:srgbClr>
+                  </a:outerShdw>
+                </a:effectLst>
+              </a:rPr>
+              <a:t>X</a:t>
+            </a:r>
+            <a:endParaRPr lang="en-US" sz="3600" dirty="0">
+              <a:solidFill>
+                <a:srgbClr val="FF0000">
+                  <a:alpha val="44000"/>
+                </a:srgbClr>
+              </a:solidFill>
+              <a:effectLst>
+                <a:outerShdw blurRad="38100" dist="38100" dir="2700000" algn="tl">
+                  <a:srgbClr val="000000">
+                    <a:alpha val="43137"/>
+                  </a:srgbClr>
+                </a:outerShdw>
+              </a:effectLst>
+            </a:endParaRPr>
+          </a:p>
+        </p:txBody>
+      </p:sp>
+      <p:sp>
+        <p:nvSpPr>
+          <p:cNvPr id="12" name="Rectangle 11"/>
+          <p:cNvSpPr/>
+          <p:nvPr/>
+        </p:nvSpPr>
+        <p:spPr>
+          <a:xfrm>
+            <a:off x="8369290" y="2709508"/>
+            <a:ext cx="439544" cy="646331"/>
+          </a:xfrm>
+          <a:prstGeom prst="rect">
+            <a:avLst/>
+          </a:prstGeom>
+        </p:spPr>
+        <p:txBody>
+          <a:bodyPr wrap="none">
+            <a:spAutoFit/>
+          </a:bodyPr>
+          <a:lstStyle/>
+          <a:p>
+            <a:r>
+              <a:rPr lang="en-US" sz="3600" b="1" dirty="0" smtClean="0">
+                <a:solidFill>
+                  <a:srgbClr val="FF0000">
+                    <a:alpha val="44000"/>
+                  </a:srgbClr>
+                </a:solidFill>
+                <a:effectLst>
+                  <a:outerShdw blurRad="38100" dist="38100" dir="2700000" algn="tl">
+                    <a:srgbClr val="000000">
+                      <a:alpha val="43137"/>
+                    </a:srgbClr>
+                  </a:outerShdw>
+                </a:effectLst>
+              </a:rPr>
+              <a:t>X</a:t>
+            </a:r>
+            <a:endParaRPr lang="en-US" sz="3600" dirty="0">
+              <a:solidFill>
+                <a:srgbClr val="FF0000">
+                  <a:alpha val="44000"/>
+                </a:srgbClr>
+              </a:solidFill>
+              <a:effectLst>
+                <a:outerShdw blurRad="38100" dist="38100" dir="2700000" algn="tl">
+                  <a:srgbClr val="000000">
+                    <a:alpha val="43137"/>
+                  </a:srgbClr>
+                </a:outerShdw>
+              </a:effectLst>
+            </a:endParaRPr>
+          </a:p>
+        </p:txBody>
+      </p:sp>
+      <p:sp>
+        <p:nvSpPr>
+          <p:cNvPr id="13" name="Rectangle 12"/>
+          <p:cNvSpPr/>
+          <p:nvPr/>
+        </p:nvSpPr>
+        <p:spPr>
+          <a:xfrm>
+            <a:off x="8149518" y="4979382"/>
+            <a:ext cx="439544" cy="646331"/>
+          </a:xfrm>
+          <a:prstGeom prst="rect">
+            <a:avLst/>
+          </a:prstGeom>
+        </p:spPr>
+        <p:txBody>
+          <a:bodyPr wrap="none">
+            <a:spAutoFit/>
+          </a:bodyPr>
+          <a:lstStyle/>
+          <a:p>
+            <a:r>
+              <a:rPr lang="en-US" sz="3600" b="1" dirty="0" smtClean="0">
+                <a:solidFill>
+                  <a:srgbClr val="FF0000">
+                    <a:alpha val="44000"/>
+                  </a:srgbClr>
+                </a:solidFill>
+                <a:effectLst>
+                  <a:outerShdw blurRad="38100" dist="38100" dir="2700000" algn="tl">
+                    <a:srgbClr val="000000">
+                      <a:alpha val="43137"/>
+                    </a:srgbClr>
+                  </a:outerShdw>
+                </a:effectLst>
+              </a:rPr>
+              <a:t>X</a:t>
+            </a:r>
+            <a:endParaRPr lang="en-US" sz="3600" dirty="0">
+              <a:solidFill>
+                <a:srgbClr val="FF0000">
+                  <a:alpha val="44000"/>
+                </a:srgbClr>
+              </a:solidFill>
+              <a:effectLst>
+                <a:outerShdw blurRad="38100" dist="38100" dir="2700000" algn="tl">
+                  <a:srgbClr val="000000">
+                    <a:alpha val="43137"/>
+                  </a:srgbClr>
+                </a:outerShdw>
+              </a:effectLst>
+            </a:endParaRPr>
+          </a:p>
+        </p:txBody>
+      </p:sp>
+      <p:sp>
+        <p:nvSpPr>
+          <p:cNvPr id="14" name="Rectangle 13"/>
+          <p:cNvSpPr/>
+          <p:nvPr/>
+        </p:nvSpPr>
+        <p:spPr>
+          <a:xfrm>
+            <a:off x="4844073" y="4354156"/>
+            <a:ext cx="439544" cy="646331"/>
+          </a:xfrm>
+          <a:prstGeom prst="rect">
+            <a:avLst/>
+          </a:prstGeom>
+        </p:spPr>
+        <p:txBody>
+          <a:bodyPr wrap="none">
+            <a:spAutoFit/>
+          </a:bodyPr>
+          <a:lstStyle/>
+          <a:p>
+            <a:r>
+              <a:rPr lang="en-US" sz="3600" b="1" dirty="0" smtClean="0">
+                <a:solidFill>
+                  <a:srgbClr val="FF0000">
+                    <a:alpha val="44000"/>
+                  </a:srgbClr>
+                </a:solidFill>
+                <a:effectLst>
+                  <a:outerShdw blurRad="38100" dist="38100" dir="2700000" algn="tl">
+                    <a:srgbClr val="000000">
+                      <a:alpha val="43137"/>
+                    </a:srgbClr>
+                  </a:outerShdw>
+                </a:effectLst>
+              </a:rPr>
+              <a:t>X</a:t>
+            </a:r>
+            <a:endParaRPr lang="en-US" sz="3600" dirty="0">
+              <a:solidFill>
+                <a:srgbClr val="FF0000">
+                  <a:alpha val="44000"/>
+                </a:srgbClr>
+              </a:solidFill>
+              <a:effectLst>
+                <a:outerShdw blurRad="38100" dist="38100" dir="2700000" algn="tl">
+                  <a:srgbClr val="000000">
+                    <a:alpha val="43137"/>
+                  </a:srgbClr>
+                </a:outerShdw>
+              </a:effectLst>
+            </a:endParaRPr>
+          </a:p>
+        </p:txBody>
+      </p:sp>
+      <p:sp>
+        <p:nvSpPr>
+          <p:cNvPr id="15" name="Rectangle 14"/>
+          <p:cNvSpPr/>
+          <p:nvPr/>
+        </p:nvSpPr>
+        <p:spPr>
+          <a:xfrm>
+            <a:off x="5443110" y="4807414"/>
+            <a:ext cx="439544" cy="646331"/>
+          </a:xfrm>
+          <a:prstGeom prst="rect">
+            <a:avLst/>
+          </a:prstGeom>
+        </p:spPr>
+        <p:txBody>
+          <a:bodyPr wrap="none">
+            <a:spAutoFit/>
+          </a:bodyPr>
+          <a:lstStyle/>
+          <a:p>
+            <a:r>
+              <a:rPr lang="en-US" sz="3600" b="1" dirty="0" smtClean="0">
+                <a:solidFill>
+                  <a:srgbClr val="FF0000">
+                    <a:alpha val="44000"/>
+                  </a:srgbClr>
+                </a:solidFill>
+                <a:effectLst>
+                  <a:outerShdw blurRad="38100" dist="38100" dir="2700000" algn="tl">
+                    <a:srgbClr val="000000">
+                      <a:alpha val="43137"/>
+                    </a:srgbClr>
+                  </a:outerShdw>
+                </a:effectLst>
+              </a:rPr>
+              <a:t>X</a:t>
+            </a:r>
+            <a:endParaRPr lang="en-US" sz="3600" dirty="0">
+              <a:solidFill>
+                <a:srgbClr val="FF0000">
+                  <a:alpha val="44000"/>
+                </a:srgbClr>
+              </a:solidFill>
+              <a:effectLst>
+                <a:outerShdw blurRad="38100" dist="38100" dir="2700000" algn="tl">
+                  <a:srgbClr val="000000">
+                    <a:alpha val="43137"/>
+                  </a:srgbClr>
+                </a:outerShdw>
+              </a:effectLst>
+            </a:endParaRPr>
+          </a:p>
+        </p:txBody>
+      </p:sp>
+      <p:sp>
+        <p:nvSpPr>
+          <p:cNvPr id="16" name="Rectangle 15"/>
+          <p:cNvSpPr/>
+          <p:nvPr/>
+        </p:nvSpPr>
+        <p:spPr>
+          <a:xfrm>
+            <a:off x="5405799" y="3840887"/>
+            <a:ext cx="439544" cy="646331"/>
+          </a:xfrm>
+          <a:prstGeom prst="rect">
+            <a:avLst/>
+          </a:prstGeom>
+        </p:spPr>
+        <p:txBody>
+          <a:bodyPr wrap="none">
+            <a:spAutoFit/>
+          </a:bodyPr>
+          <a:lstStyle/>
+          <a:p>
+            <a:r>
+              <a:rPr lang="en-US" sz="3600" b="1" dirty="0" smtClean="0">
+                <a:solidFill>
+                  <a:srgbClr val="FF0000">
+                    <a:alpha val="44000"/>
+                  </a:srgbClr>
+                </a:solidFill>
+                <a:effectLst>
+                  <a:outerShdw blurRad="38100" dist="38100" dir="2700000" algn="tl">
+                    <a:srgbClr val="000000">
+                      <a:alpha val="43137"/>
+                    </a:srgbClr>
+                  </a:outerShdw>
+                </a:effectLst>
+              </a:rPr>
+              <a:t>X</a:t>
+            </a:r>
+            <a:endParaRPr lang="en-US" sz="3600" dirty="0">
+              <a:solidFill>
+                <a:srgbClr val="FF0000">
+                  <a:alpha val="44000"/>
+                </a:srgbClr>
+              </a:solidFill>
+              <a:effectLst>
+                <a:outerShdw blurRad="38100" dist="38100" dir="2700000" algn="tl">
+                  <a:srgbClr val="000000">
+                    <a:alpha val="43137"/>
+                  </a:srgbClr>
+                </a:outerShdw>
+              </a:effectLst>
+            </a:endParaRPr>
+          </a:p>
+        </p:txBody>
+      </p:sp>
+    </p:spTree>
+    <p:extLst>
+      <p:ext uri="{BB962C8B-B14F-4D97-AF65-F5344CB8AC3E}">
+        <p14:creationId xmlns:p14="http://schemas.microsoft.com/office/powerpoint/2010/main" val="2611525827"/>
+      </p:ext>
+    </p:extLst>
+  </p:cSld>
+  <p:clrMapOvr>
+    <a:masterClrMapping/>
+  </p:clrMapOvr>
+</p:sld>
+</file>
+
+<file path=ppt/slides/slide12.xml><?xml version="1.0" encoding="utf-8"?>
+<p:sld xmlns:a="http://schemas.openxmlformats.org/drawingml/2006/main" xmlns:r="http://schemas.openxmlformats.org/officeDocument/2006/relationships" xmlns:p="http://schemas.openxmlformats.org/presentationml/2006/main">
+  <p:cSld>
+    <p:spTree>
+      <p:nvGrpSpPr>
+        <p:cNvPr id="1" name=""/>
+        <p:cNvGrpSpPr/>
+        <p:nvPr/>
+      </p:nvGrpSpPr>
+      <p:grpSpPr>
+        <a:xfrm>
+          <a:off x="0" y="0"/>
+          <a:ext cx="0" cy="0"/>
+          <a:chOff x="0" y="0"/>
+          <a:chExt cx="0" cy="0"/>
+        </a:xfrm>
+      </p:grpSpPr>
+      <p:sp>
+        <p:nvSpPr>
+          <p:cNvPr id="2" name="Rectangle 1"/>
+          <p:cNvSpPr/>
+          <p:nvPr/>
+        </p:nvSpPr>
+        <p:spPr>
+          <a:xfrm>
+            <a:off x="159054" y="87248"/>
+            <a:ext cx="2421881" cy="369332"/>
+          </a:xfrm>
+          <a:prstGeom prst="rect">
+            <a:avLst/>
+          </a:prstGeom>
+        </p:spPr>
+        <p:txBody>
+          <a:bodyPr wrap="none">
+            <a:spAutoFit/>
+          </a:bodyPr>
+          <a:lstStyle/>
+          <a:p>
+            <a:r>
+              <a:rPr lang="en-US" b="1" dirty="0" err="1"/>
+              <a:t>Aphredoderus_sayanus</a:t>
+            </a:r>
+            <a:endParaRPr lang="en-US" b="1" dirty="0"/>
+          </a:p>
+        </p:txBody>
+      </p:sp>
+      <p:pic>
+        <p:nvPicPr>
+          <p:cNvPr id="3" name="Picture 2"/>
+          <p:cNvPicPr>
+            <a:picLocks noChangeAspect="1"/>
+          </p:cNvPicPr>
+          <p:nvPr/>
+        </p:nvPicPr>
+        <p:blipFill>
+          <a:blip r:embed="rId2"/>
+          <a:stretch>
+            <a:fillRect/>
+          </a:stretch>
+        </p:blipFill>
+        <p:spPr>
+          <a:xfrm>
+            <a:off x="3057525" y="1200150"/>
+            <a:ext cx="6076950" cy="4457700"/>
+          </a:xfrm>
+          <a:prstGeom prst="rect">
+            <a:avLst/>
+          </a:prstGeom>
+        </p:spPr>
+      </p:pic>
+    </p:spTree>
+    <p:extLst>
+      <p:ext uri="{BB962C8B-B14F-4D97-AF65-F5344CB8AC3E}">
+        <p14:creationId xmlns:p14="http://schemas.microsoft.com/office/powerpoint/2010/main" val="92882247"/>
+      </p:ext>
+    </p:extLst>
+  </p:cSld>
+  <p:clrMapOvr>
+    <a:masterClrMapping/>
+  </p:clrMapOvr>
+</p:sld>
+</file>
+
+<file path=ppt/slides/slide13.xml><?xml version="1.0" encoding="utf-8"?>
+<p:sld xmlns:a="http://schemas.openxmlformats.org/drawingml/2006/main" xmlns:r="http://schemas.openxmlformats.org/officeDocument/2006/relationships" xmlns:p="http://schemas.openxmlformats.org/presentationml/2006/main">
+  <p:cSld>
+    <p:spTree>
+      <p:nvGrpSpPr>
+        <p:cNvPr id="1" name=""/>
+        <p:cNvGrpSpPr/>
+        <p:nvPr/>
+      </p:nvGrpSpPr>
+      <p:grpSpPr>
+        <a:xfrm>
+          <a:off x="0" y="0"/>
+          <a:ext cx="0" cy="0"/>
+          <a:chOff x="0" y="0"/>
+          <a:chExt cx="0" cy="0"/>
+        </a:xfrm>
+      </p:grpSpPr>
+      <p:sp>
+        <p:nvSpPr>
+          <p:cNvPr id="2" name="Rectangle 1"/>
+          <p:cNvSpPr/>
+          <p:nvPr/>
+        </p:nvSpPr>
+        <p:spPr>
+          <a:xfrm>
+            <a:off x="129637" y="87248"/>
+            <a:ext cx="2345963" cy="369332"/>
+          </a:xfrm>
+          <a:prstGeom prst="rect">
+            <a:avLst/>
+          </a:prstGeom>
+        </p:spPr>
+        <p:txBody>
+          <a:bodyPr wrap="none">
+            <a:spAutoFit/>
+          </a:bodyPr>
+          <a:lstStyle/>
+          <a:p>
+            <a:r>
+              <a:rPr lang="en-US" b="1" dirty="0" err="1"/>
+              <a:t>Etheostoma_flabellare</a:t>
+            </a:r>
+            <a:endParaRPr lang="en-US" b="1" dirty="0"/>
+          </a:p>
+        </p:txBody>
+      </p:sp>
+      <p:pic>
+        <p:nvPicPr>
+          <p:cNvPr id="3" name="Picture 2"/>
+          <p:cNvPicPr>
+            <a:picLocks noChangeAspect="1"/>
+          </p:cNvPicPr>
+          <p:nvPr/>
+        </p:nvPicPr>
+        <p:blipFill>
+          <a:blip r:embed="rId2"/>
+          <a:stretch>
+            <a:fillRect/>
+          </a:stretch>
+        </p:blipFill>
+        <p:spPr>
+          <a:xfrm>
+            <a:off x="2730767" y="601579"/>
+            <a:ext cx="5960845" cy="5647116"/>
+          </a:xfrm>
+          <a:prstGeom prst="rect">
+            <a:avLst/>
+          </a:prstGeom>
+        </p:spPr>
+      </p:pic>
+      <p:sp>
+        <p:nvSpPr>
+          <p:cNvPr id="4" name="Rectangle 3"/>
+          <p:cNvSpPr/>
+          <p:nvPr/>
+        </p:nvSpPr>
+        <p:spPr>
+          <a:xfrm>
+            <a:off x="5400698" y="3683877"/>
+            <a:ext cx="439544" cy="646331"/>
+          </a:xfrm>
+          <a:prstGeom prst="rect">
+            <a:avLst/>
+          </a:prstGeom>
+        </p:spPr>
+        <p:txBody>
+          <a:bodyPr wrap="none">
+            <a:spAutoFit/>
+          </a:bodyPr>
+          <a:lstStyle/>
+          <a:p>
+            <a:r>
+              <a:rPr lang="en-US" sz="3600" b="1" dirty="0" smtClean="0">
+                <a:solidFill>
+                  <a:srgbClr val="FF0000">
+                    <a:alpha val="44000"/>
+                  </a:srgbClr>
+                </a:solidFill>
+                <a:effectLst>
+                  <a:outerShdw blurRad="38100" dist="38100" dir="2700000" algn="tl">
+                    <a:srgbClr val="000000">
+                      <a:alpha val="43137"/>
+                    </a:srgbClr>
+                  </a:outerShdw>
+                </a:effectLst>
+              </a:rPr>
+              <a:t>X</a:t>
+            </a:r>
+            <a:endParaRPr lang="en-US" sz="3600" dirty="0">
+              <a:solidFill>
+                <a:srgbClr val="FF0000">
+                  <a:alpha val="44000"/>
+                </a:srgbClr>
+              </a:solidFill>
+              <a:effectLst>
+                <a:outerShdw blurRad="38100" dist="38100" dir="2700000" algn="tl">
+                  <a:srgbClr val="000000">
+                    <a:alpha val="43137"/>
+                  </a:srgbClr>
+                </a:outerShdw>
+              </a:effectLst>
+            </a:endParaRPr>
+          </a:p>
+        </p:txBody>
+      </p:sp>
+      <p:sp>
+        <p:nvSpPr>
+          <p:cNvPr id="5" name="Rectangle 4"/>
+          <p:cNvSpPr/>
+          <p:nvPr/>
+        </p:nvSpPr>
+        <p:spPr>
+          <a:xfrm>
+            <a:off x="7063243" y="2425092"/>
+            <a:ext cx="439544" cy="646331"/>
+          </a:xfrm>
+          <a:prstGeom prst="rect">
+            <a:avLst/>
+          </a:prstGeom>
+        </p:spPr>
+        <p:txBody>
+          <a:bodyPr wrap="none">
+            <a:spAutoFit/>
+          </a:bodyPr>
+          <a:lstStyle/>
+          <a:p>
+            <a:r>
+              <a:rPr lang="en-US" sz="3600" b="1" dirty="0" smtClean="0">
+                <a:solidFill>
+                  <a:srgbClr val="FF0000">
+                    <a:alpha val="44000"/>
+                  </a:srgbClr>
+                </a:solidFill>
+                <a:effectLst>
+                  <a:outerShdw blurRad="38100" dist="38100" dir="2700000" algn="tl">
+                    <a:srgbClr val="000000">
+                      <a:alpha val="43137"/>
+                    </a:srgbClr>
+                  </a:outerShdw>
+                </a:effectLst>
+              </a:rPr>
+              <a:t>X</a:t>
+            </a:r>
+            <a:endParaRPr lang="en-US" sz="3600" dirty="0">
+              <a:solidFill>
+                <a:srgbClr val="FF0000">
+                  <a:alpha val="44000"/>
+                </a:srgbClr>
+              </a:solidFill>
+              <a:effectLst>
+                <a:outerShdw blurRad="38100" dist="38100" dir="2700000" algn="tl">
+                  <a:srgbClr val="000000">
+                    <a:alpha val="43137"/>
+                  </a:srgbClr>
+                </a:outerShdw>
+              </a:effectLst>
+            </a:endParaRPr>
+          </a:p>
+        </p:txBody>
+      </p:sp>
+      <p:sp>
+        <p:nvSpPr>
+          <p:cNvPr id="6" name="Rectangle 5"/>
+          <p:cNvSpPr/>
+          <p:nvPr/>
+        </p:nvSpPr>
+        <p:spPr>
+          <a:xfrm>
+            <a:off x="4585671" y="2425092"/>
+            <a:ext cx="439544" cy="646331"/>
+          </a:xfrm>
+          <a:prstGeom prst="rect">
+            <a:avLst/>
+          </a:prstGeom>
+        </p:spPr>
+        <p:txBody>
+          <a:bodyPr wrap="none">
+            <a:spAutoFit/>
+          </a:bodyPr>
+          <a:lstStyle/>
+          <a:p>
+            <a:r>
+              <a:rPr lang="en-US" sz="3600" b="1" dirty="0" smtClean="0">
+                <a:solidFill>
+                  <a:srgbClr val="FF0000">
+                    <a:alpha val="44000"/>
+                  </a:srgbClr>
+                </a:solidFill>
+                <a:effectLst>
+                  <a:outerShdw blurRad="38100" dist="38100" dir="2700000" algn="tl">
+                    <a:srgbClr val="000000">
+                      <a:alpha val="43137"/>
+                    </a:srgbClr>
+                  </a:outerShdw>
+                </a:effectLst>
+              </a:rPr>
+              <a:t>X</a:t>
+            </a:r>
+            <a:endParaRPr lang="en-US" sz="3600" dirty="0">
+              <a:solidFill>
+                <a:srgbClr val="FF0000">
+                  <a:alpha val="44000"/>
+                </a:srgbClr>
+              </a:solidFill>
+              <a:effectLst>
+                <a:outerShdw blurRad="38100" dist="38100" dir="2700000" algn="tl">
+                  <a:srgbClr val="000000">
+                    <a:alpha val="43137"/>
+                  </a:srgbClr>
+                </a:outerShdw>
+              </a:effectLst>
+            </a:endParaRPr>
+          </a:p>
+        </p:txBody>
+      </p:sp>
+      <p:sp>
+        <p:nvSpPr>
+          <p:cNvPr id="7" name="Rectangle 6"/>
+          <p:cNvSpPr/>
+          <p:nvPr/>
+        </p:nvSpPr>
+        <p:spPr>
+          <a:xfrm>
+            <a:off x="4585671" y="601579"/>
+            <a:ext cx="439544" cy="646331"/>
+          </a:xfrm>
+          <a:prstGeom prst="rect">
+            <a:avLst/>
+          </a:prstGeom>
+        </p:spPr>
+        <p:txBody>
+          <a:bodyPr wrap="none">
+            <a:spAutoFit/>
+          </a:bodyPr>
+          <a:lstStyle/>
+          <a:p>
+            <a:r>
+              <a:rPr lang="en-US" sz="3600" b="1" dirty="0" smtClean="0">
+                <a:solidFill>
+                  <a:srgbClr val="FF0000">
+                    <a:alpha val="44000"/>
+                  </a:srgbClr>
+                </a:solidFill>
+                <a:effectLst>
+                  <a:outerShdw blurRad="38100" dist="38100" dir="2700000" algn="tl">
+                    <a:srgbClr val="000000">
+                      <a:alpha val="43137"/>
+                    </a:srgbClr>
+                  </a:outerShdw>
+                </a:effectLst>
+              </a:rPr>
+              <a:t>X</a:t>
+            </a:r>
+            <a:endParaRPr lang="en-US" sz="3600" dirty="0">
+              <a:solidFill>
+                <a:srgbClr val="FF0000">
+                  <a:alpha val="44000"/>
+                </a:srgbClr>
+              </a:solidFill>
+              <a:effectLst>
+                <a:outerShdw blurRad="38100" dist="38100" dir="2700000" algn="tl">
+                  <a:srgbClr val="000000">
+                    <a:alpha val="43137"/>
+                  </a:srgbClr>
+                </a:outerShdw>
+              </a:effectLst>
+            </a:endParaRPr>
+          </a:p>
+        </p:txBody>
+      </p:sp>
+      <p:sp>
+        <p:nvSpPr>
+          <p:cNvPr id="8" name="Rectangle 7"/>
+          <p:cNvSpPr/>
+          <p:nvPr/>
+        </p:nvSpPr>
+        <p:spPr>
+          <a:xfrm>
+            <a:off x="6936830" y="4336893"/>
+            <a:ext cx="439544" cy="646331"/>
+          </a:xfrm>
+          <a:prstGeom prst="rect">
+            <a:avLst/>
+          </a:prstGeom>
+        </p:spPr>
+        <p:txBody>
+          <a:bodyPr wrap="none">
+            <a:spAutoFit/>
+          </a:bodyPr>
+          <a:lstStyle/>
+          <a:p>
+            <a:r>
+              <a:rPr lang="en-US" sz="3600" b="1" dirty="0" smtClean="0">
+                <a:solidFill>
+                  <a:srgbClr val="FF0000">
+                    <a:alpha val="44000"/>
+                  </a:srgbClr>
+                </a:solidFill>
+                <a:effectLst>
+                  <a:outerShdw blurRad="38100" dist="38100" dir="2700000" algn="tl">
+                    <a:srgbClr val="000000">
+                      <a:alpha val="43137"/>
+                    </a:srgbClr>
+                  </a:outerShdw>
+                </a:effectLst>
+              </a:rPr>
+              <a:t>X</a:t>
+            </a:r>
+            <a:endParaRPr lang="en-US" sz="3600" dirty="0">
+              <a:solidFill>
+                <a:srgbClr val="FF0000">
+                  <a:alpha val="44000"/>
+                </a:srgbClr>
+              </a:solidFill>
+              <a:effectLst>
+                <a:outerShdw blurRad="38100" dist="38100" dir="2700000" algn="tl">
+                  <a:srgbClr val="000000">
+                    <a:alpha val="43137"/>
+                  </a:srgbClr>
+                </a:outerShdw>
+              </a:effectLst>
+            </a:endParaRPr>
+          </a:p>
+        </p:txBody>
+      </p:sp>
+    </p:spTree>
+    <p:extLst>
+      <p:ext uri="{BB962C8B-B14F-4D97-AF65-F5344CB8AC3E}">
+        <p14:creationId xmlns:p14="http://schemas.microsoft.com/office/powerpoint/2010/main" val="3630752616"/>
+      </p:ext>
+    </p:extLst>
+  </p:cSld>
+  <p:clrMapOvr>
+    <a:masterClrMapping/>
+  </p:clrMapOvr>
+</p:sld>
+</file>
+
+<file path=ppt/slides/slide14.xml><?xml version="1.0" encoding="utf-8"?>
+<p:sld xmlns:a="http://schemas.openxmlformats.org/drawingml/2006/main" xmlns:r="http://schemas.openxmlformats.org/officeDocument/2006/relationships" xmlns:p="http://schemas.openxmlformats.org/presentationml/2006/main">
+  <p:cSld>
+    <p:spTree>
+      <p:nvGrpSpPr>
+        <p:cNvPr id="1" name=""/>
+        <p:cNvGrpSpPr/>
+        <p:nvPr/>
+      </p:nvGrpSpPr>
+      <p:grpSpPr>
+        <a:xfrm>
+          <a:off x="0" y="0"/>
+          <a:ext cx="0" cy="0"/>
+          <a:chOff x="0" y="0"/>
+          <a:chExt cx="0" cy="0"/>
+        </a:xfrm>
+      </p:grpSpPr>
+      <p:sp>
+        <p:nvSpPr>
+          <p:cNvPr id="2" name="Rectangle 1"/>
+          <p:cNvSpPr/>
+          <p:nvPr/>
+        </p:nvSpPr>
+        <p:spPr>
+          <a:xfrm>
+            <a:off x="136068" y="77622"/>
+            <a:ext cx="2467855" cy="369332"/>
+          </a:xfrm>
+          <a:prstGeom prst="rect">
+            <a:avLst/>
+          </a:prstGeom>
+        </p:spPr>
+        <p:txBody>
+          <a:bodyPr wrap="none">
+            <a:spAutoFit/>
+          </a:bodyPr>
+          <a:lstStyle/>
+          <a:p>
+            <a:r>
+              <a:rPr lang="en-US" b="1" dirty="0" err="1"/>
+              <a:t>Nocomis_leptocephalus</a:t>
+            </a:r>
+            <a:endParaRPr lang="en-US" b="1" dirty="0"/>
+          </a:p>
+        </p:txBody>
+      </p:sp>
+      <p:pic>
+        <p:nvPicPr>
+          <p:cNvPr id="6" name="Picture 5"/>
+          <p:cNvPicPr>
+            <a:picLocks noChangeAspect="1"/>
+          </p:cNvPicPr>
+          <p:nvPr/>
+        </p:nvPicPr>
+        <p:blipFill>
+          <a:blip r:embed="rId2"/>
+          <a:stretch>
+            <a:fillRect/>
+          </a:stretch>
+        </p:blipFill>
+        <p:spPr>
+          <a:xfrm>
+            <a:off x="3048000" y="638175"/>
+            <a:ext cx="6096000" cy="5581650"/>
+          </a:xfrm>
+          <a:prstGeom prst="rect">
+            <a:avLst/>
+          </a:prstGeom>
+        </p:spPr>
+      </p:pic>
+      <p:sp>
+        <p:nvSpPr>
+          <p:cNvPr id="7" name="Rectangle 6"/>
+          <p:cNvSpPr/>
+          <p:nvPr/>
+        </p:nvSpPr>
+        <p:spPr>
+          <a:xfrm>
+            <a:off x="6421976" y="1308812"/>
+            <a:ext cx="439544" cy="646331"/>
+          </a:xfrm>
+          <a:prstGeom prst="rect">
+            <a:avLst/>
+          </a:prstGeom>
+        </p:spPr>
+        <p:txBody>
+          <a:bodyPr wrap="none">
+            <a:spAutoFit/>
+          </a:bodyPr>
+          <a:lstStyle/>
+          <a:p>
+            <a:r>
+              <a:rPr lang="en-US" sz="3600" b="1" dirty="0" smtClean="0">
+                <a:solidFill>
+                  <a:srgbClr val="FF0000">
+                    <a:alpha val="44000"/>
+                  </a:srgbClr>
+                </a:solidFill>
+                <a:effectLst>
+                  <a:outerShdw blurRad="38100" dist="38100" dir="2700000" algn="tl">
+                    <a:srgbClr val="000000">
+                      <a:alpha val="43137"/>
+                    </a:srgbClr>
+                  </a:outerShdw>
+                </a:effectLst>
+              </a:rPr>
+              <a:t>X</a:t>
+            </a:r>
+            <a:endParaRPr lang="en-US" sz="3600" dirty="0">
+              <a:solidFill>
+                <a:srgbClr val="FF0000">
+                  <a:alpha val="44000"/>
+                </a:srgbClr>
+              </a:solidFill>
+              <a:effectLst>
+                <a:outerShdw blurRad="38100" dist="38100" dir="2700000" algn="tl">
+                  <a:srgbClr val="000000">
+                    <a:alpha val="43137"/>
+                  </a:srgbClr>
+                </a:outerShdw>
+              </a:effectLst>
+            </a:endParaRPr>
+          </a:p>
+        </p:txBody>
+      </p:sp>
+      <p:sp>
+        <p:nvSpPr>
+          <p:cNvPr id="8" name="Rectangle 7"/>
+          <p:cNvSpPr/>
+          <p:nvPr/>
+        </p:nvSpPr>
+        <p:spPr>
+          <a:xfrm>
+            <a:off x="6861520" y="774422"/>
+            <a:ext cx="439544" cy="646331"/>
+          </a:xfrm>
+          <a:prstGeom prst="rect">
+            <a:avLst/>
+          </a:prstGeom>
+        </p:spPr>
+        <p:txBody>
+          <a:bodyPr wrap="none">
+            <a:spAutoFit/>
+          </a:bodyPr>
+          <a:lstStyle/>
+          <a:p>
+            <a:r>
+              <a:rPr lang="en-US" sz="3600" b="1" dirty="0" smtClean="0">
+                <a:solidFill>
+                  <a:srgbClr val="FF0000">
+                    <a:alpha val="44000"/>
+                  </a:srgbClr>
+                </a:solidFill>
+                <a:effectLst>
+                  <a:outerShdw blurRad="38100" dist="38100" dir="2700000" algn="tl">
+                    <a:srgbClr val="000000">
+                      <a:alpha val="43137"/>
+                    </a:srgbClr>
+                  </a:outerShdw>
+                </a:effectLst>
+              </a:rPr>
+              <a:t>X</a:t>
+            </a:r>
+            <a:endParaRPr lang="en-US" sz="3600" dirty="0">
+              <a:solidFill>
+                <a:srgbClr val="FF0000">
+                  <a:alpha val="44000"/>
+                </a:srgbClr>
+              </a:solidFill>
+              <a:effectLst>
+                <a:outerShdw blurRad="38100" dist="38100" dir="2700000" algn="tl">
+                  <a:srgbClr val="000000">
+                    <a:alpha val="43137"/>
+                  </a:srgbClr>
+                </a:outerShdw>
+              </a:effectLst>
+            </a:endParaRPr>
+          </a:p>
+        </p:txBody>
+      </p:sp>
+      <p:sp>
+        <p:nvSpPr>
+          <p:cNvPr id="9" name="Rectangle 8"/>
+          <p:cNvSpPr/>
+          <p:nvPr/>
+        </p:nvSpPr>
+        <p:spPr>
+          <a:xfrm>
+            <a:off x="6303380" y="327162"/>
+            <a:ext cx="439544" cy="646331"/>
+          </a:xfrm>
+          <a:prstGeom prst="rect">
+            <a:avLst/>
+          </a:prstGeom>
+        </p:spPr>
+        <p:txBody>
+          <a:bodyPr wrap="none">
+            <a:spAutoFit/>
+          </a:bodyPr>
+          <a:lstStyle/>
+          <a:p>
+            <a:r>
+              <a:rPr lang="en-US" sz="3600" b="1" dirty="0" smtClean="0">
+                <a:solidFill>
+                  <a:srgbClr val="FF0000">
+                    <a:alpha val="44000"/>
+                  </a:srgbClr>
+                </a:solidFill>
+                <a:effectLst>
+                  <a:outerShdw blurRad="38100" dist="38100" dir="2700000" algn="tl">
+                    <a:srgbClr val="000000">
+                      <a:alpha val="43137"/>
+                    </a:srgbClr>
+                  </a:outerShdw>
+                </a:effectLst>
+              </a:rPr>
+              <a:t>X</a:t>
+            </a:r>
+            <a:endParaRPr lang="en-US" sz="3600" dirty="0">
+              <a:solidFill>
+                <a:srgbClr val="FF0000">
+                  <a:alpha val="44000"/>
+                </a:srgbClr>
+              </a:solidFill>
+              <a:effectLst>
+                <a:outerShdw blurRad="38100" dist="38100" dir="2700000" algn="tl">
+                  <a:srgbClr val="000000">
+                    <a:alpha val="43137"/>
+                  </a:srgbClr>
+                </a:outerShdw>
+              </a:effectLst>
+            </a:endParaRPr>
+          </a:p>
+        </p:txBody>
+      </p:sp>
+      <p:sp>
+        <p:nvSpPr>
+          <p:cNvPr id="10" name="Rectangle 9"/>
+          <p:cNvSpPr/>
+          <p:nvPr/>
+        </p:nvSpPr>
+        <p:spPr>
+          <a:xfrm>
+            <a:off x="5656456" y="2630975"/>
+            <a:ext cx="439544" cy="646331"/>
+          </a:xfrm>
+          <a:prstGeom prst="rect">
+            <a:avLst/>
+          </a:prstGeom>
+        </p:spPr>
+        <p:txBody>
+          <a:bodyPr wrap="none">
+            <a:spAutoFit/>
+          </a:bodyPr>
+          <a:lstStyle/>
+          <a:p>
+            <a:r>
+              <a:rPr lang="en-US" sz="3600" b="1" dirty="0" smtClean="0">
+                <a:solidFill>
+                  <a:srgbClr val="FF0000">
+                    <a:alpha val="44000"/>
+                  </a:srgbClr>
+                </a:solidFill>
+                <a:effectLst>
+                  <a:outerShdw blurRad="38100" dist="38100" dir="2700000" algn="tl">
+                    <a:srgbClr val="000000">
+                      <a:alpha val="43137"/>
+                    </a:srgbClr>
+                  </a:outerShdw>
+                </a:effectLst>
+              </a:rPr>
+              <a:t>X</a:t>
+            </a:r>
+            <a:endParaRPr lang="en-US" sz="3600" dirty="0">
+              <a:solidFill>
+                <a:srgbClr val="FF0000">
+                  <a:alpha val="44000"/>
+                </a:srgbClr>
+              </a:solidFill>
+              <a:effectLst>
+                <a:outerShdw blurRad="38100" dist="38100" dir="2700000" algn="tl">
+                  <a:srgbClr val="000000">
+                    <a:alpha val="43137"/>
+                  </a:srgbClr>
+                </a:outerShdw>
+              </a:effectLst>
+            </a:endParaRPr>
+          </a:p>
+        </p:txBody>
+      </p:sp>
+      <p:sp>
+        <p:nvSpPr>
+          <p:cNvPr id="11" name="Rectangle 10"/>
+          <p:cNvSpPr/>
+          <p:nvPr/>
+        </p:nvSpPr>
+        <p:spPr>
+          <a:xfrm>
+            <a:off x="5216912" y="3105834"/>
+            <a:ext cx="439544" cy="646331"/>
+          </a:xfrm>
+          <a:prstGeom prst="rect">
+            <a:avLst/>
+          </a:prstGeom>
+        </p:spPr>
+        <p:txBody>
+          <a:bodyPr wrap="none">
+            <a:spAutoFit/>
+          </a:bodyPr>
+          <a:lstStyle/>
+          <a:p>
+            <a:r>
+              <a:rPr lang="en-US" sz="3600" b="1" dirty="0" smtClean="0">
+                <a:solidFill>
+                  <a:srgbClr val="FF0000">
+                    <a:alpha val="44000"/>
+                  </a:srgbClr>
+                </a:solidFill>
+                <a:effectLst>
+                  <a:outerShdw blurRad="38100" dist="38100" dir="2700000" algn="tl">
+                    <a:srgbClr val="000000">
+                      <a:alpha val="43137"/>
+                    </a:srgbClr>
+                  </a:outerShdw>
+                </a:effectLst>
+              </a:rPr>
+              <a:t>X</a:t>
+            </a:r>
+            <a:endParaRPr lang="en-US" sz="3600" dirty="0">
+              <a:solidFill>
+                <a:srgbClr val="FF0000">
+                  <a:alpha val="44000"/>
+                </a:srgbClr>
+              </a:solidFill>
+              <a:effectLst>
+                <a:outerShdw blurRad="38100" dist="38100" dir="2700000" algn="tl">
+                  <a:srgbClr val="000000">
+                    <a:alpha val="43137"/>
+                  </a:srgbClr>
+                </a:outerShdw>
+              </a:effectLst>
+            </a:endParaRPr>
+          </a:p>
+        </p:txBody>
+      </p:sp>
+      <p:sp>
+        <p:nvSpPr>
+          <p:cNvPr id="14" name="Rectangle 13"/>
+          <p:cNvSpPr/>
+          <p:nvPr/>
+        </p:nvSpPr>
+        <p:spPr>
+          <a:xfrm>
+            <a:off x="4997140" y="2096432"/>
+            <a:ext cx="439544" cy="646331"/>
+          </a:xfrm>
+          <a:prstGeom prst="rect">
+            <a:avLst/>
+          </a:prstGeom>
+        </p:spPr>
+        <p:txBody>
+          <a:bodyPr wrap="none">
+            <a:spAutoFit/>
+          </a:bodyPr>
+          <a:lstStyle/>
+          <a:p>
+            <a:r>
+              <a:rPr lang="en-US" sz="3600" b="1" dirty="0" smtClean="0">
+                <a:solidFill>
+                  <a:srgbClr val="FF0000">
+                    <a:alpha val="44000"/>
+                  </a:srgbClr>
+                </a:solidFill>
+                <a:effectLst>
+                  <a:outerShdw blurRad="38100" dist="38100" dir="2700000" algn="tl">
+                    <a:srgbClr val="000000">
+                      <a:alpha val="43137"/>
+                    </a:srgbClr>
+                  </a:outerShdw>
+                </a:effectLst>
+              </a:rPr>
+              <a:t>X</a:t>
+            </a:r>
+            <a:endParaRPr lang="en-US" sz="3600" dirty="0">
+              <a:solidFill>
+                <a:srgbClr val="FF0000">
+                  <a:alpha val="44000"/>
+                </a:srgbClr>
+              </a:solidFill>
+              <a:effectLst>
+                <a:outerShdw blurRad="38100" dist="38100" dir="2700000" algn="tl">
+                  <a:srgbClr val="000000">
+                    <a:alpha val="43137"/>
+                  </a:srgbClr>
+                </a:outerShdw>
+              </a:effectLst>
+            </a:endParaRPr>
+          </a:p>
+        </p:txBody>
+      </p:sp>
+      <p:sp>
+        <p:nvSpPr>
+          <p:cNvPr id="15" name="Rectangle 14"/>
+          <p:cNvSpPr/>
+          <p:nvPr/>
+        </p:nvSpPr>
+        <p:spPr>
+          <a:xfrm>
+            <a:off x="5326798" y="1922222"/>
+            <a:ext cx="439544" cy="646331"/>
+          </a:xfrm>
+          <a:prstGeom prst="rect">
+            <a:avLst/>
+          </a:prstGeom>
+        </p:spPr>
+        <p:txBody>
+          <a:bodyPr wrap="none">
+            <a:spAutoFit/>
+          </a:bodyPr>
+          <a:lstStyle/>
+          <a:p>
+            <a:r>
+              <a:rPr lang="en-US" sz="3600" b="1" dirty="0" smtClean="0">
+                <a:solidFill>
+                  <a:srgbClr val="FF0000">
+                    <a:alpha val="44000"/>
+                  </a:srgbClr>
+                </a:solidFill>
+                <a:effectLst>
+                  <a:outerShdw blurRad="38100" dist="38100" dir="2700000" algn="tl">
+                    <a:srgbClr val="000000">
+                      <a:alpha val="43137"/>
+                    </a:srgbClr>
+                  </a:outerShdw>
+                </a:effectLst>
+              </a:rPr>
+              <a:t>X</a:t>
+            </a:r>
+            <a:endParaRPr lang="en-US" sz="3600" dirty="0">
+              <a:solidFill>
+                <a:srgbClr val="FF0000">
+                  <a:alpha val="44000"/>
+                </a:srgbClr>
+              </a:solidFill>
+              <a:effectLst>
+                <a:outerShdw blurRad="38100" dist="38100" dir="2700000" algn="tl">
+                  <a:srgbClr val="000000">
+                    <a:alpha val="43137"/>
+                  </a:srgbClr>
+                </a:outerShdw>
+              </a:effectLst>
+            </a:endParaRPr>
+          </a:p>
+        </p:txBody>
+      </p:sp>
+      <p:sp>
+        <p:nvSpPr>
+          <p:cNvPr id="16" name="Rectangle 15"/>
+          <p:cNvSpPr/>
+          <p:nvPr/>
+        </p:nvSpPr>
+        <p:spPr>
+          <a:xfrm>
+            <a:off x="3812200" y="1097587"/>
+            <a:ext cx="439544" cy="646331"/>
+          </a:xfrm>
+          <a:prstGeom prst="rect">
+            <a:avLst/>
+          </a:prstGeom>
+        </p:spPr>
+        <p:txBody>
+          <a:bodyPr wrap="none">
+            <a:spAutoFit/>
+          </a:bodyPr>
+          <a:lstStyle/>
+          <a:p>
+            <a:r>
+              <a:rPr lang="en-US" sz="3600" b="1" dirty="0" smtClean="0">
+                <a:solidFill>
+                  <a:srgbClr val="FF0000">
+                    <a:alpha val="44000"/>
+                  </a:srgbClr>
+                </a:solidFill>
+                <a:effectLst>
+                  <a:outerShdw blurRad="38100" dist="38100" dir="2700000" algn="tl">
+                    <a:srgbClr val="000000">
+                      <a:alpha val="43137"/>
+                    </a:srgbClr>
+                  </a:outerShdw>
+                </a:effectLst>
+              </a:rPr>
+              <a:t>X</a:t>
+            </a:r>
+            <a:endParaRPr lang="en-US" sz="3600" dirty="0">
+              <a:solidFill>
+                <a:srgbClr val="FF0000">
+                  <a:alpha val="44000"/>
+                </a:srgbClr>
+              </a:solidFill>
+              <a:effectLst>
+                <a:outerShdw blurRad="38100" dist="38100" dir="2700000" algn="tl">
+                  <a:srgbClr val="000000">
+                    <a:alpha val="43137"/>
+                  </a:srgbClr>
+                </a:outerShdw>
+              </a:effectLst>
+            </a:endParaRPr>
+          </a:p>
+        </p:txBody>
+      </p:sp>
+      <p:sp>
+        <p:nvSpPr>
+          <p:cNvPr id="17" name="Rectangle 16"/>
+          <p:cNvSpPr/>
+          <p:nvPr/>
+        </p:nvSpPr>
+        <p:spPr>
+          <a:xfrm>
+            <a:off x="7180456" y="3277306"/>
+            <a:ext cx="439544" cy="646331"/>
+          </a:xfrm>
+          <a:prstGeom prst="rect">
+            <a:avLst/>
+          </a:prstGeom>
+        </p:spPr>
+        <p:txBody>
+          <a:bodyPr wrap="none">
+            <a:spAutoFit/>
+          </a:bodyPr>
+          <a:lstStyle/>
+          <a:p>
+            <a:r>
+              <a:rPr lang="en-US" sz="3600" b="1" dirty="0" smtClean="0">
+                <a:solidFill>
+                  <a:srgbClr val="FF0000">
+                    <a:alpha val="44000"/>
+                  </a:srgbClr>
+                </a:solidFill>
+                <a:effectLst>
+                  <a:outerShdw blurRad="38100" dist="38100" dir="2700000" algn="tl">
+                    <a:srgbClr val="000000">
+                      <a:alpha val="43137"/>
+                    </a:srgbClr>
+                  </a:outerShdw>
+                </a:effectLst>
+              </a:rPr>
+              <a:t>X</a:t>
+            </a:r>
+            <a:endParaRPr lang="en-US" sz="3600" dirty="0">
+              <a:solidFill>
+                <a:srgbClr val="FF0000">
+                  <a:alpha val="44000"/>
+                </a:srgbClr>
+              </a:solidFill>
+              <a:effectLst>
+                <a:outerShdw blurRad="38100" dist="38100" dir="2700000" algn="tl">
+                  <a:srgbClr val="000000">
+                    <a:alpha val="43137"/>
+                  </a:srgbClr>
+                </a:outerShdw>
+              </a:effectLst>
+            </a:endParaRPr>
+          </a:p>
+        </p:txBody>
+      </p:sp>
+      <p:sp>
+        <p:nvSpPr>
+          <p:cNvPr id="18" name="Rectangle 17"/>
+          <p:cNvSpPr/>
+          <p:nvPr/>
+        </p:nvSpPr>
+        <p:spPr>
+          <a:xfrm>
+            <a:off x="8594570" y="2742763"/>
+            <a:ext cx="439544" cy="646331"/>
+          </a:xfrm>
+          <a:prstGeom prst="rect">
+            <a:avLst/>
+          </a:prstGeom>
+        </p:spPr>
+        <p:txBody>
+          <a:bodyPr wrap="none">
+            <a:spAutoFit/>
+          </a:bodyPr>
+          <a:lstStyle/>
+          <a:p>
+            <a:r>
+              <a:rPr lang="en-US" sz="3600" b="1" dirty="0" smtClean="0">
+                <a:solidFill>
+                  <a:srgbClr val="FF0000">
+                    <a:alpha val="44000"/>
+                  </a:srgbClr>
+                </a:solidFill>
+                <a:effectLst>
+                  <a:outerShdw blurRad="38100" dist="38100" dir="2700000" algn="tl">
+                    <a:srgbClr val="000000">
+                      <a:alpha val="43137"/>
+                    </a:srgbClr>
+                  </a:outerShdw>
+                </a:effectLst>
+              </a:rPr>
+              <a:t>X</a:t>
+            </a:r>
+            <a:endParaRPr lang="en-US" sz="3600" dirty="0">
+              <a:solidFill>
+                <a:srgbClr val="FF0000">
+                  <a:alpha val="44000"/>
+                </a:srgbClr>
+              </a:solidFill>
+              <a:effectLst>
+                <a:outerShdw blurRad="38100" dist="38100" dir="2700000" algn="tl">
+                  <a:srgbClr val="000000">
+                    <a:alpha val="43137"/>
+                  </a:srgbClr>
+                </a:outerShdw>
+              </a:effectLst>
+            </a:endParaRPr>
+          </a:p>
+        </p:txBody>
+      </p:sp>
+      <p:sp>
+        <p:nvSpPr>
+          <p:cNvPr id="19" name="Rectangle 18"/>
+          <p:cNvSpPr/>
+          <p:nvPr/>
+        </p:nvSpPr>
+        <p:spPr>
+          <a:xfrm>
+            <a:off x="7935254" y="3122336"/>
+            <a:ext cx="439544" cy="646331"/>
+          </a:xfrm>
+          <a:prstGeom prst="rect">
+            <a:avLst/>
+          </a:prstGeom>
+        </p:spPr>
+        <p:txBody>
+          <a:bodyPr wrap="none">
+            <a:spAutoFit/>
+          </a:bodyPr>
+          <a:lstStyle/>
+          <a:p>
+            <a:r>
+              <a:rPr lang="en-US" sz="3600" b="1" dirty="0" smtClean="0">
+                <a:solidFill>
+                  <a:srgbClr val="FF0000">
+                    <a:alpha val="44000"/>
+                  </a:srgbClr>
+                </a:solidFill>
+                <a:effectLst>
+                  <a:outerShdw blurRad="38100" dist="38100" dir="2700000" algn="tl">
+                    <a:srgbClr val="000000">
+                      <a:alpha val="43137"/>
+                    </a:srgbClr>
+                  </a:outerShdw>
+                </a:effectLst>
+              </a:rPr>
+              <a:t>X</a:t>
+            </a:r>
+            <a:endParaRPr lang="en-US" sz="3600" dirty="0">
+              <a:solidFill>
+                <a:srgbClr val="FF0000">
+                  <a:alpha val="44000"/>
+                </a:srgbClr>
+              </a:solidFill>
+              <a:effectLst>
+                <a:outerShdw blurRad="38100" dist="38100" dir="2700000" algn="tl">
+                  <a:srgbClr val="000000">
+                    <a:alpha val="43137"/>
+                  </a:srgbClr>
+                </a:outerShdw>
+              </a:effectLst>
+            </a:endParaRPr>
+          </a:p>
+        </p:txBody>
+      </p:sp>
+      <p:sp>
+        <p:nvSpPr>
+          <p:cNvPr id="20" name="Rectangle 19"/>
+          <p:cNvSpPr/>
+          <p:nvPr/>
+        </p:nvSpPr>
+        <p:spPr>
+          <a:xfrm>
+            <a:off x="4753303" y="4535499"/>
+            <a:ext cx="439544" cy="646331"/>
+          </a:xfrm>
+          <a:prstGeom prst="rect">
+            <a:avLst/>
+          </a:prstGeom>
+        </p:spPr>
+        <p:txBody>
+          <a:bodyPr wrap="none">
+            <a:spAutoFit/>
+          </a:bodyPr>
+          <a:lstStyle/>
+          <a:p>
+            <a:r>
+              <a:rPr lang="en-US" sz="3600" b="1" dirty="0" smtClean="0">
+                <a:solidFill>
+                  <a:srgbClr val="FF0000">
+                    <a:alpha val="44000"/>
+                  </a:srgbClr>
+                </a:solidFill>
+                <a:effectLst>
+                  <a:outerShdw blurRad="38100" dist="38100" dir="2700000" algn="tl">
+                    <a:srgbClr val="000000">
+                      <a:alpha val="43137"/>
+                    </a:srgbClr>
+                  </a:outerShdw>
+                </a:effectLst>
+              </a:rPr>
+              <a:t>X</a:t>
+            </a:r>
+            <a:endParaRPr lang="en-US" sz="3600" dirty="0">
+              <a:solidFill>
+                <a:srgbClr val="FF0000">
+                  <a:alpha val="44000"/>
+                </a:srgbClr>
+              </a:solidFill>
+              <a:effectLst>
+                <a:outerShdw blurRad="38100" dist="38100" dir="2700000" algn="tl">
+                  <a:srgbClr val="000000">
+                    <a:alpha val="43137"/>
+                  </a:srgbClr>
+                </a:outerShdw>
+              </a:effectLst>
+            </a:endParaRPr>
+          </a:p>
+        </p:txBody>
+      </p:sp>
+      <p:sp>
+        <p:nvSpPr>
+          <p:cNvPr id="21" name="Rectangle 20"/>
+          <p:cNvSpPr/>
+          <p:nvPr/>
+        </p:nvSpPr>
+        <p:spPr>
+          <a:xfrm>
+            <a:off x="4213746" y="4998637"/>
+            <a:ext cx="439544" cy="646331"/>
+          </a:xfrm>
+          <a:prstGeom prst="rect">
+            <a:avLst/>
+          </a:prstGeom>
+        </p:spPr>
+        <p:txBody>
+          <a:bodyPr wrap="none">
+            <a:spAutoFit/>
+          </a:bodyPr>
+          <a:lstStyle/>
+          <a:p>
+            <a:r>
+              <a:rPr lang="en-US" sz="3600" b="1" dirty="0" smtClean="0">
+                <a:solidFill>
+                  <a:srgbClr val="FF0000">
+                    <a:alpha val="44000"/>
+                  </a:srgbClr>
+                </a:solidFill>
+                <a:effectLst>
+                  <a:outerShdw blurRad="38100" dist="38100" dir="2700000" algn="tl">
+                    <a:srgbClr val="000000">
+                      <a:alpha val="43137"/>
+                    </a:srgbClr>
+                  </a:outerShdw>
+                </a:effectLst>
+              </a:rPr>
+              <a:t>X</a:t>
+            </a:r>
+            <a:endParaRPr lang="en-US" sz="3600" dirty="0">
+              <a:solidFill>
+                <a:srgbClr val="FF0000">
+                  <a:alpha val="44000"/>
+                </a:srgbClr>
+              </a:solidFill>
+              <a:effectLst>
+                <a:outerShdw blurRad="38100" dist="38100" dir="2700000" algn="tl">
+                  <a:srgbClr val="000000">
+                    <a:alpha val="43137"/>
+                  </a:srgbClr>
+                </a:outerShdw>
+              </a:effectLst>
+            </a:endParaRPr>
+          </a:p>
+        </p:txBody>
+      </p:sp>
+    </p:spTree>
+    <p:extLst>
+      <p:ext uri="{BB962C8B-B14F-4D97-AF65-F5344CB8AC3E}">
+        <p14:creationId xmlns:p14="http://schemas.microsoft.com/office/powerpoint/2010/main" val="1622786791"/>
+      </p:ext>
+    </p:extLst>
+  </p:cSld>
+  <p:clrMapOvr>
+    <a:masterClrMapping/>
+  </p:clrMapOvr>
+</p:sld>
+</file>
+
 <file path=ppt/slides/slide2.xml><?xml version="1.0" encoding="utf-8"?>
 <p:sld xmlns:a="http://schemas.openxmlformats.org/drawingml/2006/main" xmlns:r="http://schemas.openxmlformats.org/officeDocument/2006/relationships" xmlns:p="http://schemas.openxmlformats.org/presentationml/2006/main">
   <p:cSld>
@@ -4510,18 +7404,82 @@
         </p:blipFill>
         <p:spPr>
           <a:xfrm>
-            <a:off x="2974356" y="233361"/>
-            <a:ext cx="5819775" cy="6391275"/>
+            <a:off x="500513" y="1171483"/>
+            <a:ext cx="4045769" cy="3919571"/>
           </a:xfrm>
           <a:prstGeom prst="rect">
             <a:avLst/>
           </a:prstGeom>
         </p:spPr>
       </p:pic>
+      <p:pic>
+        <p:nvPicPr>
+          <p:cNvPr id="4" name="Picture 3"/>
+          <p:cNvPicPr>
+            <a:picLocks noChangeAspect="1"/>
+          </p:cNvPicPr>
+          <p:nvPr/>
+        </p:nvPicPr>
+        <p:blipFill>
+          <a:blip r:embed="rId3"/>
+          <a:stretch>
+            <a:fillRect/>
+          </a:stretch>
+        </p:blipFill>
+        <p:spPr>
+          <a:xfrm>
+            <a:off x="5980673" y="708761"/>
+            <a:ext cx="5784205" cy="4845017"/>
+          </a:xfrm>
+          <a:prstGeom prst="rect">
+            <a:avLst/>
+          </a:prstGeom>
+        </p:spPr>
+      </p:pic>
+      <p:sp>
+        <p:nvSpPr>
+          <p:cNvPr id="5" name="Right Arrow 4"/>
+          <p:cNvSpPr/>
+          <p:nvPr/>
+        </p:nvSpPr>
+        <p:spPr>
+          <a:xfrm>
+            <a:off x="5034012" y="2808821"/>
+            <a:ext cx="702645" cy="644893"/>
+          </a:xfrm>
+          <a:prstGeom prst="rightArrow">
+            <a:avLst/>
+          </a:prstGeom>
+        </p:spPr>
+        <p:style>
+          <a:lnRef idx="2">
+            <a:schemeClr val="accent1">
+              <a:shade val="50000"/>
+            </a:schemeClr>
+          </a:lnRef>
+          <a:fillRef idx="1">
+            <a:schemeClr val="accent1"/>
+          </a:fillRef>
+          <a:effectRef idx="0">
+            <a:schemeClr val="accent1"/>
+          </a:effectRef>
+          <a:fontRef idx="minor">
+            <a:schemeClr val="lt1"/>
+          </a:fontRef>
+        </p:style>
+        <p:txBody>
+          <a:bodyPr rtlCol="0" anchor="ctr"/>
+          <a:lstStyle/>
+          <a:p>
+            <a:pPr algn="ctr"/>
+            <a:endParaRPr lang="en-US"/>
+          </a:p>
+        </p:txBody>
+      </p:sp>
     </p:spTree>
     <p:extLst>
       <p:ext uri="{BB962C8B-B14F-4D97-AF65-F5344CB8AC3E}">
-        <p14:creationId xmlns:p14="http://schemas.microsoft.com/office/powerpoint/2010/main" val="1393313572"/>
+        <p14:creationId xmlns:p14="http://schemas.microsoft.com/office/powerpoint/2010/main" val="3508178513"/>
       </p:ext>
     </p:extLst>
   </p:cSld>
@@ -4550,7 +7508,7 @@
       </p:grpSpPr>
       <p:pic>
         <p:nvPicPr>
-          <p:cNvPr id="2" name="Picture 1"/>
+          <p:cNvPr id="4" name="Picture 3"/>
           <p:cNvPicPr>
             <a:picLocks noChangeAspect="1"/>
           </p:cNvPicPr>
@@ -4564,8 +7522,8 @@
         </p:blipFill>
         <p:spPr>
           <a:xfrm>
-            <a:off x="500513" y="1171483"/>
-            <a:ext cx="4045769" cy="3919571"/>
+            <a:off x="5893364" y="783301"/>
+            <a:ext cx="6298636" cy="5692998"/>
           </a:xfrm>
           <a:prstGeom prst="rect">
             <a:avLst/>
@@ -4574,7 +7532,7 @@
       </p:pic>
       <p:pic>
         <p:nvPicPr>
-          <p:cNvPr id="4" name="Picture 3"/>
+          <p:cNvPr id="2" name="Picture 1"/>
           <p:cNvPicPr>
             <a:picLocks noChangeAspect="1"/>
           </p:cNvPicPr>
@@ -4588,58 +7546,66 @@
         </p:blipFill>
         <p:spPr>
           <a:xfrm>
-            <a:off x="5980673" y="708761"/>
-            <a:ext cx="5784205" cy="4845017"/>
+            <a:off x="71537" y="4077117"/>
+            <a:ext cx="5732497" cy="2580957"/>
           </a:xfrm>
           <a:prstGeom prst="rect">
             <a:avLst/>
           </a:prstGeom>
         </p:spPr>
       </p:pic>
-      <p:sp>
-        <p:nvSpPr>
-          <p:cNvPr id="5" name="Right Arrow 4"/>
-          <p:cNvSpPr/>
-          <p:nvPr/>
-        </p:nvSpPr>
-        <p:spPr>
-          <a:xfrm>
-            <a:off x="5034012" y="2808821"/>
-            <a:ext cx="702645" cy="644893"/>
-          </a:xfrm>
-          <a:prstGeom prst="rightArrow">
-            <a:avLst/>
-          </a:prstGeom>
-        </p:spPr>
-        <p:style>
-          <a:lnRef idx="2">
-            <a:schemeClr val="accent1">
-              <a:shade val="50000"/>
-            </a:schemeClr>
-          </a:lnRef>
-          <a:fillRef idx="1">
-            <a:schemeClr val="accent1"/>
-          </a:fillRef>
-          <a:effectRef idx="0">
-            <a:schemeClr val="accent1"/>
-          </a:effectRef>
-          <a:fontRef idx="minor">
-            <a:schemeClr val="lt1"/>
-          </a:fontRef>
-        </p:style>
-        <p:txBody>
-          <a:bodyPr rtlCol="0" anchor="ctr"/>
-          <a:lstStyle/>
-          <a:p>
-            <a:pPr algn="ctr"/>
-            <a:endParaRPr lang="en-US"/>
-          </a:p>
-        </p:txBody>
-      </p:sp>
+      <p:pic>
+        <p:nvPicPr>
+          <p:cNvPr id="3" name="Picture 2"/>
+          <p:cNvPicPr>
+            <a:picLocks noChangeAspect="1"/>
+          </p:cNvPicPr>
+          <p:nvPr/>
+        </p:nvPicPr>
+        <p:blipFill>
+          <a:blip r:embed="rId4"/>
+          <a:stretch>
+            <a:fillRect/>
+          </a:stretch>
+        </p:blipFill>
+        <p:spPr>
+          <a:xfrm>
+            <a:off x="3573679" y="0"/>
+            <a:ext cx="2846371" cy="4573981"/>
+          </a:xfrm>
+          <a:prstGeom prst="rect">
+            <a:avLst/>
+          </a:prstGeom>
+        </p:spPr>
+      </p:pic>
+      <p:pic>
+        <p:nvPicPr>
+          <p:cNvPr id="5" name="Picture 4"/>
+          <p:cNvPicPr>
+            <a:picLocks noChangeAspect="1"/>
+          </p:cNvPicPr>
+          <p:nvPr/>
+        </p:nvPicPr>
+        <p:blipFill>
+          <a:blip r:embed="rId5"/>
+          <a:stretch>
+            <a:fillRect/>
+          </a:stretch>
+        </p:blipFill>
+        <p:spPr>
+          <a:xfrm>
+            <a:off x="10772775" y="106881"/>
+            <a:ext cx="1419225" cy="1562100"/>
+          </a:xfrm>
+          <a:prstGeom prst="rect">
+            <a:avLst/>
+          </a:prstGeom>
+        </p:spPr>
+      </p:pic>
     </p:spTree>
     <p:extLst>
       <p:ext uri="{BB962C8B-B14F-4D97-AF65-F5344CB8AC3E}">
-        <p14:creationId xmlns:p14="http://schemas.microsoft.com/office/powerpoint/2010/main" val="3508178513"/>
+        <p14:creationId xmlns:p14="http://schemas.microsoft.com/office/powerpoint/2010/main" val="2182159967"/>
       </p:ext>
     </p:extLst>
   </p:cSld>
@@ -4666,9 +7632,67 @@
           <a:chExt cx="0" cy="0"/>
         </a:xfrm>
       </p:grpSpPr>
+      <p:sp>
+        <p:nvSpPr>
+          <p:cNvPr id="2" name="Round Diagonal Corner Rectangle 1"/>
+          <p:cNvSpPr/>
+          <p:nvPr/>
+        </p:nvSpPr>
+        <p:spPr>
+          <a:xfrm>
+            <a:off x="2182308" y="2761805"/>
+            <a:ext cx="1386040" cy="680622"/>
+          </a:xfrm>
+          <a:prstGeom prst="round2DiagRect">
+            <a:avLst/>
+          </a:prstGeom>
+          <a:solidFill>
+            <a:schemeClr val="accent6">
+              <a:lumMod val="60000"/>
+              <a:lumOff val="40000"/>
+            </a:schemeClr>
+          </a:solidFill>
+        </p:spPr>
+        <p:style>
+          <a:lnRef idx="2">
+            <a:schemeClr val="accent1">
+              <a:shade val="50000"/>
+            </a:schemeClr>
+          </a:lnRef>
+          <a:fillRef idx="1">
+            <a:schemeClr val="accent1"/>
+          </a:fillRef>
+          <a:effectRef idx="0">
+            <a:schemeClr val="accent1"/>
+          </a:effectRef>
+          <a:fontRef idx="minor">
+            <a:schemeClr val="lt1"/>
+          </a:fontRef>
+        </p:style>
+        <p:txBody>
+          <a:bodyPr rtlCol="0" anchor="ctr"/>
+          <a:lstStyle/>
+          <a:p>
+            <a:pPr algn="ctr"/>
+            <a:r>
+              <a:rPr lang="en-US" sz="1400" b="1" dirty="0" smtClean="0">
+                <a:solidFill>
+                  <a:schemeClr val="tx1"/>
+                </a:solidFill>
+              </a:rPr>
+              <a:t>MaxEnt SWD</a:t>
+            </a:r>
+            <a:endParaRPr lang="en-US" sz="1400" b="1" dirty="0">
+              <a:solidFill>
+                <a:schemeClr val="tx1"/>
+              </a:solidFill>
+            </a:endParaRPr>
+          </a:p>
+        </p:txBody>
+      </p:sp>
       <p:pic>
         <p:nvPicPr>
-          <p:cNvPr id="4" name="Picture 3"/>
+          <p:cNvPr id="3" name="Picture 2"/>
           <p:cNvPicPr>
             <a:picLocks noChangeAspect="1"/>
           </p:cNvPicPr>
@@ -4682,17 +7706,870 @@
         </p:blipFill>
         <p:spPr>
           <a:xfrm>
-            <a:off x="5893364" y="783301"/>
-            <a:ext cx="6298636" cy="5692998"/>
+            <a:off x="106559" y="4961780"/>
+            <a:ext cx="8979689" cy="1896219"/>
           </a:xfrm>
           <a:prstGeom prst="rect">
             <a:avLst/>
           </a:prstGeom>
         </p:spPr>
       </p:pic>
+      <p:sp>
+        <p:nvSpPr>
+          <p:cNvPr id="4" name="Rectangle 3"/>
+          <p:cNvSpPr/>
+          <p:nvPr/>
+        </p:nvSpPr>
+        <p:spPr>
+          <a:xfrm>
+            <a:off x="96253" y="1780676"/>
+            <a:ext cx="1357163" cy="721894"/>
+          </a:xfrm>
+          <a:prstGeom prst="rect">
+            <a:avLst/>
+          </a:prstGeom>
+          <a:solidFill>
+            <a:schemeClr val="accent2">
+              <a:lumMod val="75000"/>
+            </a:schemeClr>
+          </a:solidFill>
+        </p:spPr>
+        <p:style>
+          <a:lnRef idx="2">
+            <a:schemeClr val="accent1">
+              <a:shade val="50000"/>
+            </a:schemeClr>
+          </a:lnRef>
+          <a:fillRef idx="1">
+            <a:schemeClr val="accent1"/>
+          </a:fillRef>
+          <a:effectRef idx="0">
+            <a:schemeClr val="accent1"/>
+          </a:effectRef>
+          <a:fontRef idx="minor">
+            <a:schemeClr val="lt1"/>
+          </a:fontRef>
+        </p:style>
+        <p:txBody>
+          <a:bodyPr rtlCol="0" anchor="ctr"/>
+          <a:lstStyle/>
+          <a:p>
+            <a:pPr algn="ctr"/>
+            <a:r>
+              <a:rPr lang="en-US" sz="1600" dirty="0" smtClean="0"/>
+              <a:t>Catchment Attributes</a:t>
+            </a:r>
+            <a:endParaRPr lang="en-US" sz="1600" dirty="0"/>
+          </a:p>
+        </p:txBody>
+      </p:sp>
+      <p:sp>
+        <p:nvSpPr>
+          <p:cNvPr id="5" name="Rectangle 4"/>
+          <p:cNvSpPr/>
+          <p:nvPr/>
+        </p:nvSpPr>
+        <p:spPr>
+          <a:xfrm>
+            <a:off x="146563" y="3790918"/>
+            <a:ext cx="1357163" cy="721894"/>
+          </a:xfrm>
+          <a:prstGeom prst="rect">
+            <a:avLst/>
+          </a:prstGeom>
+          <a:solidFill>
+            <a:schemeClr val="accent2">
+              <a:lumMod val="75000"/>
+            </a:schemeClr>
+          </a:solidFill>
+        </p:spPr>
+        <p:style>
+          <a:lnRef idx="2">
+            <a:schemeClr val="accent1">
+              <a:shade val="50000"/>
+            </a:schemeClr>
+          </a:lnRef>
+          <a:fillRef idx="1">
+            <a:schemeClr val="accent1"/>
+          </a:fillRef>
+          <a:effectRef idx="0">
+            <a:schemeClr val="accent1"/>
+          </a:effectRef>
+          <a:fontRef idx="minor">
+            <a:schemeClr val="lt1"/>
+          </a:fontRef>
+        </p:style>
+        <p:txBody>
+          <a:bodyPr rtlCol="0" anchor="ctr"/>
+          <a:lstStyle/>
+          <a:p>
+            <a:pPr algn="ctr"/>
+            <a:r>
+              <a:rPr lang="en-US" sz="1600" dirty="0" smtClean="0"/>
+              <a:t>Catchment Species List</a:t>
+            </a:r>
+            <a:endParaRPr lang="en-US" sz="1600" dirty="0"/>
+          </a:p>
+        </p:txBody>
+      </p:sp>
+      <p:cxnSp>
+        <p:nvCxnSpPr>
+          <p:cNvPr id="7" name="Straight Arrow Connector 6"/>
+          <p:cNvCxnSpPr>
+            <a:stCxn id="4" idx="2"/>
+          </p:cNvCxnSpPr>
+          <p:nvPr/>
+        </p:nvCxnSpPr>
+        <p:spPr>
+          <a:xfrm>
+            <a:off x="774835" y="2502570"/>
+            <a:ext cx="1407473" cy="558264"/>
+          </a:xfrm>
+          <a:prstGeom prst="straightConnector1">
+            <a:avLst/>
+          </a:prstGeom>
+          <a:ln w="19050">
+            <a:solidFill>
+              <a:schemeClr val="tx1">
+                <a:lumMod val="75000"/>
+                <a:lumOff val="25000"/>
+              </a:schemeClr>
+            </a:solidFill>
+            <a:tailEnd type="triangle"/>
+          </a:ln>
+        </p:spPr>
+        <p:style>
+          <a:lnRef idx="1">
+            <a:schemeClr val="accent1"/>
+          </a:lnRef>
+          <a:fillRef idx="0">
+            <a:schemeClr val="accent1"/>
+          </a:fillRef>
+          <a:effectRef idx="0">
+            <a:schemeClr val="accent1"/>
+          </a:effectRef>
+          <a:fontRef idx="minor">
+            <a:schemeClr val="tx1"/>
+          </a:fontRef>
+        </p:style>
+      </p:cxnSp>
+      <p:cxnSp>
+        <p:nvCxnSpPr>
+          <p:cNvPr id="9" name="Straight Arrow Connector 8"/>
+          <p:cNvCxnSpPr>
+            <a:stCxn id="5" idx="0"/>
+          </p:cNvCxnSpPr>
+          <p:nvPr/>
+        </p:nvCxnSpPr>
+        <p:spPr>
+          <a:xfrm flipV="1">
+            <a:off x="825145" y="3157089"/>
+            <a:ext cx="1357163" cy="633829"/>
+          </a:xfrm>
+          <a:prstGeom prst="straightConnector1">
+            <a:avLst/>
+          </a:prstGeom>
+          <a:ln w="19050">
+            <a:solidFill>
+              <a:schemeClr val="tx1">
+                <a:lumMod val="75000"/>
+                <a:lumOff val="25000"/>
+              </a:schemeClr>
+            </a:solidFill>
+            <a:tailEnd type="triangle"/>
+          </a:ln>
+        </p:spPr>
+        <p:style>
+          <a:lnRef idx="1">
+            <a:schemeClr val="accent1"/>
+          </a:lnRef>
+          <a:fillRef idx="0">
+            <a:schemeClr val="accent1"/>
+          </a:fillRef>
+          <a:effectRef idx="0">
+            <a:schemeClr val="accent1"/>
+          </a:effectRef>
+          <a:fontRef idx="minor">
+            <a:schemeClr val="tx1"/>
+          </a:fontRef>
+        </p:style>
+      </p:cxnSp>
+      <p:sp>
+        <p:nvSpPr>
+          <p:cNvPr id="10" name="Rectangle 9"/>
+          <p:cNvSpPr/>
+          <p:nvPr/>
+        </p:nvSpPr>
+        <p:spPr>
+          <a:xfrm>
+            <a:off x="7849590" y="273132"/>
+            <a:ext cx="3325091" cy="700645"/>
+          </a:xfrm>
+          <a:prstGeom prst="rect">
+            <a:avLst/>
+          </a:prstGeom>
+        </p:spPr>
+        <p:style>
+          <a:lnRef idx="1">
+            <a:schemeClr val="dk1"/>
+          </a:lnRef>
+          <a:fillRef idx="2">
+            <a:schemeClr val="dk1"/>
+          </a:fillRef>
+          <a:effectRef idx="1">
+            <a:schemeClr val="dk1"/>
+          </a:effectRef>
+          <a:fontRef idx="minor">
+            <a:schemeClr val="dk1"/>
+          </a:fontRef>
+        </p:style>
+        <p:txBody>
+          <a:bodyPr rtlCol="0" anchor="ctr"/>
+          <a:lstStyle/>
+          <a:p>
+            <a:pPr algn="ctr"/>
+            <a:r>
+              <a:rPr lang="en-US" sz="3200" dirty="0" smtClean="0"/>
+              <a:t>MaxEnt Analysis</a:t>
+            </a:r>
+            <a:endParaRPr lang="en-US" sz="3200" dirty="0"/>
+          </a:p>
+        </p:txBody>
+      </p:sp>
+      <p:sp>
+        <p:nvSpPr>
+          <p:cNvPr id="11" name="Oval 10"/>
+          <p:cNvSpPr/>
+          <p:nvPr/>
+        </p:nvSpPr>
+        <p:spPr>
+          <a:xfrm>
+            <a:off x="180073" y="2814712"/>
+            <a:ext cx="1323653" cy="588500"/>
+          </a:xfrm>
+          <a:prstGeom prst="ellipse">
+            <a:avLst/>
+          </a:prstGeom>
+        </p:spPr>
+        <p:style>
+          <a:lnRef idx="2">
+            <a:schemeClr val="accent1">
+              <a:shade val="50000"/>
+            </a:schemeClr>
+          </a:lnRef>
+          <a:fillRef idx="1">
+            <a:schemeClr val="accent1"/>
+          </a:fillRef>
+          <a:effectRef idx="0">
+            <a:schemeClr val="accent1"/>
+          </a:effectRef>
+          <a:fontRef idx="minor">
+            <a:schemeClr val="lt1"/>
+          </a:fontRef>
+        </p:style>
+        <p:txBody>
+          <a:bodyPr rtlCol="0" anchor="ctr"/>
+          <a:lstStyle/>
+          <a:p>
+            <a:pPr algn="ctr"/>
+            <a:r>
+              <a:rPr lang="en-US" sz="1600" dirty="0" smtClean="0">
+                <a:solidFill>
+                  <a:schemeClr val="tx1"/>
+                </a:solidFill>
+              </a:rPr>
+              <a:t>Select species</a:t>
+            </a:r>
+            <a:endParaRPr lang="en-US" sz="1600" dirty="0">
+              <a:solidFill>
+                <a:schemeClr val="tx1"/>
+              </a:solidFill>
+            </a:endParaRPr>
+          </a:p>
+        </p:txBody>
+      </p:sp>
+      <p:cxnSp>
+        <p:nvCxnSpPr>
+          <p:cNvPr id="19" name="Straight Arrow Connector 18"/>
+          <p:cNvCxnSpPr>
+            <a:stCxn id="11" idx="6"/>
+            <a:endCxn id="2" idx="2"/>
+          </p:cNvCxnSpPr>
+          <p:nvPr/>
+        </p:nvCxnSpPr>
+        <p:spPr>
+          <a:xfrm flipV="1">
+            <a:off x="1503726" y="3102116"/>
+            <a:ext cx="678582" cy="6846"/>
+          </a:xfrm>
+          <a:prstGeom prst="straightConnector1">
+            <a:avLst/>
+          </a:prstGeom>
+          <a:ln w="19050">
+            <a:solidFill>
+              <a:schemeClr val="tx1">
+                <a:lumMod val="75000"/>
+                <a:lumOff val="25000"/>
+              </a:schemeClr>
+            </a:solidFill>
+            <a:tailEnd type="triangle"/>
+          </a:ln>
+        </p:spPr>
+        <p:style>
+          <a:lnRef idx="1">
+            <a:schemeClr val="accent1"/>
+          </a:lnRef>
+          <a:fillRef idx="0">
+            <a:schemeClr val="accent1"/>
+          </a:fillRef>
+          <a:effectRef idx="0">
+            <a:schemeClr val="accent1"/>
+          </a:effectRef>
+          <a:fontRef idx="minor">
+            <a:schemeClr val="tx1"/>
+          </a:fontRef>
+        </p:style>
+      </p:cxnSp>
+      <p:sp>
+        <p:nvSpPr>
+          <p:cNvPr id="21" name="Rounded Rectangle 20"/>
+          <p:cNvSpPr/>
+          <p:nvPr/>
+        </p:nvSpPr>
+        <p:spPr>
+          <a:xfrm>
+            <a:off x="5683280" y="2056065"/>
+            <a:ext cx="1739984" cy="921240"/>
+          </a:xfrm>
+          <a:prstGeom prst="roundRect">
+            <a:avLst/>
+          </a:prstGeom>
+          <a:solidFill>
+            <a:srgbClr val="C00000"/>
+          </a:solidFill>
+        </p:spPr>
+        <p:style>
+          <a:lnRef idx="2">
+            <a:schemeClr val="accent1">
+              <a:shade val="50000"/>
+            </a:schemeClr>
+          </a:lnRef>
+          <a:fillRef idx="1">
+            <a:schemeClr val="accent1"/>
+          </a:fillRef>
+          <a:effectRef idx="0">
+            <a:schemeClr val="accent1"/>
+          </a:effectRef>
+          <a:fontRef idx="minor">
+            <a:schemeClr val="lt1"/>
+          </a:fontRef>
+        </p:style>
+        <p:txBody>
+          <a:bodyPr rtlCol="0" anchor="ctr"/>
+          <a:lstStyle/>
+          <a:p>
+            <a:pPr algn="ctr"/>
+            <a:r>
+              <a:rPr lang="en-US" dirty="0" smtClean="0"/>
+              <a:t>Maxent</a:t>
+            </a:r>
+            <a:endParaRPr lang="en-US" dirty="0"/>
+          </a:p>
+        </p:txBody>
+      </p:sp>
+      <p:cxnSp>
+        <p:nvCxnSpPr>
+          <p:cNvPr id="23" name="Straight Arrow Connector 22"/>
+          <p:cNvCxnSpPr>
+            <a:stCxn id="29" idx="3"/>
+            <a:endCxn id="21" idx="1"/>
+          </p:cNvCxnSpPr>
+          <p:nvPr/>
+        </p:nvCxnSpPr>
+        <p:spPr>
+          <a:xfrm>
+            <a:off x="5414530" y="2516685"/>
+            <a:ext cx="268750" cy="0"/>
+          </a:xfrm>
+          <a:prstGeom prst="straightConnector1">
+            <a:avLst/>
+          </a:prstGeom>
+          <a:ln w="19050">
+            <a:solidFill>
+              <a:schemeClr val="tx1">
+                <a:lumMod val="75000"/>
+                <a:lumOff val="25000"/>
+              </a:schemeClr>
+            </a:solidFill>
+            <a:tailEnd type="triangle"/>
+          </a:ln>
+        </p:spPr>
+        <p:style>
+          <a:lnRef idx="1">
+            <a:schemeClr val="accent1"/>
+          </a:lnRef>
+          <a:fillRef idx="0">
+            <a:schemeClr val="accent1"/>
+          </a:fillRef>
+          <a:effectRef idx="0">
+            <a:schemeClr val="accent1"/>
+          </a:effectRef>
+          <a:fontRef idx="minor">
+            <a:schemeClr val="tx1"/>
+          </a:fontRef>
+        </p:style>
+      </p:cxnSp>
+      <p:sp>
+        <p:nvSpPr>
+          <p:cNvPr id="25" name="Rounded Rectangle 24"/>
+          <p:cNvSpPr/>
+          <p:nvPr/>
+        </p:nvSpPr>
+        <p:spPr>
+          <a:xfrm>
+            <a:off x="2182308" y="1773821"/>
+            <a:ext cx="1386040" cy="680622"/>
+          </a:xfrm>
+          <a:prstGeom prst="roundRect">
+            <a:avLst/>
+          </a:prstGeom>
+          <a:ln>
+            <a:solidFill>
+              <a:srgbClr val="FF0000"/>
+            </a:solidFill>
+          </a:ln>
+        </p:spPr>
+        <p:style>
+          <a:lnRef idx="2">
+            <a:schemeClr val="accent1">
+              <a:shade val="50000"/>
+            </a:schemeClr>
+          </a:lnRef>
+          <a:fillRef idx="1">
+            <a:schemeClr val="accent1"/>
+          </a:fillRef>
+          <a:effectRef idx="0">
+            <a:schemeClr val="accent1"/>
+          </a:effectRef>
+          <a:fontRef idx="minor">
+            <a:schemeClr val="lt1"/>
+          </a:fontRef>
+        </p:style>
+        <p:txBody>
+          <a:bodyPr rtlCol="0" anchor="ctr"/>
+          <a:lstStyle/>
+          <a:p>
+            <a:pPr algn="ctr"/>
+            <a:r>
+              <a:rPr lang="en-US" sz="1400" i="1" dirty="0" smtClean="0"/>
+              <a:t>Final field list</a:t>
+            </a:r>
+            <a:endParaRPr lang="en-US" sz="1400" i="1" dirty="0"/>
+          </a:p>
+        </p:txBody>
+      </p:sp>
+      <p:sp>
+        <p:nvSpPr>
+          <p:cNvPr id="28" name="Round Diagonal Corner Rectangle 27"/>
+          <p:cNvSpPr/>
+          <p:nvPr/>
+        </p:nvSpPr>
+        <p:spPr>
+          <a:xfrm>
+            <a:off x="2182308" y="2755609"/>
+            <a:ext cx="1386040" cy="680622"/>
+          </a:xfrm>
+          <a:prstGeom prst="round2DiagRect">
+            <a:avLst/>
+          </a:prstGeom>
+          <a:solidFill>
+            <a:schemeClr val="accent6">
+              <a:lumMod val="60000"/>
+              <a:lumOff val="40000"/>
+            </a:schemeClr>
+          </a:solidFill>
+        </p:spPr>
+        <p:style>
+          <a:lnRef idx="2">
+            <a:schemeClr val="accent1">
+              <a:shade val="50000"/>
+            </a:schemeClr>
+          </a:lnRef>
+          <a:fillRef idx="1">
+            <a:schemeClr val="accent1"/>
+          </a:fillRef>
+          <a:effectRef idx="0">
+            <a:schemeClr val="accent1"/>
+          </a:effectRef>
+          <a:fontRef idx="minor">
+            <a:schemeClr val="lt1"/>
+          </a:fontRef>
+        </p:style>
+        <p:txBody>
+          <a:bodyPr rtlCol="0" anchor="ctr"/>
+          <a:lstStyle/>
+          <a:p>
+            <a:pPr algn="ctr"/>
+            <a:r>
+              <a:rPr lang="en-US" sz="1400" b="1" dirty="0" smtClean="0">
+                <a:solidFill>
+                  <a:schemeClr val="tx1"/>
+                </a:solidFill>
+              </a:rPr>
+              <a:t>MaxEnt SWD</a:t>
+            </a:r>
+            <a:endParaRPr lang="en-US" sz="1400" b="1" dirty="0">
+              <a:solidFill>
+                <a:schemeClr val="tx1"/>
+              </a:solidFill>
+            </a:endParaRPr>
+          </a:p>
+        </p:txBody>
+      </p:sp>
+      <p:sp>
+        <p:nvSpPr>
+          <p:cNvPr id="29" name="Rounded Rectangle 28"/>
+          <p:cNvSpPr/>
+          <p:nvPr/>
+        </p:nvSpPr>
+        <p:spPr>
+          <a:xfrm>
+            <a:off x="4028490" y="2176374"/>
+            <a:ext cx="1386040" cy="680622"/>
+          </a:xfrm>
+          <a:prstGeom prst="roundRect">
+            <a:avLst/>
+          </a:prstGeom>
+          <a:ln/>
+        </p:spPr>
+        <p:style>
+          <a:lnRef idx="1">
+            <a:schemeClr val="accent1"/>
+          </a:lnRef>
+          <a:fillRef idx="2">
+            <a:schemeClr val="accent1"/>
+          </a:fillRef>
+          <a:effectRef idx="1">
+            <a:schemeClr val="accent1"/>
+          </a:effectRef>
+          <a:fontRef idx="minor">
+            <a:schemeClr val="dk1"/>
+          </a:fontRef>
+        </p:style>
+        <p:txBody>
+          <a:bodyPr rtlCol="0" anchor="ctr"/>
+          <a:lstStyle/>
+          <a:p>
+            <a:pPr algn="ctr"/>
+            <a:r>
+              <a:rPr lang="en-US" sz="1400" i="1" dirty="0" smtClean="0"/>
+              <a:t>Maxent BAT file</a:t>
+            </a:r>
+            <a:endParaRPr lang="en-US" sz="1400" i="1" dirty="0"/>
+          </a:p>
+        </p:txBody>
+      </p:sp>
+      <p:cxnSp>
+        <p:nvCxnSpPr>
+          <p:cNvPr id="31" name="Straight Arrow Connector 30"/>
+          <p:cNvCxnSpPr>
+            <a:stCxn id="25" idx="3"/>
+            <a:endCxn id="29" idx="1"/>
+          </p:cNvCxnSpPr>
+          <p:nvPr/>
+        </p:nvCxnSpPr>
+        <p:spPr>
+          <a:xfrm>
+            <a:off x="3568348" y="2114132"/>
+            <a:ext cx="460142" cy="402553"/>
+          </a:xfrm>
+          <a:prstGeom prst="straightConnector1">
+            <a:avLst/>
+          </a:prstGeom>
+          <a:ln w="19050">
+            <a:solidFill>
+              <a:schemeClr val="tx1">
+                <a:lumMod val="75000"/>
+                <a:lumOff val="25000"/>
+              </a:schemeClr>
+            </a:solidFill>
+            <a:tailEnd type="triangle"/>
+          </a:ln>
+        </p:spPr>
+        <p:style>
+          <a:lnRef idx="1">
+            <a:schemeClr val="accent1"/>
+          </a:lnRef>
+          <a:fillRef idx="0">
+            <a:schemeClr val="accent1"/>
+          </a:fillRef>
+          <a:effectRef idx="0">
+            <a:schemeClr val="accent1"/>
+          </a:effectRef>
+          <a:fontRef idx="minor">
+            <a:schemeClr val="tx1"/>
+          </a:fontRef>
+        </p:style>
+      </p:cxnSp>
+      <p:cxnSp>
+        <p:nvCxnSpPr>
+          <p:cNvPr id="33" name="Straight Arrow Connector 32"/>
+          <p:cNvCxnSpPr>
+            <a:stCxn id="28" idx="0"/>
+            <a:endCxn id="29" idx="1"/>
+          </p:cNvCxnSpPr>
+          <p:nvPr/>
+        </p:nvCxnSpPr>
+        <p:spPr>
+          <a:xfrm flipV="1">
+            <a:off x="3568348" y="2516685"/>
+            <a:ext cx="460142" cy="579235"/>
+          </a:xfrm>
+          <a:prstGeom prst="straightConnector1">
+            <a:avLst/>
+          </a:prstGeom>
+          <a:ln w="19050">
+            <a:solidFill>
+              <a:schemeClr val="tx1">
+                <a:lumMod val="75000"/>
+                <a:lumOff val="25000"/>
+              </a:schemeClr>
+            </a:solidFill>
+            <a:tailEnd type="triangle"/>
+          </a:ln>
+        </p:spPr>
+        <p:style>
+          <a:lnRef idx="1">
+            <a:schemeClr val="accent1"/>
+          </a:lnRef>
+          <a:fillRef idx="0">
+            <a:schemeClr val="accent1"/>
+          </a:fillRef>
+          <a:effectRef idx="0">
+            <a:schemeClr val="accent1"/>
+          </a:effectRef>
+          <a:fontRef idx="minor">
+            <a:schemeClr val="tx1"/>
+          </a:fontRef>
+        </p:style>
+      </p:cxnSp>
+      <p:cxnSp>
+        <p:nvCxnSpPr>
+          <p:cNvPr id="39" name="Straight Arrow Connector 38"/>
+          <p:cNvCxnSpPr>
+            <a:stCxn id="2" idx="1"/>
+          </p:cNvCxnSpPr>
+          <p:nvPr/>
+        </p:nvCxnSpPr>
+        <p:spPr>
+          <a:xfrm>
+            <a:off x="2875328" y="3442427"/>
+            <a:ext cx="0" cy="1519353"/>
+          </a:xfrm>
+          <a:prstGeom prst="straightConnector1">
+            <a:avLst/>
+          </a:prstGeom>
+          <a:ln>
+            <a:prstDash val="dash"/>
+            <a:tailEnd type="triangle"/>
+          </a:ln>
+        </p:spPr>
+        <p:style>
+          <a:lnRef idx="3">
+            <a:schemeClr val="accent6"/>
+          </a:lnRef>
+          <a:fillRef idx="0">
+            <a:schemeClr val="accent6"/>
+          </a:fillRef>
+          <a:effectRef idx="2">
+            <a:schemeClr val="accent6"/>
+          </a:effectRef>
+          <a:fontRef idx="minor">
+            <a:schemeClr val="tx1"/>
+          </a:fontRef>
+        </p:style>
+      </p:cxnSp>
+      <p:sp>
+        <p:nvSpPr>
+          <p:cNvPr id="40" name="TextBox 39"/>
+          <p:cNvSpPr txBox="1"/>
+          <p:nvPr/>
+        </p:nvSpPr>
+        <p:spPr>
+          <a:xfrm rot="18688153">
+            <a:off x="1602385" y="4636405"/>
+            <a:ext cx="883575" cy="261610"/>
+          </a:xfrm>
+          <a:prstGeom prst="rect">
+            <a:avLst/>
+          </a:prstGeom>
+          <a:noFill/>
+        </p:spPr>
+        <p:txBody>
+          <a:bodyPr wrap="none" rtlCol="0">
+            <a:spAutoFit/>
+          </a:bodyPr>
+          <a:lstStyle/>
+          <a:p>
+            <a:r>
+              <a:rPr lang="en-US" sz="1100" dirty="0" smtClean="0">
+                <a:solidFill>
+                  <a:schemeClr val="accent6">
+                    <a:lumMod val="75000"/>
+                  </a:schemeClr>
+                </a:solidFill>
+              </a:rPr>
+              <a:t>(GRIDCODE)</a:t>
+            </a:r>
+            <a:endParaRPr lang="en-US" sz="1100" dirty="0">
+              <a:solidFill>
+                <a:schemeClr val="accent6">
+                  <a:lumMod val="75000"/>
+                </a:schemeClr>
+              </a:solidFill>
+            </a:endParaRPr>
+          </a:p>
+        </p:txBody>
+      </p:sp>
+      <p:sp>
+        <p:nvSpPr>
+          <p:cNvPr id="41" name="TextBox 40"/>
+          <p:cNvSpPr txBox="1"/>
+          <p:nvPr/>
+        </p:nvSpPr>
+        <p:spPr>
+          <a:xfrm rot="18688153">
+            <a:off x="2067012" y="4636404"/>
+            <a:ext cx="835485" cy="261610"/>
+          </a:xfrm>
+          <a:prstGeom prst="rect">
+            <a:avLst/>
+          </a:prstGeom>
+          <a:noFill/>
+        </p:spPr>
+        <p:txBody>
+          <a:bodyPr wrap="none" rtlCol="0">
+            <a:spAutoFit/>
+          </a:bodyPr>
+          <a:lstStyle/>
+          <a:p>
+            <a:r>
+              <a:rPr lang="en-US" sz="1100" dirty="0" smtClean="0">
+                <a:solidFill>
+                  <a:schemeClr val="accent6">
+                    <a:lumMod val="75000"/>
+                  </a:schemeClr>
+                </a:solidFill>
+              </a:rPr>
+              <a:t>(FeatureID)</a:t>
+            </a:r>
+            <a:endParaRPr lang="en-US" sz="1100" dirty="0">
+              <a:solidFill>
+                <a:schemeClr val="accent6">
+                  <a:lumMod val="75000"/>
+                </a:schemeClr>
+              </a:solidFill>
+            </a:endParaRPr>
+          </a:p>
+        </p:txBody>
+      </p:sp>
+      <p:sp>
+        <p:nvSpPr>
+          <p:cNvPr id="42" name="Rounded Rectangle 41"/>
+          <p:cNvSpPr/>
+          <p:nvPr/>
+        </p:nvSpPr>
+        <p:spPr>
+          <a:xfrm>
+            <a:off x="7814218" y="1547120"/>
+            <a:ext cx="1511167" cy="568077"/>
+          </a:xfrm>
+          <a:prstGeom prst="roundRect">
+            <a:avLst/>
+          </a:prstGeom>
+          <a:solidFill>
+            <a:srgbClr val="F08C8C"/>
+          </a:solidFill>
+        </p:spPr>
+        <p:style>
+          <a:lnRef idx="2">
+            <a:schemeClr val="accent1">
+              <a:shade val="50000"/>
+            </a:schemeClr>
+          </a:lnRef>
+          <a:fillRef idx="1">
+            <a:schemeClr val="accent1"/>
+          </a:fillRef>
+          <a:effectRef idx="0">
+            <a:schemeClr val="accent1"/>
+          </a:effectRef>
+          <a:fontRef idx="minor">
+            <a:schemeClr val="lt1"/>
+          </a:fontRef>
+        </p:style>
+        <p:txBody>
+          <a:bodyPr rtlCol="0" anchor="ctr"/>
+          <a:lstStyle/>
+          <a:p>
+            <a:pPr algn="ctr"/>
+            <a:r>
+              <a:rPr lang="en-US" sz="1400" dirty="0" smtClean="0"/>
+              <a:t>Catchment habitat likelihood</a:t>
+            </a:r>
+            <a:endParaRPr lang="en-US" sz="1400" dirty="0"/>
+          </a:p>
+        </p:txBody>
+      </p:sp>
+      <p:sp>
+        <p:nvSpPr>
+          <p:cNvPr id="43" name="Rounded Rectangle 42"/>
+          <p:cNvSpPr/>
+          <p:nvPr/>
+        </p:nvSpPr>
+        <p:spPr>
+          <a:xfrm>
+            <a:off x="7814219" y="3583788"/>
+            <a:ext cx="1511167" cy="568077"/>
+          </a:xfrm>
+          <a:prstGeom prst="roundRect">
+            <a:avLst/>
+          </a:prstGeom>
+          <a:solidFill>
+            <a:srgbClr val="F08C8C"/>
+          </a:solidFill>
+        </p:spPr>
+        <p:style>
+          <a:lnRef idx="2">
+            <a:schemeClr val="accent1">
+              <a:shade val="50000"/>
+            </a:schemeClr>
+          </a:lnRef>
+          <a:fillRef idx="1">
+            <a:schemeClr val="accent1"/>
+          </a:fillRef>
+          <a:effectRef idx="0">
+            <a:schemeClr val="accent1"/>
+          </a:effectRef>
+          <a:fontRef idx="minor">
+            <a:schemeClr val="lt1"/>
+          </a:fontRef>
+        </p:style>
+        <p:txBody>
+          <a:bodyPr rtlCol="0" anchor="ctr"/>
+          <a:lstStyle/>
+          <a:p>
+            <a:pPr algn="ctr"/>
+            <a:r>
+              <a:rPr lang="en-US" sz="1400" dirty="0" smtClean="0"/>
+              <a:t>Variable Importance</a:t>
+            </a:r>
+            <a:endParaRPr lang="en-US" sz="1400" dirty="0"/>
+          </a:p>
+        </p:txBody>
+      </p:sp>
       <p:pic>
         <p:nvPicPr>
-          <p:cNvPr id="2" name="Picture 1"/>
+          <p:cNvPr id="44" name="Picture 43"/>
           <p:cNvPicPr>
             <a:picLocks noChangeAspect="1"/>
           </p:cNvPicPr>
@@ -4706,56 +8583,8 @@
         </p:blipFill>
         <p:spPr>
           <a:xfrm>
-            <a:off x="71537" y="4077117"/>
-            <a:ext cx="5732497" cy="2580957"/>
-          </a:xfrm>
-          <a:prstGeom prst="rect">
-            <a:avLst/>
-          </a:prstGeom>
-        </p:spPr>
-      </p:pic>
-      <p:pic>
-        <p:nvPicPr>
-          <p:cNvPr id="3" name="Picture 2"/>
-          <p:cNvPicPr>
-            <a:picLocks noChangeAspect="1"/>
-          </p:cNvPicPr>
-          <p:nvPr/>
-        </p:nvPicPr>
-        <p:blipFill>
-          <a:blip r:embed="rId4"/>
-          <a:stretch>
-            <a:fillRect/>
-          </a:stretch>
-        </p:blipFill>
-        <p:spPr>
-          <a:xfrm>
-            <a:off x="3573679" y="0"/>
-            <a:ext cx="2846371" cy="4573981"/>
-          </a:xfrm>
-          <a:prstGeom prst="rect">
-            <a:avLst/>
-          </a:prstGeom>
-        </p:spPr>
-      </p:pic>
-      <p:pic>
-        <p:nvPicPr>
-          <p:cNvPr id="5" name="Picture 4"/>
-          <p:cNvPicPr>
-            <a:picLocks noChangeAspect="1"/>
-          </p:cNvPicPr>
-          <p:nvPr/>
-        </p:nvPicPr>
-        <p:blipFill>
-          <a:blip r:embed="rId5"/>
-          <a:stretch>
-            <a:fillRect/>
-          </a:stretch>
-        </p:blipFill>
-        <p:spPr>
-          <a:xfrm>
-            <a:off x="10772775" y="106881"/>
-            <a:ext cx="1419225" cy="1562100"/>
+            <a:off x="9552196" y="1190910"/>
+            <a:ext cx="2517884" cy="1297481"/>
           </a:xfrm>
           <a:prstGeom prst="rect">
             <a:avLst/>
@@ -4765,7 +8594,7 @@
     </p:spTree>
     <p:extLst>
       <p:ext uri="{BB962C8B-B14F-4D97-AF65-F5344CB8AC3E}">
-        <p14:creationId xmlns:p14="http://schemas.microsoft.com/office/powerpoint/2010/main" val="2182159967"/>
+        <p14:creationId xmlns:p14="http://schemas.microsoft.com/office/powerpoint/2010/main" val="1294703194"/>
       </p:ext>
     </p:extLst>
   </p:cSld>
@@ -4794,771 +8623,14 @@
       </p:grpSpPr>
       <p:sp>
         <p:nvSpPr>
-          <p:cNvPr id="2" name="Round Diagonal Corner Rectangle 1"/>
-          <p:cNvSpPr/>
-          <p:nvPr/>
-        </p:nvSpPr>
-        <p:spPr>
-          <a:xfrm>
-            <a:off x="2182308" y="2761805"/>
-            <a:ext cx="1386040" cy="680622"/>
-          </a:xfrm>
-          <a:prstGeom prst="round2DiagRect">
-            <a:avLst/>
-          </a:prstGeom>
-          <a:solidFill>
-            <a:schemeClr val="accent6">
-              <a:lumMod val="60000"/>
-              <a:lumOff val="40000"/>
-            </a:schemeClr>
-          </a:solidFill>
-        </p:spPr>
-        <p:style>
-          <a:lnRef idx="2">
-            <a:schemeClr val="accent1">
-              <a:shade val="50000"/>
-            </a:schemeClr>
-          </a:lnRef>
-          <a:fillRef idx="1">
-            <a:schemeClr val="accent1"/>
-          </a:fillRef>
-          <a:effectRef idx="0">
-            <a:schemeClr val="accent1"/>
-          </a:effectRef>
-          <a:fontRef idx="minor">
-            <a:schemeClr val="lt1"/>
-          </a:fontRef>
-        </p:style>
-        <p:txBody>
-          <a:bodyPr rtlCol="0" anchor="ctr"/>
-          <a:lstStyle/>
-          <a:p>
-            <a:pPr algn="ctr"/>
-            <a:r>
-              <a:rPr lang="en-US" sz="1400" b="1" dirty="0" smtClean="0">
-                <a:solidFill>
-                  <a:schemeClr val="tx1"/>
-                </a:solidFill>
-              </a:rPr>
-              <a:t>MaxEnt SWD</a:t>
-            </a:r>
-            <a:endParaRPr lang="en-US" sz="1400" b="1" dirty="0">
-              <a:solidFill>
-                <a:schemeClr val="tx1"/>
-              </a:solidFill>
-            </a:endParaRPr>
-          </a:p>
-        </p:txBody>
-      </p:sp>
-      <p:pic>
-        <p:nvPicPr>
-          <p:cNvPr id="3" name="Picture 2"/>
-          <p:cNvPicPr>
-            <a:picLocks noChangeAspect="1"/>
-          </p:cNvPicPr>
-          <p:nvPr/>
-        </p:nvPicPr>
-        <p:blipFill>
-          <a:blip r:embed="rId2"/>
-          <a:stretch>
-            <a:fillRect/>
-          </a:stretch>
-        </p:blipFill>
-        <p:spPr>
-          <a:xfrm>
-            <a:off x="106559" y="4961780"/>
-            <a:ext cx="8979689" cy="1896219"/>
-          </a:xfrm>
-          <a:prstGeom prst="rect">
-            <a:avLst/>
-          </a:prstGeom>
-        </p:spPr>
-      </p:pic>
-      <p:sp>
-        <p:nvSpPr>
-          <p:cNvPr id="4" name="Rectangle 3"/>
-          <p:cNvSpPr/>
-          <p:nvPr/>
-        </p:nvSpPr>
-        <p:spPr>
-          <a:xfrm>
-            <a:off x="96253" y="1780676"/>
-            <a:ext cx="1357163" cy="721894"/>
-          </a:xfrm>
-          <a:prstGeom prst="rect">
-            <a:avLst/>
-          </a:prstGeom>
-          <a:solidFill>
-            <a:schemeClr val="accent2">
-              <a:lumMod val="75000"/>
-            </a:schemeClr>
-          </a:solidFill>
-        </p:spPr>
-        <p:style>
-          <a:lnRef idx="2">
-            <a:schemeClr val="accent1">
-              <a:shade val="50000"/>
-            </a:schemeClr>
-          </a:lnRef>
-          <a:fillRef idx="1">
-            <a:schemeClr val="accent1"/>
-          </a:fillRef>
-          <a:effectRef idx="0">
-            <a:schemeClr val="accent1"/>
-          </a:effectRef>
-          <a:fontRef idx="minor">
-            <a:schemeClr val="lt1"/>
-          </a:fontRef>
-        </p:style>
-        <p:txBody>
-          <a:bodyPr rtlCol="0" anchor="ctr"/>
-          <a:lstStyle/>
-          <a:p>
-            <a:pPr algn="ctr"/>
-            <a:r>
-              <a:rPr lang="en-US" sz="1600" dirty="0" smtClean="0"/>
-              <a:t>Catchment Attributes</a:t>
-            </a:r>
-            <a:endParaRPr lang="en-US" sz="1600" dirty="0"/>
-          </a:p>
-        </p:txBody>
-      </p:sp>
-      <p:sp>
-        <p:nvSpPr>
-          <p:cNvPr id="5" name="Rectangle 4"/>
-          <p:cNvSpPr/>
-          <p:nvPr/>
-        </p:nvSpPr>
-        <p:spPr>
-          <a:xfrm>
-            <a:off x="146563" y="3790918"/>
-            <a:ext cx="1357163" cy="721894"/>
-          </a:xfrm>
-          <a:prstGeom prst="rect">
-            <a:avLst/>
-          </a:prstGeom>
-          <a:solidFill>
-            <a:schemeClr val="accent2">
-              <a:lumMod val="75000"/>
-            </a:schemeClr>
-          </a:solidFill>
-        </p:spPr>
-        <p:style>
-          <a:lnRef idx="2">
-            <a:schemeClr val="accent1">
-              <a:shade val="50000"/>
-            </a:schemeClr>
-          </a:lnRef>
-          <a:fillRef idx="1">
-            <a:schemeClr val="accent1"/>
-          </a:fillRef>
-          <a:effectRef idx="0">
-            <a:schemeClr val="accent1"/>
-          </a:effectRef>
-          <a:fontRef idx="minor">
-            <a:schemeClr val="lt1"/>
-          </a:fontRef>
-        </p:style>
-        <p:txBody>
-          <a:bodyPr rtlCol="0" anchor="ctr"/>
-          <a:lstStyle/>
-          <a:p>
-            <a:pPr algn="ctr"/>
-            <a:r>
-              <a:rPr lang="en-US" sz="1600" dirty="0" smtClean="0"/>
-              <a:t>Catchment Species List</a:t>
-            </a:r>
-            <a:endParaRPr lang="en-US" sz="1600" dirty="0"/>
-          </a:p>
-        </p:txBody>
-      </p:sp>
-      <p:cxnSp>
-        <p:nvCxnSpPr>
-          <p:cNvPr id="7" name="Straight Arrow Connector 6"/>
-          <p:cNvCxnSpPr>
-            <a:stCxn id="4" idx="2"/>
-          </p:cNvCxnSpPr>
-          <p:nvPr/>
-        </p:nvCxnSpPr>
-        <p:spPr>
-          <a:xfrm>
-            <a:off x="774835" y="2502570"/>
-            <a:ext cx="1407473" cy="558264"/>
-          </a:xfrm>
-          <a:prstGeom prst="straightConnector1">
-            <a:avLst/>
-          </a:prstGeom>
-          <a:ln w="19050">
-            <a:solidFill>
-              <a:schemeClr val="tx1">
-                <a:lumMod val="75000"/>
-                <a:lumOff val="25000"/>
-              </a:schemeClr>
-            </a:solidFill>
-            <a:tailEnd type="triangle"/>
-          </a:ln>
-        </p:spPr>
-        <p:style>
-          <a:lnRef idx="1">
-            <a:schemeClr val="accent1"/>
-          </a:lnRef>
-          <a:fillRef idx="0">
-            <a:schemeClr val="accent1"/>
-          </a:fillRef>
-          <a:effectRef idx="0">
-            <a:schemeClr val="accent1"/>
-          </a:effectRef>
-          <a:fontRef idx="minor">
-            <a:schemeClr val="tx1"/>
-          </a:fontRef>
-        </p:style>
-      </p:cxnSp>
-      <p:cxnSp>
-        <p:nvCxnSpPr>
-          <p:cNvPr id="9" name="Straight Arrow Connector 8"/>
-          <p:cNvCxnSpPr>
-            <a:stCxn id="5" idx="0"/>
-          </p:cNvCxnSpPr>
-          <p:nvPr/>
-        </p:nvCxnSpPr>
-        <p:spPr>
-          <a:xfrm flipV="1">
-            <a:off x="825145" y="3157089"/>
-            <a:ext cx="1357163" cy="633829"/>
-          </a:xfrm>
-          <a:prstGeom prst="straightConnector1">
-            <a:avLst/>
-          </a:prstGeom>
-          <a:ln w="19050">
-            <a:solidFill>
-              <a:schemeClr val="tx1">
-                <a:lumMod val="75000"/>
-                <a:lumOff val="25000"/>
-              </a:schemeClr>
-            </a:solidFill>
-            <a:tailEnd type="triangle"/>
-          </a:ln>
-        </p:spPr>
-        <p:style>
-          <a:lnRef idx="1">
-            <a:schemeClr val="accent1"/>
-          </a:lnRef>
-          <a:fillRef idx="0">
-            <a:schemeClr val="accent1"/>
-          </a:fillRef>
-          <a:effectRef idx="0">
-            <a:schemeClr val="accent1"/>
-          </a:effectRef>
-          <a:fontRef idx="minor">
-            <a:schemeClr val="tx1"/>
-          </a:fontRef>
-        </p:style>
-      </p:cxnSp>
-      <p:sp>
-        <p:nvSpPr>
-          <p:cNvPr id="10" name="Rectangle 9"/>
-          <p:cNvSpPr/>
-          <p:nvPr/>
-        </p:nvSpPr>
-        <p:spPr>
-          <a:xfrm>
-            <a:off x="7849590" y="273132"/>
-            <a:ext cx="3325091" cy="700645"/>
-          </a:xfrm>
-          <a:prstGeom prst="rect">
-            <a:avLst/>
-          </a:prstGeom>
-        </p:spPr>
-        <p:style>
-          <a:lnRef idx="1">
-            <a:schemeClr val="dk1"/>
-          </a:lnRef>
-          <a:fillRef idx="2">
-            <a:schemeClr val="dk1"/>
-          </a:fillRef>
-          <a:effectRef idx="1">
-            <a:schemeClr val="dk1"/>
-          </a:effectRef>
-          <a:fontRef idx="minor">
-            <a:schemeClr val="dk1"/>
-          </a:fontRef>
-        </p:style>
-        <p:txBody>
-          <a:bodyPr rtlCol="0" anchor="ctr"/>
-          <a:lstStyle/>
-          <a:p>
-            <a:pPr algn="ctr"/>
-            <a:r>
-              <a:rPr lang="en-US" sz="3200" dirty="0" smtClean="0"/>
-              <a:t>MaxEnt Analysis</a:t>
-            </a:r>
-            <a:endParaRPr lang="en-US" sz="3200" dirty="0"/>
-          </a:p>
-        </p:txBody>
-      </p:sp>
-      <p:sp>
-        <p:nvSpPr>
-          <p:cNvPr id="11" name="Oval 10"/>
-          <p:cNvSpPr/>
-          <p:nvPr/>
-        </p:nvSpPr>
-        <p:spPr>
-          <a:xfrm>
-            <a:off x="180073" y="2814712"/>
-            <a:ext cx="1323653" cy="588500"/>
-          </a:xfrm>
-          <a:prstGeom prst="ellipse">
-            <a:avLst/>
-          </a:prstGeom>
-        </p:spPr>
-        <p:style>
-          <a:lnRef idx="2">
-            <a:schemeClr val="accent1">
-              <a:shade val="50000"/>
-            </a:schemeClr>
-          </a:lnRef>
-          <a:fillRef idx="1">
-            <a:schemeClr val="accent1"/>
-          </a:fillRef>
-          <a:effectRef idx="0">
-            <a:schemeClr val="accent1"/>
-          </a:effectRef>
-          <a:fontRef idx="minor">
-            <a:schemeClr val="lt1"/>
-          </a:fontRef>
-        </p:style>
-        <p:txBody>
-          <a:bodyPr rtlCol="0" anchor="ctr"/>
-          <a:lstStyle/>
-          <a:p>
-            <a:pPr algn="ctr"/>
-            <a:r>
-              <a:rPr lang="en-US" sz="1600" dirty="0" smtClean="0">
-                <a:solidFill>
-                  <a:schemeClr val="tx1"/>
-                </a:solidFill>
-              </a:rPr>
-              <a:t>Select species</a:t>
-            </a:r>
-            <a:endParaRPr lang="en-US" sz="1600" dirty="0">
-              <a:solidFill>
-                <a:schemeClr val="tx1"/>
-              </a:solidFill>
-            </a:endParaRPr>
-          </a:p>
-        </p:txBody>
-      </p:sp>
-      <p:cxnSp>
-        <p:nvCxnSpPr>
-          <p:cNvPr id="19" name="Straight Arrow Connector 18"/>
-          <p:cNvCxnSpPr>
-            <a:stCxn id="11" idx="6"/>
-            <a:endCxn id="2" idx="2"/>
-          </p:cNvCxnSpPr>
-          <p:nvPr/>
-        </p:nvCxnSpPr>
-        <p:spPr>
-          <a:xfrm flipV="1">
-            <a:off x="1503726" y="3102116"/>
-            <a:ext cx="678582" cy="6846"/>
-          </a:xfrm>
-          <a:prstGeom prst="straightConnector1">
-            <a:avLst/>
-          </a:prstGeom>
-          <a:ln w="19050">
-            <a:solidFill>
-              <a:schemeClr val="tx1">
-                <a:lumMod val="75000"/>
-                <a:lumOff val="25000"/>
-              </a:schemeClr>
-            </a:solidFill>
-            <a:tailEnd type="triangle"/>
-          </a:ln>
-        </p:spPr>
-        <p:style>
-          <a:lnRef idx="1">
-            <a:schemeClr val="accent1"/>
-          </a:lnRef>
-          <a:fillRef idx="0">
-            <a:schemeClr val="accent1"/>
-          </a:fillRef>
-          <a:effectRef idx="0">
-            <a:schemeClr val="accent1"/>
-          </a:effectRef>
-          <a:fontRef idx="minor">
-            <a:schemeClr val="tx1"/>
-          </a:fontRef>
-        </p:style>
-      </p:cxnSp>
-      <p:sp>
-        <p:nvSpPr>
-          <p:cNvPr id="21" name="Rounded Rectangle 20"/>
-          <p:cNvSpPr/>
-          <p:nvPr/>
-        </p:nvSpPr>
-        <p:spPr>
-          <a:xfrm>
-            <a:off x="5683280" y="2056065"/>
-            <a:ext cx="1739984" cy="921240"/>
-          </a:xfrm>
-          <a:prstGeom prst="roundRect">
-            <a:avLst/>
-          </a:prstGeom>
-          <a:solidFill>
-            <a:srgbClr val="C00000"/>
-          </a:solidFill>
-        </p:spPr>
-        <p:style>
-          <a:lnRef idx="2">
-            <a:schemeClr val="accent1">
-              <a:shade val="50000"/>
-            </a:schemeClr>
-          </a:lnRef>
-          <a:fillRef idx="1">
-            <a:schemeClr val="accent1"/>
-          </a:fillRef>
-          <a:effectRef idx="0">
-            <a:schemeClr val="accent1"/>
-          </a:effectRef>
-          <a:fontRef idx="minor">
-            <a:schemeClr val="lt1"/>
-          </a:fontRef>
-        </p:style>
-        <p:txBody>
-          <a:bodyPr rtlCol="0" anchor="ctr"/>
-          <a:lstStyle/>
-          <a:p>
-            <a:pPr algn="ctr"/>
-            <a:r>
-              <a:rPr lang="en-US" dirty="0" smtClean="0"/>
-              <a:t>Maxent</a:t>
-            </a:r>
-            <a:endParaRPr lang="en-US" dirty="0"/>
-          </a:p>
-        </p:txBody>
-      </p:sp>
-      <p:cxnSp>
-        <p:nvCxnSpPr>
-          <p:cNvPr id="23" name="Straight Arrow Connector 22"/>
-          <p:cNvCxnSpPr>
-            <a:stCxn id="29" idx="3"/>
-            <a:endCxn id="21" idx="1"/>
-          </p:cNvCxnSpPr>
-          <p:nvPr/>
-        </p:nvCxnSpPr>
-        <p:spPr>
-          <a:xfrm>
-            <a:off x="5414530" y="2516685"/>
-            <a:ext cx="268750" cy="0"/>
-          </a:xfrm>
-          <a:prstGeom prst="straightConnector1">
-            <a:avLst/>
-          </a:prstGeom>
-          <a:ln w="19050">
-            <a:solidFill>
-              <a:schemeClr val="tx1">
-                <a:lumMod val="75000"/>
-                <a:lumOff val="25000"/>
-              </a:schemeClr>
-            </a:solidFill>
-            <a:tailEnd type="triangle"/>
-          </a:ln>
-        </p:spPr>
-        <p:style>
-          <a:lnRef idx="1">
-            <a:schemeClr val="accent1"/>
-          </a:lnRef>
-          <a:fillRef idx="0">
-            <a:schemeClr val="accent1"/>
-          </a:fillRef>
-          <a:effectRef idx="0">
-            <a:schemeClr val="accent1"/>
-          </a:effectRef>
-          <a:fontRef idx="minor">
-            <a:schemeClr val="tx1"/>
-          </a:fontRef>
-        </p:style>
-      </p:cxnSp>
-      <p:sp>
-        <p:nvSpPr>
-          <p:cNvPr id="25" name="Rounded Rectangle 24"/>
-          <p:cNvSpPr/>
-          <p:nvPr/>
-        </p:nvSpPr>
-        <p:spPr>
-          <a:xfrm>
-            <a:off x="2182308" y="1773821"/>
-            <a:ext cx="1386040" cy="680622"/>
-          </a:xfrm>
-          <a:prstGeom prst="roundRect">
-            <a:avLst/>
-          </a:prstGeom>
-          <a:ln>
-            <a:solidFill>
-              <a:srgbClr val="FF0000"/>
-            </a:solidFill>
-          </a:ln>
-        </p:spPr>
-        <p:style>
-          <a:lnRef idx="2">
-            <a:schemeClr val="accent1">
-              <a:shade val="50000"/>
-            </a:schemeClr>
-          </a:lnRef>
-          <a:fillRef idx="1">
-            <a:schemeClr val="accent1"/>
-          </a:fillRef>
-          <a:effectRef idx="0">
-            <a:schemeClr val="accent1"/>
-          </a:effectRef>
-          <a:fontRef idx="minor">
-            <a:schemeClr val="lt1"/>
-          </a:fontRef>
-        </p:style>
-        <p:txBody>
-          <a:bodyPr rtlCol="0" anchor="ctr"/>
-          <a:lstStyle/>
-          <a:p>
-            <a:pPr algn="ctr"/>
-            <a:r>
-              <a:rPr lang="en-US" sz="1400" i="1" dirty="0" smtClean="0"/>
-              <a:t>Final field list</a:t>
-            </a:r>
-            <a:endParaRPr lang="en-US" sz="1400" i="1" dirty="0"/>
-          </a:p>
-        </p:txBody>
-      </p:sp>
-      <p:sp>
-        <p:nvSpPr>
-          <p:cNvPr id="28" name="Round Diagonal Corner Rectangle 27"/>
-          <p:cNvSpPr/>
-          <p:nvPr/>
-        </p:nvSpPr>
-        <p:spPr>
-          <a:xfrm>
-            <a:off x="2182308" y="2755609"/>
-            <a:ext cx="1386040" cy="680622"/>
-          </a:xfrm>
-          <a:prstGeom prst="round2DiagRect">
-            <a:avLst/>
-          </a:prstGeom>
-          <a:solidFill>
-            <a:schemeClr val="accent6">
-              <a:lumMod val="60000"/>
-              <a:lumOff val="40000"/>
-            </a:schemeClr>
-          </a:solidFill>
-        </p:spPr>
-        <p:style>
-          <a:lnRef idx="2">
-            <a:schemeClr val="accent1">
-              <a:shade val="50000"/>
-            </a:schemeClr>
-          </a:lnRef>
-          <a:fillRef idx="1">
-            <a:schemeClr val="accent1"/>
-          </a:fillRef>
-          <a:effectRef idx="0">
-            <a:schemeClr val="accent1"/>
-          </a:effectRef>
-          <a:fontRef idx="minor">
-            <a:schemeClr val="lt1"/>
-          </a:fontRef>
-        </p:style>
-        <p:txBody>
-          <a:bodyPr rtlCol="0" anchor="ctr"/>
-          <a:lstStyle/>
-          <a:p>
-            <a:pPr algn="ctr"/>
-            <a:r>
-              <a:rPr lang="en-US" sz="1400" b="1" dirty="0" smtClean="0">
-                <a:solidFill>
-                  <a:schemeClr val="tx1"/>
-                </a:solidFill>
-              </a:rPr>
-              <a:t>MaxEnt SWD</a:t>
-            </a:r>
-            <a:endParaRPr lang="en-US" sz="1400" b="1" dirty="0">
-              <a:solidFill>
-                <a:schemeClr val="tx1"/>
-              </a:solidFill>
-            </a:endParaRPr>
-          </a:p>
-        </p:txBody>
-      </p:sp>
-      <p:sp>
-        <p:nvSpPr>
-          <p:cNvPr id="29" name="Rounded Rectangle 28"/>
-          <p:cNvSpPr/>
-          <p:nvPr/>
-        </p:nvSpPr>
-        <p:spPr>
-          <a:xfrm>
-            <a:off x="4028490" y="2176374"/>
-            <a:ext cx="1386040" cy="680622"/>
-          </a:xfrm>
-          <a:prstGeom prst="roundRect">
-            <a:avLst/>
-          </a:prstGeom>
-          <a:ln/>
-        </p:spPr>
-        <p:style>
-          <a:lnRef idx="1">
-            <a:schemeClr val="accent1"/>
-          </a:lnRef>
-          <a:fillRef idx="2">
-            <a:schemeClr val="accent1"/>
-          </a:fillRef>
-          <a:effectRef idx="1">
-            <a:schemeClr val="accent1"/>
-          </a:effectRef>
-          <a:fontRef idx="minor">
-            <a:schemeClr val="dk1"/>
-          </a:fontRef>
-        </p:style>
-        <p:txBody>
-          <a:bodyPr rtlCol="0" anchor="ctr"/>
-          <a:lstStyle/>
-          <a:p>
-            <a:pPr algn="ctr"/>
-            <a:r>
-              <a:rPr lang="en-US" sz="1400" i="1" dirty="0" smtClean="0"/>
-              <a:t>Maxent BAT file</a:t>
-            </a:r>
-            <a:endParaRPr lang="en-US" sz="1400" i="1" dirty="0"/>
-          </a:p>
-        </p:txBody>
-      </p:sp>
-      <p:cxnSp>
-        <p:nvCxnSpPr>
-          <p:cNvPr id="31" name="Straight Arrow Connector 30"/>
-          <p:cNvCxnSpPr>
-            <a:stCxn id="25" idx="3"/>
-            <a:endCxn id="29" idx="1"/>
-          </p:cNvCxnSpPr>
-          <p:nvPr/>
-        </p:nvCxnSpPr>
-        <p:spPr>
-          <a:xfrm>
-            <a:off x="3568348" y="2114132"/>
-            <a:ext cx="460142" cy="402553"/>
-          </a:xfrm>
-          <a:prstGeom prst="straightConnector1">
-            <a:avLst/>
-          </a:prstGeom>
-          <a:ln w="19050">
-            <a:solidFill>
-              <a:schemeClr val="tx1">
-                <a:lumMod val="75000"/>
-                <a:lumOff val="25000"/>
-              </a:schemeClr>
-            </a:solidFill>
-            <a:tailEnd type="triangle"/>
-          </a:ln>
-        </p:spPr>
-        <p:style>
-          <a:lnRef idx="1">
-            <a:schemeClr val="accent1"/>
-          </a:lnRef>
-          <a:fillRef idx="0">
-            <a:schemeClr val="accent1"/>
-          </a:fillRef>
-          <a:effectRef idx="0">
-            <a:schemeClr val="accent1"/>
-          </a:effectRef>
-          <a:fontRef idx="minor">
-            <a:schemeClr val="tx1"/>
-          </a:fontRef>
-        </p:style>
-      </p:cxnSp>
-      <p:cxnSp>
-        <p:nvCxnSpPr>
-          <p:cNvPr id="33" name="Straight Arrow Connector 32"/>
-          <p:cNvCxnSpPr>
-            <a:stCxn id="28" idx="0"/>
-            <a:endCxn id="29" idx="1"/>
-          </p:cNvCxnSpPr>
-          <p:nvPr/>
-        </p:nvCxnSpPr>
-        <p:spPr>
-          <a:xfrm flipV="1">
-            <a:off x="3568348" y="2516685"/>
-            <a:ext cx="460142" cy="579235"/>
-          </a:xfrm>
-          <a:prstGeom prst="straightConnector1">
-            <a:avLst/>
-          </a:prstGeom>
-          <a:ln w="19050">
-            <a:solidFill>
-              <a:schemeClr val="tx1">
-                <a:lumMod val="75000"/>
-                <a:lumOff val="25000"/>
-              </a:schemeClr>
-            </a:solidFill>
-            <a:tailEnd type="triangle"/>
-          </a:ln>
-        </p:spPr>
-        <p:style>
-          <a:lnRef idx="1">
-            <a:schemeClr val="accent1"/>
-          </a:lnRef>
-          <a:fillRef idx="0">
-            <a:schemeClr val="accent1"/>
-          </a:fillRef>
-          <a:effectRef idx="0">
-            <a:schemeClr val="accent1"/>
-          </a:effectRef>
-          <a:fontRef idx="minor">
-            <a:schemeClr val="tx1"/>
-          </a:fontRef>
-        </p:style>
-      </p:cxnSp>
-      <p:cxnSp>
-        <p:nvCxnSpPr>
-          <p:cNvPr id="39" name="Straight Arrow Connector 38"/>
-          <p:cNvCxnSpPr>
-            <a:stCxn id="2" idx="1"/>
-          </p:cNvCxnSpPr>
-          <p:nvPr/>
-        </p:nvCxnSpPr>
-        <p:spPr>
-          <a:xfrm>
-            <a:off x="2875328" y="3442427"/>
-            <a:ext cx="0" cy="1519353"/>
-          </a:xfrm>
-          <a:prstGeom prst="straightConnector1">
-            <a:avLst/>
-          </a:prstGeom>
-          <a:ln>
-            <a:prstDash val="dash"/>
-            <a:tailEnd type="triangle"/>
-          </a:ln>
-        </p:spPr>
-        <p:style>
-          <a:lnRef idx="3">
-            <a:schemeClr val="accent6"/>
-          </a:lnRef>
-          <a:fillRef idx="0">
-            <a:schemeClr val="accent6"/>
-          </a:fillRef>
-          <a:effectRef idx="2">
-            <a:schemeClr val="accent6"/>
-          </a:effectRef>
-          <a:fontRef idx="minor">
-            <a:schemeClr val="tx1"/>
-          </a:fontRef>
-        </p:style>
-      </p:cxnSp>
-      <p:sp>
-        <p:nvSpPr>
-          <p:cNvPr id="40" name="TextBox 39"/>
+          <p:cNvPr id="3" name="TextBox 2"/>
           <p:cNvSpPr txBox="1"/>
           <p:nvPr/>
         </p:nvSpPr>
         <p:spPr>
-          <a:xfrm rot="18688153">
-            <a:off x="1602385" y="4636405"/>
-            <a:ext cx="883575" cy="261610"/>
+          <a:xfrm>
+            <a:off x="144379" y="182880"/>
+            <a:ext cx="2271006" cy="369332"/>
           </a:xfrm>
           <a:prstGeom prst="rect">
             <a:avLst/>
@@ -5572,164 +8644,16 @@
           <a:lstStyle/>
           <a:p>
             <a:r>
-              <a:rPr lang="en-US" sz="1100" dirty="0" smtClean="0">
-                <a:solidFill>
-                  <a:schemeClr val="accent6">
-                    <a:lumMod val="75000"/>
-                  </a:schemeClr>
-                </a:solidFill>
-              </a:rPr>
-              <a:t>(GRIDCODE)</a:t>
-            </a:r>
-            <a:endParaRPr lang="en-US" sz="1100" dirty="0">
-              <a:solidFill>
-                <a:schemeClr val="accent6">
-                  <a:lumMod val="75000"/>
-                </a:schemeClr>
-              </a:solidFill>
-            </a:endParaRPr>
-          </a:p>
-        </p:txBody>
-      </p:sp>
-      <p:sp>
-        <p:nvSpPr>
-          <p:cNvPr id="41" name="TextBox 40"/>
-          <p:cNvSpPr txBox="1"/>
-          <p:nvPr/>
-        </p:nvSpPr>
-        <p:spPr>
-          <a:xfrm rot="18688153">
-            <a:off x="2067012" y="4636404"/>
-            <a:ext cx="835485" cy="261610"/>
-          </a:xfrm>
-          <a:prstGeom prst="rect">
-            <a:avLst/>
-          </a:prstGeom>
-          <a:noFill/>
-        </p:spPr>
-        <p:txBody>
-          <a:bodyPr wrap="none" rtlCol="0">
-            <a:spAutoFit/>
-          </a:bodyPr>
-          <a:lstStyle/>
-          <a:p>
-            <a:r>
-              <a:rPr lang="en-US" sz="1100" dirty="0" smtClean="0">
-                <a:solidFill>
-                  <a:schemeClr val="accent6">
-                    <a:lumMod val="75000"/>
-                  </a:schemeClr>
-                </a:solidFill>
-              </a:rPr>
-              <a:t>(FeatureID)</a:t>
-            </a:r>
-            <a:endParaRPr lang="en-US" sz="1100" dirty="0">
-              <a:solidFill>
-                <a:schemeClr val="accent6">
-                  <a:lumMod val="75000"/>
-                </a:schemeClr>
-              </a:solidFill>
-            </a:endParaRPr>
-          </a:p>
-        </p:txBody>
-      </p:sp>
-      <p:sp>
-        <p:nvSpPr>
-          <p:cNvPr id="42" name="Rounded Rectangle 41"/>
-          <p:cNvSpPr/>
-          <p:nvPr/>
-        </p:nvSpPr>
-        <p:spPr>
-          <a:xfrm>
-            <a:off x="7814218" y="1547120"/>
-            <a:ext cx="1511167" cy="568077"/>
-          </a:xfrm>
-          <a:prstGeom prst="roundRect">
-            <a:avLst/>
-          </a:prstGeom>
-          <a:solidFill>
-            <a:srgbClr val="F08C8C"/>
-          </a:solidFill>
-        </p:spPr>
-        <p:style>
-          <a:lnRef idx="2">
-            <a:schemeClr val="accent1">
-              <a:shade val="50000"/>
-            </a:schemeClr>
-          </a:lnRef>
-          <a:fillRef idx="1">
-            <a:schemeClr val="accent1"/>
-          </a:fillRef>
-          <a:effectRef idx="0">
-            <a:schemeClr val="accent1"/>
-          </a:effectRef>
-          <a:fontRef idx="minor">
-            <a:schemeClr val="lt1"/>
-          </a:fontRef>
-        </p:style>
-        <p:txBody>
-          <a:bodyPr rtlCol="0" anchor="ctr"/>
-          <a:lstStyle/>
-          <a:p>
-            <a:pPr algn="ctr"/>
-            <a:r>
-              <a:rPr lang="en-US" sz="1400" dirty="0" smtClean="0"/>
-              <a:t>Catchment habitat likelihood</a:t>
-            </a:r>
-            <a:endParaRPr lang="en-US" sz="1400" dirty="0"/>
-          </a:p>
-        </p:txBody>
-      </p:sp>
-      <p:sp>
-        <p:nvSpPr>
-          <p:cNvPr id="43" name="Rounded Rectangle 42"/>
-          <p:cNvSpPr/>
-          <p:nvPr/>
-        </p:nvSpPr>
-        <p:spPr>
-          <a:xfrm>
-            <a:off x="7814219" y="3583788"/>
-            <a:ext cx="1511167" cy="568077"/>
-          </a:xfrm>
-          <a:prstGeom prst="roundRect">
-            <a:avLst/>
-          </a:prstGeom>
-          <a:solidFill>
-            <a:srgbClr val="F08C8C"/>
-          </a:solidFill>
-        </p:spPr>
-        <p:style>
-          <a:lnRef idx="2">
-            <a:schemeClr val="accent1">
-              <a:shade val="50000"/>
-            </a:schemeClr>
-          </a:lnRef>
-          <a:fillRef idx="1">
-            <a:schemeClr val="accent1"/>
-          </a:fillRef>
-          <a:effectRef idx="0">
-            <a:schemeClr val="accent1"/>
-          </a:effectRef>
-          <a:fontRef idx="minor">
-            <a:schemeClr val="lt1"/>
-          </a:fontRef>
-        </p:style>
-        <p:txBody>
-          <a:bodyPr rtlCol="0" anchor="ctr"/>
-          <a:lstStyle/>
-          <a:p>
-            <a:pPr algn="ctr"/>
-            <a:r>
-              <a:rPr lang="en-US" sz="1400" dirty="0" smtClean="0"/>
-              <a:t>Variable Importance</a:t>
-            </a:r>
-            <a:endParaRPr lang="en-US" sz="1400" dirty="0"/>
+              <a:rPr lang="en-US" b="1" dirty="0" err="1" smtClean="0"/>
+              <a:t>Etheostoma_olmstedi</a:t>
+            </a:r>
+            <a:endParaRPr lang="en-US" b="1" dirty="0"/>
           </a:p>
         </p:txBody>
       </p:sp>
       <p:pic>
         <p:nvPicPr>
-          <p:cNvPr id="44" name="Picture 43"/>
+          <p:cNvPr id="4" name="Picture 3"/>
           <p:cNvPicPr>
             <a:picLocks noChangeAspect="1"/>
           </p:cNvPicPr>
@@ -5743,18 +8667,630 @@
         </p:blipFill>
         <p:spPr>
           <a:xfrm>
-            <a:off x="9552196" y="1190910"/>
-            <a:ext cx="2517884" cy="1297481"/>
+            <a:off x="2967838" y="366712"/>
+            <a:ext cx="6553200" cy="6124575"/>
           </a:xfrm>
           <a:prstGeom prst="rect">
             <a:avLst/>
           </a:prstGeom>
         </p:spPr>
       </p:pic>
+      <p:sp>
+        <p:nvSpPr>
+          <p:cNvPr id="5" name="Rectangle 4"/>
+          <p:cNvSpPr/>
+          <p:nvPr/>
+        </p:nvSpPr>
+        <p:spPr>
+          <a:xfrm>
+            <a:off x="6130441" y="470471"/>
+            <a:ext cx="439544" cy="646331"/>
+          </a:xfrm>
+          <a:prstGeom prst="rect">
+            <a:avLst/>
+          </a:prstGeom>
+        </p:spPr>
+        <p:txBody>
+          <a:bodyPr wrap="none">
+            <a:spAutoFit/>
+          </a:bodyPr>
+          <a:lstStyle/>
+          <a:p>
+            <a:r>
+              <a:rPr lang="en-US" sz="3600" b="1" dirty="0" smtClean="0">
+                <a:solidFill>
+                  <a:srgbClr val="FF0000"/>
+                </a:solidFill>
+                <a:effectLst>
+                  <a:outerShdw blurRad="38100" dist="38100" dir="2700000" algn="tl">
+                    <a:srgbClr val="000000">
+                      <a:alpha val="43137"/>
+                    </a:srgbClr>
+                  </a:outerShdw>
+                </a:effectLst>
+              </a:rPr>
+              <a:t>X</a:t>
+            </a:r>
+            <a:endParaRPr lang="en-US" sz="3600" dirty="0">
+              <a:solidFill>
+                <a:srgbClr val="FF0000"/>
+              </a:solidFill>
+              <a:effectLst>
+                <a:outerShdw blurRad="38100" dist="38100" dir="2700000" algn="tl">
+                  <a:srgbClr val="000000">
+                    <a:alpha val="43137"/>
+                  </a:srgbClr>
+                </a:outerShdw>
+              </a:effectLst>
+            </a:endParaRPr>
+          </a:p>
+        </p:txBody>
+      </p:sp>
+      <p:sp>
+        <p:nvSpPr>
+          <p:cNvPr id="7" name="Rectangle 6"/>
+          <p:cNvSpPr/>
+          <p:nvPr/>
+        </p:nvSpPr>
+        <p:spPr>
+          <a:xfrm>
+            <a:off x="5634443" y="699873"/>
+            <a:ext cx="439544" cy="646331"/>
+          </a:xfrm>
+          <a:prstGeom prst="rect">
+            <a:avLst/>
+          </a:prstGeom>
+        </p:spPr>
+        <p:txBody>
+          <a:bodyPr wrap="none">
+            <a:spAutoFit/>
+          </a:bodyPr>
+          <a:lstStyle/>
+          <a:p>
+            <a:r>
+              <a:rPr lang="en-US" sz="3600" b="1" dirty="0" smtClean="0">
+                <a:solidFill>
+                  <a:srgbClr val="FF0000"/>
+                </a:solidFill>
+                <a:effectLst>
+                  <a:outerShdw blurRad="38100" dist="38100" dir="2700000" algn="tl">
+                    <a:srgbClr val="000000">
+                      <a:alpha val="43137"/>
+                    </a:srgbClr>
+                  </a:outerShdw>
+                </a:effectLst>
+              </a:rPr>
+              <a:t>X</a:t>
+            </a:r>
+            <a:endParaRPr lang="en-US" sz="3600" dirty="0">
+              <a:solidFill>
+                <a:srgbClr val="FF0000"/>
+              </a:solidFill>
+              <a:effectLst>
+                <a:outerShdw blurRad="38100" dist="38100" dir="2700000" algn="tl">
+                  <a:srgbClr val="000000">
+                    <a:alpha val="43137"/>
+                  </a:srgbClr>
+                </a:outerShdw>
+              </a:effectLst>
+            </a:endParaRPr>
+          </a:p>
+        </p:txBody>
+      </p:sp>
+      <p:sp>
+        <p:nvSpPr>
+          <p:cNvPr id="8" name="Rectangle 7"/>
+          <p:cNvSpPr/>
+          <p:nvPr/>
+        </p:nvSpPr>
+        <p:spPr>
+          <a:xfrm>
+            <a:off x="5690897" y="1346204"/>
+            <a:ext cx="439544" cy="646331"/>
+          </a:xfrm>
+          <a:prstGeom prst="rect">
+            <a:avLst/>
+          </a:prstGeom>
+        </p:spPr>
+        <p:txBody>
+          <a:bodyPr wrap="none">
+            <a:spAutoFit/>
+          </a:bodyPr>
+          <a:lstStyle/>
+          <a:p>
+            <a:r>
+              <a:rPr lang="en-US" sz="3600" b="1" dirty="0" smtClean="0">
+                <a:solidFill>
+                  <a:srgbClr val="FF0000"/>
+                </a:solidFill>
+                <a:effectLst>
+                  <a:outerShdw blurRad="38100" dist="38100" dir="2700000" algn="tl">
+                    <a:srgbClr val="000000">
+                      <a:alpha val="43137"/>
+                    </a:srgbClr>
+                  </a:outerShdw>
+                </a:effectLst>
+              </a:rPr>
+              <a:t>X</a:t>
+            </a:r>
+            <a:endParaRPr lang="en-US" sz="3600" dirty="0">
+              <a:solidFill>
+                <a:srgbClr val="FF0000"/>
+              </a:solidFill>
+              <a:effectLst>
+                <a:outerShdw blurRad="38100" dist="38100" dir="2700000" algn="tl">
+                  <a:srgbClr val="000000">
+                    <a:alpha val="43137"/>
+                  </a:srgbClr>
+                </a:outerShdw>
+              </a:effectLst>
+            </a:endParaRPr>
+          </a:p>
+        </p:txBody>
+      </p:sp>
+      <p:sp>
+        <p:nvSpPr>
+          <p:cNvPr id="9" name="Rectangle 8"/>
+          <p:cNvSpPr/>
+          <p:nvPr/>
+        </p:nvSpPr>
+        <p:spPr>
+          <a:xfrm>
+            <a:off x="7226230" y="1480958"/>
+            <a:ext cx="439544" cy="646331"/>
+          </a:xfrm>
+          <a:prstGeom prst="rect">
+            <a:avLst/>
+          </a:prstGeom>
+        </p:spPr>
+        <p:txBody>
+          <a:bodyPr wrap="none">
+            <a:spAutoFit/>
+          </a:bodyPr>
+          <a:lstStyle/>
+          <a:p>
+            <a:r>
+              <a:rPr lang="en-US" sz="3600" b="1" dirty="0" smtClean="0">
+                <a:solidFill>
+                  <a:srgbClr val="FF0000"/>
+                </a:solidFill>
+                <a:effectLst>
+                  <a:outerShdw blurRad="38100" dist="38100" dir="2700000" algn="tl">
+                    <a:srgbClr val="000000">
+                      <a:alpha val="43137"/>
+                    </a:srgbClr>
+                  </a:outerShdw>
+                </a:effectLst>
+              </a:rPr>
+              <a:t>X</a:t>
+            </a:r>
+            <a:endParaRPr lang="en-US" sz="3600" dirty="0">
+              <a:solidFill>
+                <a:srgbClr val="FF0000"/>
+              </a:solidFill>
+              <a:effectLst>
+                <a:outerShdw blurRad="38100" dist="38100" dir="2700000" algn="tl">
+                  <a:srgbClr val="000000">
+                    <a:alpha val="43137"/>
+                  </a:srgbClr>
+                </a:outerShdw>
+              </a:effectLst>
+            </a:endParaRPr>
+          </a:p>
+        </p:txBody>
+      </p:sp>
+      <p:sp>
+        <p:nvSpPr>
+          <p:cNvPr id="10" name="Rectangle 9"/>
+          <p:cNvSpPr/>
+          <p:nvPr/>
+        </p:nvSpPr>
+        <p:spPr>
+          <a:xfrm>
+            <a:off x="6244438" y="2972874"/>
+            <a:ext cx="439544" cy="646331"/>
+          </a:xfrm>
+          <a:prstGeom prst="rect">
+            <a:avLst/>
+          </a:prstGeom>
+        </p:spPr>
+        <p:txBody>
+          <a:bodyPr wrap="none">
+            <a:spAutoFit/>
+          </a:bodyPr>
+          <a:lstStyle/>
+          <a:p>
+            <a:r>
+              <a:rPr lang="en-US" sz="3600" b="1" dirty="0" smtClean="0">
+                <a:solidFill>
+                  <a:srgbClr val="FF0000"/>
+                </a:solidFill>
+                <a:effectLst>
+                  <a:outerShdw blurRad="38100" dist="38100" dir="2700000" algn="tl">
+                    <a:srgbClr val="000000">
+                      <a:alpha val="43137"/>
+                    </a:srgbClr>
+                  </a:outerShdw>
+                </a:effectLst>
+              </a:rPr>
+              <a:t>X</a:t>
+            </a:r>
+            <a:endParaRPr lang="en-US" sz="3600" dirty="0">
+              <a:solidFill>
+                <a:srgbClr val="FF0000"/>
+              </a:solidFill>
+              <a:effectLst>
+                <a:outerShdw blurRad="38100" dist="38100" dir="2700000" algn="tl">
+                  <a:srgbClr val="000000">
+                    <a:alpha val="43137"/>
+                  </a:srgbClr>
+                </a:outerShdw>
+              </a:effectLst>
+            </a:endParaRPr>
+          </a:p>
+        </p:txBody>
+      </p:sp>
+      <p:sp>
+        <p:nvSpPr>
+          <p:cNvPr id="11" name="Rectangle 10"/>
+          <p:cNvSpPr/>
+          <p:nvPr/>
+        </p:nvSpPr>
+        <p:spPr>
+          <a:xfrm>
+            <a:off x="5822879" y="2853905"/>
+            <a:ext cx="439544" cy="646331"/>
+          </a:xfrm>
+          <a:prstGeom prst="rect">
+            <a:avLst/>
+          </a:prstGeom>
+        </p:spPr>
+        <p:txBody>
+          <a:bodyPr wrap="none">
+            <a:spAutoFit/>
+          </a:bodyPr>
+          <a:lstStyle/>
+          <a:p>
+            <a:r>
+              <a:rPr lang="en-US" sz="3600" b="1" dirty="0" smtClean="0">
+                <a:solidFill>
+                  <a:srgbClr val="FF0000"/>
+                </a:solidFill>
+                <a:effectLst>
+                  <a:outerShdw blurRad="38100" dist="38100" dir="2700000" algn="tl">
+                    <a:srgbClr val="000000">
+                      <a:alpha val="43137"/>
+                    </a:srgbClr>
+                  </a:outerShdw>
+                </a:effectLst>
+              </a:rPr>
+              <a:t>X</a:t>
+            </a:r>
+            <a:endParaRPr lang="en-US" sz="3600" dirty="0">
+              <a:solidFill>
+                <a:srgbClr val="FF0000"/>
+              </a:solidFill>
+              <a:effectLst>
+                <a:outerShdw blurRad="38100" dist="38100" dir="2700000" algn="tl">
+                  <a:srgbClr val="000000">
+                    <a:alpha val="43137"/>
+                  </a:srgbClr>
+                </a:outerShdw>
+              </a:effectLst>
+            </a:endParaRPr>
+          </a:p>
+        </p:txBody>
+      </p:sp>
+      <p:sp>
+        <p:nvSpPr>
+          <p:cNvPr id="12" name="Rectangle 11"/>
+          <p:cNvSpPr/>
+          <p:nvPr/>
+        </p:nvSpPr>
+        <p:spPr>
+          <a:xfrm>
+            <a:off x="5471125" y="2734936"/>
+            <a:ext cx="439544" cy="646331"/>
+          </a:xfrm>
+          <a:prstGeom prst="rect">
+            <a:avLst/>
+          </a:prstGeom>
+        </p:spPr>
+        <p:txBody>
+          <a:bodyPr wrap="none">
+            <a:spAutoFit/>
+          </a:bodyPr>
+          <a:lstStyle/>
+          <a:p>
+            <a:r>
+              <a:rPr lang="en-US" sz="3600" b="1" dirty="0" smtClean="0">
+                <a:solidFill>
+                  <a:srgbClr val="FF0000"/>
+                </a:solidFill>
+                <a:effectLst>
+                  <a:outerShdw blurRad="38100" dist="38100" dir="2700000" algn="tl">
+                    <a:srgbClr val="000000">
+                      <a:alpha val="43137"/>
+                    </a:srgbClr>
+                  </a:outerShdw>
+                </a:effectLst>
+              </a:rPr>
+              <a:t>X</a:t>
+            </a:r>
+            <a:endParaRPr lang="en-US" sz="3600" dirty="0">
+              <a:solidFill>
+                <a:srgbClr val="FF0000"/>
+              </a:solidFill>
+              <a:effectLst>
+                <a:outerShdw blurRad="38100" dist="38100" dir="2700000" algn="tl">
+                  <a:srgbClr val="000000">
+                    <a:alpha val="43137"/>
+                  </a:srgbClr>
+                </a:outerShdw>
+              </a:effectLst>
+            </a:endParaRPr>
+          </a:p>
+        </p:txBody>
+      </p:sp>
+      <p:sp>
+        <p:nvSpPr>
+          <p:cNvPr id="13" name="Rectangle 12"/>
+          <p:cNvSpPr/>
+          <p:nvPr/>
+        </p:nvSpPr>
+        <p:spPr>
+          <a:xfrm>
+            <a:off x="5269338" y="3381267"/>
+            <a:ext cx="439544" cy="646331"/>
+          </a:xfrm>
+          <a:prstGeom prst="rect">
+            <a:avLst/>
+          </a:prstGeom>
+        </p:spPr>
+        <p:txBody>
+          <a:bodyPr wrap="none">
+            <a:spAutoFit/>
+          </a:bodyPr>
+          <a:lstStyle/>
+          <a:p>
+            <a:r>
+              <a:rPr lang="en-US" sz="3600" b="1" dirty="0" smtClean="0">
+                <a:solidFill>
+                  <a:srgbClr val="FF0000"/>
+                </a:solidFill>
+                <a:effectLst>
+                  <a:outerShdw blurRad="38100" dist="38100" dir="2700000" algn="tl">
+                    <a:srgbClr val="000000">
+                      <a:alpha val="43137"/>
+                    </a:srgbClr>
+                  </a:outerShdw>
+                </a:effectLst>
+              </a:rPr>
+              <a:t>X</a:t>
+            </a:r>
+            <a:endParaRPr lang="en-US" sz="3600" dirty="0">
+              <a:solidFill>
+                <a:srgbClr val="FF0000"/>
+              </a:solidFill>
+              <a:effectLst>
+                <a:outerShdw blurRad="38100" dist="38100" dir="2700000" algn="tl">
+                  <a:srgbClr val="000000">
+                    <a:alpha val="43137"/>
+                  </a:srgbClr>
+                </a:outerShdw>
+              </a:effectLst>
+            </a:endParaRPr>
+          </a:p>
+        </p:txBody>
+      </p:sp>
+      <p:sp>
+        <p:nvSpPr>
+          <p:cNvPr id="14" name="Rectangle 13"/>
+          <p:cNvSpPr/>
+          <p:nvPr/>
+        </p:nvSpPr>
+        <p:spPr>
+          <a:xfrm>
+            <a:off x="8307859" y="2734935"/>
+            <a:ext cx="439544" cy="646331"/>
+          </a:xfrm>
+          <a:prstGeom prst="rect">
+            <a:avLst/>
+          </a:prstGeom>
+        </p:spPr>
+        <p:txBody>
+          <a:bodyPr wrap="none">
+            <a:spAutoFit/>
+          </a:bodyPr>
+          <a:lstStyle/>
+          <a:p>
+            <a:r>
+              <a:rPr lang="en-US" sz="3600" b="1" dirty="0" smtClean="0">
+                <a:solidFill>
+                  <a:srgbClr val="FF0000"/>
+                </a:solidFill>
+                <a:effectLst>
+                  <a:outerShdw blurRad="38100" dist="38100" dir="2700000" algn="tl">
+                    <a:srgbClr val="000000">
+                      <a:alpha val="43137"/>
+                    </a:srgbClr>
+                  </a:outerShdw>
+                </a:effectLst>
+              </a:rPr>
+              <a:t>X</a:t>
+            </a:r>
+            <a:endParaRPr lang="en-US" sz="3600" dirty="0">
+              <a:solidFill>
+                <a:srgbClr val="FF0000"/>
+              </a:solidFill>
+              <a:effectLst>
+                <a:outerShdw blurRad="38100" dist="38100" dir="2700000" algn="tl">
+                  <a:srgbClr val="000000">
+                    <a:alpha val="43137"/>
+                  </a:srgbClr>
+                </a:outerShdw>
+              </a:effectLst>
+            </a:endParaRPr>
+          </a:p>
+        </p:txBody>
+      </p:sp>
+      <p:sp>
+        <p:nvSpPr>
+          <p:cNvPr id="15" name="Rectangle 14"/>
+          <p:cNvSpPr/>
+          <p:nvPr/>
+        </p:nvSpPr>
+        <p:spPr>
+          <a:xfrm>
+            <a:off x="3755109" y="4800934"/>
+            <a:ext cx="439544" cy="646331"/>
+          </a:xfrm>
+          <a:prstGeom prst="rect">
+            <a:avLst/>
+          </a:prstGeom>
+        </p:spPr>
+        <p:txBody>
+          <a:bodyPr wrap="none">
+            <a:spAutoFit/>
+          </a:bodyPr>
+          <a:lstStyle/>
+          <a:p>
+            <a:r>
+              <a:rPr lang="en-US" sz="3600" b="1" dirty="0" smtClean="0">
+                <a:solidFill>
+                  <a:srgbClr val="FF0000"/>
+                </a:solidFill>
+                <a:effectLst>
+                  <a:outerShdw blurRad="38100" dist="38100" dir="2700000" algn="tl">
+                    <a:srgbClr val="000000">
+                      <a:alpha val="43137"/>
+                    </a:srgbClr>
+                  </a:outerShdw>
+                </a:effectLst>
+              </a:rPr>
+              <a:t>X</a:t>
+            </a:r>
+            <a:endParaRPr lang="en-US" sz="3600" dirty="0">
+              <a:solidFill>
+                <a:srgbClr val="FF0000"/>
+              </a:solidFill>
+              <a:effectLst>
+                <a:outerShdw blurRad="38100" dist="38100" dir="2700000" algn="tl">
+                  <a:srgbClr val="000000">
+                    <a:alpha val="43137"/>
+                  </a:srgbClr>
+                </a:outerShdw>
+              </a:effectLst>
+            </a:endParaRPr>
+          </a:p>
+        </p:txBody>
+      </p:sp>
+      <p:sp>
+        <p:nvSpPr>
+          <p:cNvPr id="16" name="Rectangle 15"/>
+          <p:cNvSpPr/>
+          <p:nvPr/>
+        </p:nvSpPr>
+        <p:spPr>
+          <a:xfrm>
+            <a:off x="4527334" y="5124099"/>
+            <a:ext cx="439544" cy="646331"/>
+          </a:xfrm>
+          <a:prstGeom prst="rect">
+            <a:avLst/>
+          </a:prstGeom>
+        </p:spPr>
+        <p:txBody>
+          <a:bodyPr wrap="none">
+            <a:spAutoFit/>
+          </a:bodyPr>
+          <a:lstStyle/>
+          <a:p>
+            <a:r>
+              <a:rPr lang="en-US" sz="3600" b="1" dirty="0" smtClean="0">
+                <a:solidFill>
+                  <a:srgbClr val="FF0000"/>
+                </a:solidFill>
+                <a:effectLst>
+                  <a:outerShdw blurRad="38100" dist="38100" dir="2700000" algn="tl">
+                    <a:srgbClr val="000000">
+                      <a:alpha val="43137"/>
+                    </a:srgbClr>
+                  </a:outerShdw>
+                </a:effectLst>
+              </a:rPr>
+              <a:t>X</a:t>
+            </a:r>
+            <a:endParaRPr lang="en-US" sz="3600" dirty="0">
+              <a:solidFill>
+                <a:srgbClr val="FF0000"/>
+              </a:solidFill>
+              <a:effectLst>
+                <a:outerShdw blurRad="38100" dist="38100" dir="2700000" algn="tl">
+                  <a:srgbClr val="000000">
+                    <a:alpha val="43137"/>
+                  </a:srgbClr>
+                </a:outerShdw>
+              </a:effectLst>
+            </a:endParaRPr>
+          </a:p>
+        </p:txBody>
+      </p:sp>
+      <p:sp>
+        <p:nvSpPr>
+          <p:cNvPr id="17" name="Rectangle 16"/>
+          <p:cNvSpPr/>
+          <p:nvPr/>
+        </p:nvSpPr>
+        <p:spPr>
+          <a:xfrm>
+            <a:off x="6130441" y="5849853"/>
+            <a:ext cx="439544" cy="646331"/>
+          </a:xfrm>
+          <a:prstGeom prst="rect">
+            <a:avLst/>
+          </a:prstGeom>
+        </p:spPr>
+        <p:txBody>
+          <a:bodyPr wrap="none">
+            <a:spAutoFit/>
+          </a:bodyPr>
+          <a:lstStyle/>
+          <a:p>
+            <a:r>
+              <a:rPr lang="en-US" sz="3600" b="1" dirty="0" smtClean="0">
+                <a:solidFill>
+                  <a:srgbClr val="FF0000"/>
+                </a:solidFill>
+                <a:effectLst>
+                  <a:outerShdw blurRad="38100" dist="38100" dir="2700000" algn="tl">
+                    <a:srgbClr val="000000">
+                      <a:alpha val="43137"/>
+                    </a:srgbClr>
+                  </a:outerShdw>
+                </a:effectLst>
+              </a:rPr>
+              <a:t>X</a:t>
+            </a:r>
+            <a:endParaRPr lang="en-US" sz="3600" dirty="0">
+              <a:solidFill>
+                <a:srgbClr val="FF0000"/>
+              </a:solidFill>
+              <a:effectLst>
+                <a:outerShdw blurRad="38100" dist="38100" dir="2700000" algn="tl">
+                  <a:srgbClr val="000000">
+                    <a:alpha val="43137"/>
+                  </a:srgbClr>
+                </a:outerShdw>
+              </a:effectLst>
+            </a:endParaRPr>
+          </a:p>
+        </p:txBody>
+      </p:sp>
     </p:spTree>
     <p:extLst>
       <p:ext uri="{BB962C8B-B14F-4D97-AF65-F5344CB8AC3E}">
-        <p14:creationId xmlns:p14="http://schemas.microsoft.com/office/powerpoint/2010/main" val="1294703194"/>
+        <p14:creationId xmlns:p14="http://schemas.microsoft.com/office/powerpoint/2010/main" val="4123171718"/>
       </p:ext>
     </p:extLst>
   </p:cSld>
@@ -5781,9 +9317,38 @@
           <a:chExt cx="0" cy="0"/>
         </a:xfrm>
       </p:grpSpPr>
+      <p:sp>
+        <p:nvSpPr>
+          <p:cNvPr id="2" name="Rectangle 1"/>
+          <p:cNvSpPr/>
+          <p:nvPr/>
+        </p:nvSpPr>
+        <p:spPr>
+          <a:xfrm>
+            <a:off x="0" y="0"/>
+            <a:ext cx="2606804" cy="369332"/>
+          </a:xfrm>
+          <a:prstGeom prst="rect">
+            <a:avLst/>
+          </a:prstGeom>
+        </p:spPr>
+        <p:txBody>
+          <a:bodyPr wrap="none">
+            <a:spAutoFit/>
+          </a:bodyPr>
+          <a:lstStyle/>
+          <a:p>
+            <a:r>
+              <a:rPr lang="en-US" b="1" dirty="0" err="1"/>
+              <a:t>Clinostomus_funduloides</a:t>
+            </a:r>
+            <a:endParaRPr lang="en-US" b="1" dirty="0"/>
+          </a:p>
+        </p:txBody>
+      </p:sp>
       <p:pic>
         <p:nvPicPr>
-          <p:cNvPr id="2" name="Picture 1"/>
+          <p:cNvPr id="5" name="Picture 4"/>
           <p:cNvPicPr>
             <a:picLocks noChangeAspect="1"/>
           </p:cNvPicPr>
@@ -5797,18 +9362,1504 @@
         </p:blipFill>
         <p:spPr>
           <a:xfrm>
-            <a:off x="647649" y="193958"/>
-            <a:ext cx="9972675" cy="6219825"/>
+            <a:off x="2262187" y="652462"/>
+            <a:ext cx="7667625" cy="5553075"/>
           </a:xfrm>
           <a:prstGeom prst="rect">
             <a:avLst/>
           </a:prstGeom>
         </p:spPr>
       </p:pic>
+      <p:sp>
+        <p:nvSpPr>
+          <p:cNvPr id="9" name="Rectangle 8"/>
+          <p:cNvSpPr/>
+          <p:nvPr/>
+        </p:nvSpPr>
+        <p:spPr>
+          <a:xfrm>
+            <a:off x="6611129" y="883332"/>
+            <a:ext cx="439544" cy="646331"/>
+          </a:xfrm>
+          <a:prstGeom prst="rect">
+            <a:avLst/>
+          </a:prstGeom>
+        </p:spPr>
+        <p:txBody>
+          <a:bodyPr wrap="none">
+            <a:spAutoFit/>
+          </a:bodyPr>
+          <a:lstStyle/>
+          <a:p>
+            <a:r>
+              <a:rPr lang="en-US" sz="3600" b="1" dirty="0" smtClean="0">
+                <a:solidFill>
+                  <a:srgbClr val="FF0000">
+                    <a:alpha val="44000"/>
+                  </a:srgbClr>
+                </a:solidFill>
+                <a:effectLst>
+                  <a:outerShdw blurRad="38100" dist="38100" dir="2700000" algn="tl">
+                    <a:srgbClr val="000000">
+                      <a:alpha val="43137"/>
+                    </a:srgbClr>
+                  </a:outerShdw>
+                </a:effectLst>
+              </a:rPr>
+              <a:t>X</a:t>
+            </a:r>
+            <a:endParaRPr lang="en-US" sz="3600" dirty="0">
+              <a:solidFill>
+                <a:srgbClr val="FF0000">
+                  <a:alpha val="44000"/>
+                </a:srgbClr>
+              </a:solidFill>
+              <a:effectLst>
+                <a:outerShdw blurRad="38100" dist="38100" dir="2700000" algn="tl">
+                  <a:srgbClr val="000000">
+                    <a:alpha val="43137"/>
+                  </a:srgbClr>
+                </a:outerShdw>
+              </a:effectLst>
+            </a:endParaRPr>
+          </a:p>
+        </p:txBody>
+      </p:sp>
+      <p:sp>
+        <p:nvSpPr>
+          <p:cNvPr id="10" name="Rectangle 9"/>
+          <p:cNvSpPr/>
+          <p:nvPr/>
+        </p:nvSpPr>
+        <p:spPr>
+          <a:xfrm>
+            <a:off x="6480500" y="1529663"/>
+            <a:ext cx="439544" cy="646331"/>
+          </a:xfrm>
+          <a:prstGeom prst="rect">
+            <a:avLst/>
+          </a:prstGeom>
+        </p:spPr>
+        <p:txBody>
+          <a:bodyPr wrap="none">
+            <a:spAutoFit/>
+          </a:bodyPr>
+          <a:lstStyle/>
+          <a:p>
+            <a:r>
+              <a:rPr lang="en-US" sz="3600" b="1" dirty="0" smtClean="0">
+                <a:solidFill>
+                  <a:srgbClr val="FF0000">
+                    <a:alpha val="44000"/>
+                  </a:srgbClr>
+                </a:solidFill>
+                <a:effectLst>
+                  <a:outerShdw blurRad="38100" dist="38100" dir="2700000" algn="tl">
+                    <a:srgbClr val="000000">
+                      <a:alpha val="43137"/>
+                    </a:srgbClr>
+                  </a:outerShdw>
+                </a:effectLst>
+              </a:rPr>
+              <a:t>X</a:t>
+            </a:r>
+            <a:endParaRPr lang="en-US" sz="3600" dirty="0">
+              <a:solidFill>
+                <a:srgbClr val="FF0000">
+                  <a:alpha val="44000"/>
+                </a:srgbClr>
+              </a:solidFill>
+              <a:effectLst>
+                <a:outerShdw blurRad="38100" dist="38100" dir="2700000" algn="tl">
+                  <a:srgbClr val="000000">
+                    <a:alpha val="43137"/>
+                  </a:srgbClr>
+                </a:outerShdw>
+              </a:effectLst>
+            </a:endParaRPr>
+          </a:p>
+        </p:txBody>
+      </p:sp>
+      <p:sp>
+        <p:nvSpPr>
+          <p:cNvPr id="11" name="Rectangle 10"/>
+          <p:cNvSpPr/>
+          <p:nvPr/>
+        </p:nvSpPr>
+        <p:spPr>
+          <a:xfrm>
+            <a:off x="5996044" y="652462"/>
+            <a:ext cx="439544" cy="646331"/>
+          </a:xfrm>
+          <a:prstGeom prst="rect">
+            <a:avLst/>
+          </a:prstGeom>
+        </p:spPr>
+        <p:txBody>
+          <a:bodyPr wrap="none">
+            <a:spAutoFit/>
+          </a:bodyPr>
+          <a:lstStyle/>
+          <a:p>
+            <a:r>
+              <a:rPr lang="en-US" sz="3600" b="1" dirty="0" smtClean="0">
+                <a:solidFill>
+                  <a:srgbClr val="FF0000">
+                    <a:alpha val="44000"/>
+                  </a:srgbClr>
+                </a:solidFill>
+                <a:effectLst>
+                  <a:outerShdw blurRad="38100" dist="38100" dir="2700000" algn="tl">
+                    <a:srgbClr val="000000">
+                      <a:alpha val="43137"/>
+                    </a:srgbClr>
+                  </a:outerShdw>
+                </a:effectLst>
+              </a:rPr>
+              <a:t>X</a:t>
+            </a:r>
+            <a:endParaRPr lang="en-US" sz="3600" dirty="0">
+              <a:solidFill>
+                <a:srgbClr val="FF0000">
+                  <a:alpha val="44000"/>
+                </a:srgbClr>
+              </a:solidFill>
+              <a:effectLst>
+                <a:outerShdw blurRad="38100" dist="38100" dir="2700000" algn="tl">
+                  <a:srgbClr val="000000">
+                    <a:alpha val="43137"/>
+                  </a:srgbClr>
+                </a:outerShdw>
+              </a:effectLst>
+            </a:endParaRPr>
+          </a:p>
+        </p:txBody>
+      </p:sp>
+      <p:sp>
+        <p:nvSpPr>
+          <p:cNvPr id="12" name="Rectangle 11"/>
+          <p:cNvSpPr/>
+          <p:nvPr/>
+        </p:nvSpPr>
+        <p:spPr>
+          <a:xfrm>
+            <a:off x="4865456" y="2773602"/>
+            <a:ext cx="439544" cy="646331"/>
+          </a:xfrm>
+          <a:prstGeom prst="rect">
+            <a:avLst/>
+          </a:prstGeom>
+        </p:spPr>
+        <p:txBody>
+          <a:bodyPr wrap="none">
+            <a:spAutoFit/>
+          </a:bodyPr>
+          <a:lstStyle/>
+          <a:p>
+            <a:r>
+              <a:rPr lang="en-US" sz="3600" b="1" dirty="0" smtClean="0">
+                <a:solidFill>
+                  <a:srgbClr val="FF0000">
+                    <a:alpha val="44000"/>
+                  </a:srgbClr>
+                </a:solidFill>
+                <a:effectLst>
+                  <a:outerShdw blurRad="38100" dist="38100" dir="2700000" algn="tl">
+                    <a:srgbClr val="000000">
+                      <a:alpha val="43137"/>
+                    </a:srgbClr>
+                  </a:outerShdw>
+                </a:effectLst>
+              </a:rPr>
+              <a:t>X</a:t>
+            </a:r>
+            <a:endParaRPr lang="en-US" sz="3600" dirty="0">
+              <a:solidFill>
+                <a:srgbClr val="FF0000">
+                  <a:alpha val="44000"/>
+                </a:srgbClr>
+              </a:solidFill>
+              <a:effectLst>
+                <a:outerShdw blurRad="38100" dist="38100" dir="2700000" algn="tl">
+                  <a:srgbClr val="000000">
+                    <a:alpha val="43137"/>
+                  </a:srgbClr>
+                </a:outerShdw>
+              </a:effectLst>
+            </a:endParaRPr>
+          </a:p>
+        </p:txBody>
+      </p:sp>
+      <p:sp>
+        <p:nvSpPr>
+          <p:cNvPr id="13" name="Rectangle 12"/>
+          <p:cNvSpPr/>
+          <p:nvPr/>
+        </p:nvSpPr>
+        <p:spPr>
+          <a:xfrm>
+            <a:off x="4224189" y="2927981"/>
+            <a:ext cx="439544" cy="646331"/>
+          </a:xfrm>
+          <a:prstGeom prst="rect">
+            <a:avLst/>
+          </a:prstGeom>
+        </p:spPr>
+        <p:txBody>
+          <a:bodyPr wrap="none">
+            <a:spAutoFit/>
+          </a:bodyPr>
+          <a:lstStyle/>
+          <a:p>
+            <a:r>
+              <a:rPr lang="en-US" sz="3600" b="1" dirty="0" smtClean="0">
+                <a:solidFill>
+                  <a:srgbClr val="FF0000">
+                    <a:alpha val="44000"/>
+                  </a:srgbClr>
+                </a:solidFill>
+                <a:effectLst>
+                  <a:outerShdw blurRad="38100" dist="38100" dir="2700000" algn="tl">
+                    <a:srgbClr val="000000">
+                      <a:alpha val="43137"/>
+                    </a:srgbClr>
+                  </a:outerShdw>
+                </a:effectLst>
+              </a:rPr>
+              <a:t>X</a:t>
+            </a:r>
+            <a:endParaRPr lang="en-US" sz="3600" dirty="0">
+              <a:solidFill>
+                <a:srgbClr val="FF0000">
+                  <a:alpha val="44000"/>
+                </a:srgbClr>
+              </a:solidFill>
+              <a:effectLst>
+                <a:outerShdw blurRad="38100" dist="38100" dir="2700000" algn="tl">
+                  <a:srgbClr val="000000">
+                    <a:alpha val="43137"/>
+                  </a:srgbClr>
+                </a:outerShdw>
+              </a:effectLst>
+            </a:endParaRPr>
+          </a:p>
+        </p:txBody>
+      </p:sp>
+      <p:sp>
+        <p:nvSpPr>
+          <p:cNvPr id="14" name="Rectangle 13"/>
+          <p:cNvSpPr/>
+          <p:nvPr/>
+        </p:nvSpPr>
+        <p:spPr>
+          <a:xfrm>
+            <a:off x="4151572" y="2127271"/>
+            <a:ext cx="439544" cy="646331"/>
+          </a:xfrm>
+          <a:prstGeom prst="rect">
+            <a:avLst/>
+          </a:prstGeom>
+        </p:spPr>
+        <p:txBody>
+          <a:bodyPr wrap="none">
+            <a:spAutoFit/>
+          </a:bodyPr>
+          <a:lstStyle/>
+          <a:p>
+            <a:r>
+              <a:rPr lang="en-US" sz="3600" b="1" dirty="0" smtClean="0">
+                <a:solidFill>
+                  <a:srgbClr val="FF0000">
+                    <a:alpha val="44000"/>
+                  </a:srgbClr>
+                </a:solidFill>
+                <a:effectLst>
+                  <a:outerShdw blurRad="38100" dist="38100" dir="2700000" algn="tl">
+                    <a:srgbClr val="000000">
+                      <a:alpha val="43137"/>
+                    </a:srgbClr>
+                  </a:outerShdw>
+                </a:effectLst>
+              </a:rPr>
+              <a:t>X</a:t>
+            </a:r>
+            <a:endParaRPr lang="en-US" sz="3600" dirty="0">
+              <a:solidFill>
+                <a:srgbClr val="FF0000">
+                  <a:alpha val="44000"/>
+                </a:srgbClr>
+              </a:solidFill>
+              <a:effectLst>
+                <a:outerShdw blurRad="38100" dist="38100" dir="2700000" algn="tl">
+                  <a:srgbClr val="000000">
+                    <a:alpha val="43137"/>
+                  </a:srgbClr>
+                </a:outerShdw>
+              </a:effectLst>
+            </a:endParaRPr>
+          </a:p>
+        </p:txBody>
+      </p:sp>
+      <p:sp>
+        <p:nvSpPr>
+          <p:cNvPr id="15" name="Rectangle 14"/>
+          <p:cNvSpPr/>
+          <p:nvPr/>
+        </p:nvSpPr>
+        <p:spPr>
+          <a:xfrm>
+            <a:off x="5688502" y="921463"/>
+            <a:ext cx="439544" cy="646331"/>
+          </a:xfrm>
+          <a:prstGeom prst="rect">
+            <a:avLst/>
+          </a:prstGeom>
+        </p:spPr>
+        <p:txBody>
+          <a:bodyPr wrap="none">
+            <a:spAutoFit/>
+          </a:bodyPr>
+          <a:lstStyle/>
+          <a:p>
+            <a:r>
+              <a:rPr lang="en-US" sz="3600" b="1" dirty="0" smtClean="0">
+                <a:solidFill>
+                  <a:srgbClr val="FF0000">
+                    <a:alpha val="44000"/>
+                  </a:srgbClr>
+                </a:solidFill>
+                <a:effectLst>
+                  <a:outerShdw blurRad="38100" dist="38100" dir="2700000" algn="tl">
+                    <a:srgbClr val="000000">
+                      <a:alpha val="43137"/>
+                    </a:srgbClr>
+                  </a:outerShdw>
+                </a:effectLst>
+              </a:rPr>
+              <a:t>X</a:t>
+            </a:r>
+            <a:endParaRPr lang="en-US" sz="3600" dirty="0">
+              <a:solidFill>
+                <a:srgbClr val="FF0000">
+                  <a:alpha val="44000"/>
+                </a:srgbClr>
+              </a:solidFill>
+              <a:effectLst>
+                <a:outerShdw blurRad="38100" dist="38100" dir="2700000" algn="tl">
+                  <a:srgbClr val="000000">
+                    <a:alpha val="43137"/>
+                  </a:srgbClr>
+                </a:outerShdw>
+              </a:effectLst>
+            </a:endParaRPr>
+          </a:p>
+        </p:txBody>
+      </p:sp>
+      <p:sp>
+        <p:nvSpPr>
+          <p:cNvPr id="16" name="Rectangle 15"/>
+          <p:cNvSpPr/>
+          <p:nvPr/>
+        </p:nvSpPr>
+        <p:spPr>
+          <a:xfrm>
+            <a:off x="8641809" y="2773601"/>
+            <a:ext cx="439544" cy="646331"/>
+          </a:xfrm>
+          <a:prstGeom prst="rect">
+            <a:avLst/>
+          </a:prstGeom>
+        </p:spPr>
+        <p:txBody>
+          <a:bodyPr wrap="none">
+            <a:spAutoFit/>
+          </a:bodyPr>
+          <a:lstStyle/>
+          <a:p>
+            <a:r>
+              <a:rPr lang="en-US" sz="3600" b="1" dirty="0" smtClean="0">
+                <a:solidFill>
+                  <a:srgbClr val="FF0000">
+                    <a:alpha val="44000"/>
+                  </a:srgbClr>
+                </a:solidFill>
+                <a:effectLst>
+                  <a:outerShdw blurRad="38100" dist="38100" dir="2700000" algn="tl">
+                    <a:srgbClr val="000000">
+                      <a:alpha val="43137"/>
+                    </a:srgbClr>
+                  </a:outerShdw>
+                </a:effectLst>
+              </a:rPr>
+              <a:t>X</a:t>
+            </a:r>
+            <a:endParaRPr lang="en-US" sz="3600" dirty="0">
+              <a:solidFill>
+                <a:srgbClr val="FF0000">
+                  <a:alpha val="44000"/>
+                </a:srgbClr>
+              </a:solidFill>
+              <a:effectLst>
+                <a:outerShdw blurRad="38100" dist="38100" dir="2700000" algn="tl">
+                  <a:srgbClr val="000000">
+                    <a:alpha val="43137"/>
+                  </a:srgbClr>
+                </a:outerShdw>
+              </a:effectLst>
+            </a:endParaRPr>
+          </a:p>
+        </p:txBody>
+      </p:sp>
+      <p:sp>
+        <p:nvSpPr>
+          <p:cNvPr id="17" name="Rectangle 16"/>
+          <p:cNvSpPr/>
+          <p:nvPr/>
+        </p:nvSpPr>
+        <p:spPr>
+          <a:xfrm>
+            <a:off x="8083669" y="1815819"/>
+            <a:ext cx="439544" cy="646331"/>
+          </a:xfrm>
+          <a:prstGeom prst="rect">
+            <a:avLst/>
+          </a:prstGeom>
+        </p:spPr>
+        <p:txBody>
+          <a:bodyPr wrap="none">
+            <a:spAutoFit/>
+          </a:bodyPr>
+          <a:lstStyle/>
+          <a:p>
+            <a:r>
+              <a:rPr lang="en-US" sz="3600" b="1" dirty="0" smtClean="0">
+                <a:solidFill>
+                  <a:srgbClr val="FF0000">
+                    <a:alpha val="44000"/>
+                  </a:srgbClr>
+                </a:solidFill>
+                <a:effectLst>
+                  <a:outerShdw blurRad="38100" dist="38100" dir="2700000" algn="tl">
+                    <a:srgbClr val="000000">
+                      <a:alpha val="43137"/>
+                    </a:srgbClr>
+                  </a:outerShdw>
+                </a:effectLst>
+              </a:rPr>
+              <a:t>X</a:t>
+            </a:r>
+            <a:endParaRPr lang="en-US" sz="3600" dirty="0">
+              <a:solidFill>
+                <a:srgbClr val="FF0000">
+                  <a:alpha val="44000"/>
+                </a:srgbClr>
+              </a:solidFill>
+              <a:effectLst>
+                <a:outerShdw blurRad="38100" dist="38100" dir="2700000" algn="tl">
+                  <a:srgbClr val="000000">
+                    <a:alpha val="43137"/>
+                  </a:srgbClr>
+                </a:outerShdw>
+              </a:effectLst>
+            </a:endParaRPr>
+          </a:p>
+        </p:txBody>
+      </p:sp>
+      <p:sp>
+        <p:nvSpPr>
+          <p:cNvPr id="18" name="Rectangle 17"/>
+          <p:cNvSpPr/>
+          <p:nvPr/>
+        </p:nvSpPr>
+        <p:spPr>
+          <a:xfrm>
+            <a:off x="6480500" y="4112705"/>
+            <a:ext cx="439544" cy="646331"/>
+          </a:xfrm>
+          <a:prstGeom prst="rect">
+            <a:avLst/>
+          </a:prstGeom>
+        </p:spPr>
+        <p:txBody>
+          <a:bodyPr wrap="none">
+            <a:spAutoFit/>
+          </a:bodyPr>
+          <a:lstStyle/>
+          <a:p>
+            <a:r>
+              <a:rPr lang="en-US" sz="3600" b="1" dirty="0" smtClean="0">
+                <a:solidFill>
+                  <a:srgbClr val="FF0000">
+                    <a:alpha val="44000"/>
+                  </a:srgbClr>
+                </a:solidFill>
+                <a:effectLst>
+                  <a:outerShdw blurRad="38100" dist="38100" dir="2700000" algn="tl">
+                    <a:srgbClr val="000000">
+                      <a:alpha val="43137"/>
+                    </a:srgbClr>
+                  </a:outerShdw>
+                </a:effectLst>
+              </a:rPr>
+              <a:t>X</a:t>
+            </a:r>
+            <a:endParaRPr lang="en-US" sz="3600" dirty="0">
+              <a:solidFill>
+                <a:srgbClr val="FF0000">
+                  <a:alpha val="44000"/>
+                </a:srgbClr>
+              </a:solidFill>
+              <a:effectLst>
+                <a:outerShdw blurRad="38100" dist="38100" dir="2700000" algn="tl">
+                  <a:srgbClr val="000000">
+                    <a:alpha val="43137"/>
+                  </a:srgbClr>
+                </a:outerShdw>
+              </a:effectLst>
+            </a:endParaRPr>
+          </a:p>
+        </p:txBody>
+      </p:sp>
+      <p:sp>
+        <p:nvSpPr>
+          <p:cNvPr id="19" name="Rectangle 18"/>
+          <p:cNvSpPr/>
+          <p:nvPr/>
+        </p:nvSpPr>
+        <p:spPr>
+          <a:xfrm>
+            <a:off x="7716742" y="2422114"/>
+            <a:ext cx="439544" cy="646331"/>
+          </a:xfrm>
+          <a:prstGeom prst="rect">
+            <a:avLst/>
+          </a:prstGeom>
+        </p:spPr>
+        <p:txBody>
+          <a:bodyPr wrap="none">
+            <a:spAutoFit/>
+          </a:bodyPr>
+          <a:lstStyle/>
+          <a:p>
+            <a:r>
+              <a:rPr lang="en-US" sz="3600" b="1" dirty="0" smtClean="0">
+                <a:solidFill>
+                  <a:srgbClr val="FF0000">
+                    <a:alpha val="44000"/>
+                  </a:srgbClr>
+                </a:solidFill>
+                <a:effectLst>
+                  <a:outerShdw blurRad="38100" dist="38100" dir="2700000" algn="tl">
+                    <a:srgbClr val="000000">
+                      <a:alpha val="43137"/>
+                    </a:srgbClr>
+                  </a:outerShdw>
+                </a:effectLst>
+              </a:rPr>
+              <a:t>X</a:t>
+            </a:r>
+            <a:endParaRPr lang="en-US" sz="3600" dirty="0">
+              <a:solidFill>
+                <a:srgbClr val="FF0000">
+                  <a:alpha val="44000"/>
+                </a:srgbClr>
+              </a:solidFill>
+              <a:effectLst>
+                <a:outerShdw blurRad="38100" dist="38100" dir="2700000" algn="tl">
+                  <a:srgbClr val="000000">
+                    <a:alpha val="43137"/>
+                  </a:srgbClr>
+                </a:outerShdw>
+              </a:effectLst>
+            </a:endParaRPr>
+          </a:p>
+        </p:txBody>
+      </p:sp>
+      <p:sp>
+        <p:nvSpPr>
+          <p:cNvPr id="20" name="Rectangle 19"/>
+          <p:cNvSpPr/>
+          <p:nvPr/>
+        </p:nvSpPr>
+        <p:spPr>
+          <a:xfrm>
+            <a:off x="8786968" y="1985705"/>
+            <a:ext cx="439544" cy="646331"/>
+          </a:xfrm>
+          <a:prstGeom prst="rect">
+            <a:avLst/>
+          </a:prstGeom>
+        </p:spPr>
+        <p:txBody>
+          <a:bodyPr wrap="none">
+            <a:spAutoFit/>
+          </a:bodyPr>
+          <a:lstStyle/>
+          <a:p>
+            <a:r>
+              <a:rPr lang="en-US" sz="3600" b="1" dirty="0" smtClean="0">
+                <a:solidFill>
+                  <a:srgbClr val="FF0000">
+                    <a:alpha val="44000"/>
+                  </a:srgbClr>
+                </a:solidFill>
+                <a:effectLst>
+                  <a:outerShdw blurRad="38100" dist="38100" dir="2700000" algn="tl">
+                    <a:srgbClr val="000000">
+                      <a:alpha val="43137"/>
+                    </a:srgbClr>
+                  </a:outerShdw>
+                </a:effectLst>
+              </a:rPr>
+              <a:t>X</a:t>
+            </a:r>
+            <a:endParaRPr lang="en-US" sz="3600" dirty="0">
+              <a:solidFill>
+                <a:srgbClr val="FF0000">
+                  <a:alpha val="44000"/>
+                </a:srgbClr>
+              </a:solidFill>
+              <a:effectLst>
+                <a:outerShdw blurRad="38100" dist="38100" dir="2700000" algn="tl">
+                  <a:srgbClr val="000000">
+                    <a:alpha val="43137"/>
+                  </a:srgbClr>
+                </a:outerShdw>
+              </a:effectLst>
+            </a:endParaRPr>
+          </a:p>
+        </p:txBody>
+      </p:sp>
+      <p:sp>
+        <p:nvSpPr>
+          <p:cNvPr id="21" name="Rectangle 20"/>
+          <p:cNvSpPr/>
+          <p:nvPr/>
+        </p:nvSpPr>
+        <p:spPr>
+          <a:xfrm>
+            <a:off x="6191908" y="4112705"/>
+            <a:ext cx="439544" cy="646331"/>
+          </a:xfrm>
+          <a:prstGeom prst="rect">
+            <a:avLst/>
+          </a:prstGeom>
+        </p:spPr>
+        <p:txBody>
+          <a:bodyPr wrap="none">
+            <a:spAutoFit/>
+          </a:bodyPr>
+          <a:lstStyle/>
+          <a:p>
+            <a:r>
+              <a:rPr lang="en-US" sz="3600" b="1" dirty="0" smtClean="0">
+                <a:solidFill>
+                  <a:srgbClr val="FF0000">
+                    <a:alpha val="44000"/>
+                  </a:srgbClr>
+                </a:solidFill>
+                <a:effectLst>
+                  <a:outerShdw blurRad="38100" dist="38100" dir="2700000" algn="tl">
+                    <a:srgbClr val="000000">
+                      <a:alpha val="43137"/>
+                    </a:srgbClr>
+                  </a:outerShdw>
+                </a:effectLst>
+              </a:rPr>
+              <a:t>X</a:t>
+            </a:r>
+            <a:endParaRPr lang="en-US" sz="3600" dirty="0">
+              <a:solidFill>
+                <a:srgbClr val="FF0000">
+                  <a:alpha val="44000"/>
+                </a:srgbClr>
+              </a:solidFill>
+              <a:effectLst>
+                <a:outerShdw blurRad="38100" dist="38100" dir="2700000" algn="tl">
+                  <a:srgbClr val="000000">
+                    <a:alpha val="43137"/>
+                  </a:srgbClr>
+                </a:outerShdw>
+              </a:effectLst>
+            </a:endParaRPr>
+          </a:p>
+        </p:txBody>
+      </p:sp>
+      <p:sp>
+        <p:nvSpPr>
+          <p:cNvPr id="22" name="Rectangle 21"/>
+          <p:cNvSpPr/>
+          <p:nvPr/>
+        </p:nvSpPr>
+        <p:spPr>
+          <a:xfrm>
+            <a:off x="4494052" y="4725955"/>
+            <a:ext cx="439544" cy="646331"/>
+          </a:xfrm>
+          <a:prstGeom prst="rect">
+            <a:avLst/>
+          </a:prstGeom>
+        </p:spPr>
+        <p:txBody>
+          <a:bodyPr wrap="none">
+            <a:spAutoFit/>
+          </a:bodyPr>
+          <a:lstStyle/>
+          <a:p>
+            <a:r>
+              <a:rPr lang="en-US" sz="3600" b="1" dirty="0" smtClean="0">
+                <a:solidFill>
+                  <a:srgbClr val="FF0000">
+                    <a:alpha val="44000"/>
+                  </a:srgbClr>
+                </a:solidFill>
+                <a:effectLst>
+                  <a:outerShdw blurRad="38100" dist="38100" dir="2700000" algn="tl">
+                    <a:srgbClr val="000000">
+                      <a:alpha val="43137"/>
+                    </a:srgbClr>
+                  </a:outerShdw>
+                </a:effectLst>
+              </a:rPr>
+              <a:t>X</a:t>
+            </a:r>
+            <a:endParaRPr lang="en-US" sz="3600" dirty="0">
+              <a:solidFill>
+                <a:srgbClr val="FF0000">
+                  <a:alpha val="44000"/>
+                </a:srgbClr>
+              </a:solidFill>
+              <a:effectLst>
+                <a:outerShdw blurRad="38100" dist="38100" dir="2700000" algn="tl">
+                  <a:srgbClr val="000000">
+                    <a:alpha val="43137"/>
+                  </a:srgbClr>
+                </a:outerShdw>
+              </a:effectLst>
+            </a:endParaRPr>
+          </a:p>
+        </p:txBody>
+      </p:sp>
+      <p:sp>
+        <p:nvSpPr>
+          <p:cNvPr id="23" name="Rectangle 22"/>
+          <p:cNvSpPr/>
+          <p:nvPr/>
+        </p:nvSpPr>
+        <p:spPr>
+          <a:xfrm>
+            <a:off x="3015968" y="4141095"/>
+            <a:ext cx="439544" cy="646331"/>
+          </a:xfrm>
+          <a:prstGeom prst="rect">
+            <a:avLst/>
+          </a:prstGeom>
+        </p:spPr>
+        <p:txBody>
+          <a:bodyPr wrap="none">
+            <a:spAutoFit/>
+          </a:bodyPr>
+          <a:lstStyle/>
+          <a:p>
+            <a:r>
+              <a:rPr lang="en-US" sz="3600" b="1" dirty="0" smtClean="0">
+                <a:solidFill>
+                  <a:srgbClr val="FF0000">
+                    <a:alpha val="44000"/>
+                  </a:srgbClr>
+                </a:solidFill>
+                <a:effectLst>
+                  <a:outerShdw blurRad="38100" dist="38100" dir="2700000" algn="tl">
+                    <a:srgbClr val="000000">
+                      <a:alpha val="43137"/>
+                    </a:srgbClr>
+                  </a:outerShdw>
+                </a:effectLst>
+              </a:rPr>
+              <a:t>X</a:t>
+            </a:r>
+            <a:endParaRPr lang="en-US" sz="3600" dirty="0">
+              <a:solidFill>
+                <a:srgbClr val="FF0000">
+                  <a:alpha val="44000"/>
+                </a:srgbClr>
+              </a:solidFill>
+              <a:effectLst>
+                <a:outerShdw blurRad="38100" dist="38100" dir="2700000" algn="tl">
+                  <a:srgbClr val="000000">
+                    <a:alpha val="43137"/>
+                  </a:srgbClr>
+                </a:outerShdw>
+              </a:effectLst>
+            </a:endParaRPr>
+          </a:p>
+        </p:txBody>
+      </p:sp>
     </p:spTree>
     <p:extLst>
       <p:ext uri="{BB962C8B-B14F-4D97-AF65-F5344CB8AC3E}">
-        <p14:creationId xmlns:p14="http://schemas.microsoft.com/office/powerpoint/2010/main" val="2746103947"/>
+        <p14:creationId xmlns:p14="http://schemas.microsoft.com/office/powerpoint/2010/main" val="2727668995"/>
+      </p:ext>
+    </p:extLst>
+  </p:cSld>
+  <p:clrMapOvr>
+    <a:masterClrMapping/>
+  </p:clrMapOvr>
+</p:sld>
+</file>
+
+<file path=ppt/slides/slide8.xml><?xml version="1.0" encoding="utf-8"?>
+<p:sld xmlns:a="http://schemas.openxmlformats.org/drawingml/2006/main" xmlns:r="http://schemas.openxmlformats.org/officeDocument/2006/relationships" xmlns:p="http://schemas.openxmlformats.org/presentationml/2006/main">
+  <p:cSld>
+    <p:spTree>
+      <p:nvGrpSpPr>
+        <p:cNvPr id="1" name=""/>
+        <p:cNvGrpSpPr/>
+        <p:nvPr/>
+      </p:nvGrpSpPr>
+      <p:grpSpPr>
+        <a:xfrm>
+          <a:off x="0" y="0"/>
+          <a:ext cx="0" cy="0"/>
+          <a:chOff x="0" y="0"/>
+          <a:chExt cx="0" cy="0"/>
+        </a:xfrm>
+      </p:grpSpPr>
+      <p:pic>
+        <p:nvPicPr>
+          <p:cNvPr id="2" name="Picture 1"/>
+          <p:cNvPicPr>
+            <a:picLocks noChangeAspect="1"/>
+          </p:cNvPicPr>
+          <p:nvPr/>
+        </p:nvPicPr>
+        <p:blipFill>
+          <a:blip r:embed="rId2"/>
+          <a:stretch>
+            <a:fillRect/>
+          </a:stretch>
+        </p:blipFill>
+        <p:spPr>
+          <a:xfrm>
+            <a:off x="4367212" y="1666875"/>
+            <a:ext cx="3457575" cy="3524250"/>
+          </a:xfrm>
+          <a:prstGeom prst="rect">
+            <a:avLst/>
+          </a:prstGeom>
+        </p:spPr>
+      </p:pic>
+      <p:sp>
+        <p:nvSpPr>
+          <p:cNvPr id="3" name="Rectangle 2"/>
+          <p:cNvSpPr/>
+          <p:nvPr/>
+        </p:nvSpPr>
+        <p:spPr>
+          <a:xfrm>
+            <a:off x="182482" y="96873"/>
+            <a:ext cx="2009268" cy="369332"/>
+          </a:xfrm>
+          <a:prstGeom prst="rect">
+            <a:avLst/>
+          </a:prstGeom>
+        </p:spPr>
+        <p:txBody>
+          <a:bodyPr wrap="none">
+            <a:spAutoFit/>
+          </a:bodyPr>
+          <a:lstStyle/>
+          <a:p>
+            <a:r>
+              <a:rPr lang="en-US" b="1" dirty="0" err="1"/>
+              <a:t>Notropis_altipinnis</a:t>
+            </a:r>
+            <a:endParaRPr lang="en-US" b="1" dirty="0"/>
+          </a:p>
+        </p:txBody>
+      </p:sp>
+    </p:spTree>
+    <p:extLst>
+      <p:ext uri="{BB962C8B-B14F-4D97-AF65-F5344CB8AC3E}">
+        <p14:creationId xmlns:p14="http://schemas.microsoft.com/office/powerpoint/2010/main" val="2571731064"/>
+      </p:ext>
+    </p:extLst>
+  </p:cSld>
+  <p:clrMapOvr>
+    <a:masterClrMapping/>
+  </p:clrMapOvr>
+</p:sld>
+</file>
+
+<file path=ppt/slides/slide9.xml><?xml version="1.0" encoding="utf-8"?>
+<p:sld xmlns:a="http://schemas.openxmlformats.org/drawingml/2006/main" xmlns:r="http://schemas.openxmlformats.org/officeDocument/2006/relationships" xmlns:p="http://schemas.openxmlformats.org/presentationml/2006/main">
+  <p:cSld>
+    <p:spTree>
+      <p:nvGrpSpPr>
+        <p:cNvPr id="1" name=""/>
+        <p:cNvGrpSpPr/>
+        <p:nvPr/>
+      </p:nvGrpSpPr>
+      <p:grpSpPr>
+        <a:xfrm>
+          <a:off x="0" y="0"/>
+          <a:ext cx="0" cy="0"/>
+          <a:chOff x="0" y="0"/>
+          <a:chExt cx="0" cy="0"/>
+        </a:xfrm>
+      </p:grpSpPr>
+      <p:sp>
+        <p:nvSpPr>
+          <p:cNvPr id="2" name="Rectangle 1"/>
+          <p:cNvSpPr/>
+          <p:nvPr/>
+        </p:nvSpPr>
+        <p:spPr>
+          <a:xfrm>
+            <a:off x="102372" y="106498"/>
+            <a:ext cx="1765227" cy="369332"/>
+          </a:xfrm>
+          <a:prstGeom prst="rect">
+            <a:avLst/>
+          </a:prstGeom>
+        </p:spPr>
+        <p:txBody>
+          <a:bodyPr wrap="none">
+            <a:spAutoFit/>
+          </a:bodyPr>
+          <a:lstStyle/>
+          <a:p>
+            <a:r>
+              <a:rPr lang="en-US" b="1" dirty="0" err="1"/>
+              <a:t>Lepomis_auritus</a:t>
+            </a:r>
+            <a:endParaRPr lang="en-US" b="1" dirty="0"/>
+          </a:p>
+        </p:txBody>
+      </p:sp>
+      <p:pic>
+        <p:nvPicPr>
+          <p:cNvPr id="3" name="Picture 2"/>
+          <p:cNvPicPr>
+            <a:picLocks noChangeAspect="1"/>
+          </p:cNvPicPr>
+          <p:nvPr/>
+        </p:nvPicPr>
+        <p:blipFill>
+          <a:blip r:embed="rId2"/>
+          <a:stretch>
+            <a:fillRect/>
+          </a:stretch>
+        </p:blipFill>
+        <p:spPr>
+          <a:xfrm>
+            <a:off x="2842850" y="368480"/>
+            <a:ext cx="5989973" cy="6406095"/>
+          </a:xfrm>
+          <a:prstGeom prst="rect">
+            <a:avLst/>
+          </a:prstGeom>
+        </p:spPr>
+      </p:pic>
+      <p:sp>
+        <p:nvSpPr>
+          <p:cNvPr id="4" name="Rectangle 3"/>
+          <p:cNvSpPr/>
+          <p:nvPr/>
+        </p:nvSpPr>
+        <p:spPr>
+          <a:xfrm>
+            <a:off x="2968059" y="1261311"/>
+            <a:ext cx="439544" cy="646331"/>
+          </a:xfrm>
+          <a:prstGeom prst="rect">
+            <a:avLst/>
+          </a:prstGeom>
+        </p:spPr>
+        <p:txBody>
+          <a:bodyPr wrap="none">
+            <a:spAutoFit/>
+          </a:bodyPr>
+          <a:lstStyle/>
+          <a:p>
+            <a:r>
+              <a:rPr lang="en-US" sz="3600" b="1" dirty="0" smtClean="0">
+                <a:solidFill>
+                  <a:srgbClr val="FF0000">
+                    <a:alpha val="44000"/>
+                  </a:srgbClr>
+                </a:solidFill>
+                <a:effectLst>
+                  <a:outerShdw blurRad="38100" dist="38100" dir="2700000" algn="tl">
+                    <a:srgbClr val="000000">
+                      <a:alpha val="43137"/>
+                    </a:srgbClr>
+                  </a:outerShdw>
+                </a:effectLst>
+              </a:rPr>
+              <a:t>X</a:t>
+            </a:r>
+            <a:endParaRPr lang="en-US" sz="3600" dirty="0">
+              <a:solidFill>
+                <a:srgbClr val="FF0000">
+                  <a:alpha val="44000"/>
+                </a:srgbClr>
+              </a:solidFill>
+              <a:effectLst>
+                <a:outerShdw blurRad="38100" dist="38100" dir="2700000" algn="tl">
+                  <a:srgbClr val="000000">
+                    <a:alpha val="43137"/>
+                  </a:srgbClr>
+                </a:outerShdw>
+              </a:effectLst>
+            </a:endParaRPr>
+          </a:p>
+        </p:txBody>
+      </p:sp>
+      <p:sp>
+        <p:nvSpPr>
+          <p:cNvPr id="5" name="Rectangle 4"/>
+          <p:cNvSpPr/>
+          <p:nvPr/>
+        </p:nvSpPr>
+        <p:spPr>
+          <a:xfrm>
+            <a:off x="5887587" y="762547"/>
+            <a:ext cx="439544" cy="646331"/>
+          </a:xfrm>
+          <a:prstGeom prst="rect">
+            <a:avLst/>
+          </a:prstGeom>
+        </p:spPr>
+        <p:txBody>
+          <a:bodyPr wrap="none">
+            <a:spAutoFit/>
+          </a:bodyPr>
+          <a:lstStyle/>
+          <a:p>
+            <a:r>
+              <a:rPr lang="en-US" sz="3600" b="1" dirty="0" smtClean="0">
+                <a:solidFill>
+                  <a:srgbClr val="FF0000">
+                    <a:alpha val="44000"/>
+                  </a:srgbClr>
+                </a:solidFill>
+                <a:effectLst>
+                  <a:outerShdw blurRad="38100" dist="38100" dir="2700000" algn="tl">
+                    <a:srgbClr val="000000">
+                      <a:alpha val="43137"/>
+                    </a:srgbClr>
+                  </a:outerShdw>
+                </a:effectLst>
+              </a:rPr>
+              <a:t>X</a:t>
+            </a:r>
+            <a:endParaRPr lang="en-US" sz="3600" dirty="0">
+              <a:solidFill>
+                <a:srgbClr val="FF0000">
+                  <a:alpha val="44000"/>
+                </a:srgbClr>
+              </a:solidFill>
+              <a:effectLst>
+                <a:outerShdw blurRad="38100" dist="38100" dir="2700000" algn="tl">
+                  <a:srgbClr val="000000">
+                    <a:alpha val="43137"/>
+                  </a:srgbClr>
+                </a:outerShdw>
+              </a:effectLst>
+            </a:endParaRPr>
+          </a:p>
+        </p:txBody>
+      </p:sp>
+      <p:sp>
+        <p:nvSpPr>
+          <p:cNvPr id="6" name="Rectangle 5"/>
+          <p:cNvSpPr/>
+          <p:nvPr/>
+        </p:nvSpPr>
+        <p:spPr>
+          <a:xfrm>
+            <a:off x="4357147" y="1408878"/>
+            <a:ext cx="439544" cy="646331"/>
+          </a:xfrm>
+          <a:prstGeom prst="rect">
+            <a:avLst/>
+          </a:prstGeom>
+        </p:spPr>
+        <p:txBody>
+          <a:bodyPr wrap="none">
+            <a:spAutoFit/>
+          </a:bodyPr>
+          <a:lstStyle/>
+          <a:p>
+            <a:r>
+              <a:rPr lang="en-US" sz="3600" b="1" dirty="0" smtClean="0">
+                <a:solidFill>
+                  <a:srgbClr val="FF0000">
+                    <a:alpha val="44000"/>
+                  </a:srgbClr>
+                </a:solidFill>
+                <a:effectLst>
+                  <a:outerShdw blurRad="38100" dist="38100" dir="2700000" algn="tl">
+                    <a:srgbClr val="000000">
+                      <a:alpha val="43137"/>
+                    </a:srgbClr>
+                  </a:outerShdw>
+                </a:effectLst>
+              </a:rPr>
+              <a:t>X</a:t>
+            </a:r>
+            <a:endParaRPr lang="en-US" sz="3600" dirty="0">
+              <a:solidFill>
+                <a:srgbClr val="FF0000">
+                  <a:alpha val="44000"/>
+                </a:srgbClr>
+              </a:solidFill>
+              <a:effectLst>
+                <a:outerShdw blurRad="38100" dist="38100" dir="2700000" algn="tl">
+                  <a:srgbClr val="000000">
+                    <a:alpha val="43137"/>
+                  </a:srgbClr>
+                </a:outerShdw>
+              </a:effectLst>
+            </a:endParaRPr>
+          </a:p>
+        </p:txBody>
+      </p:sp>
+      <p:sp>
+        <p:nvSpPr>
+          <p:cNvPr id="7" name="Rectangle 6"/>
+          <p:cNvSpPr/>
+          <p:nvPr/>
+        </p:nvSpPr>
+        <p:spPr>
+          <a:xfrm>
+            <a:off x="5306691" y="1238338"/>
+            <a:ext cx="439544" cy="646331"/>
+          </a:xfrm>
+          <a:prstGeom prst="rect">
+            <a:avLst/>
+          </a:prstGeom>
+        </p:spPr>
+        <p:txBody>
+          <a:bodyPr wrap="none">
+            <a:spAutoFit/>
+          </a:bodyPr>
+          <a:lstStyle/>
+          <a:p>
+            <a:r>
+              <a:rPr lang="en-US" sz="3600" b="1" dirty="0" smtClean="0">
+                <a:solidFill>
+                  <a:srgbClr val="FF0000">
+                    <a:alpha val="44000"/>
+                  </a:srgbClr>
+                </a:solidFill>
+                <a:effectLst>
+                  <a:outerShdw blurRad="38100" dist="38100" dir="2700000" algn="tl">
+                    <a:srgbClr val="000000">
+                      <a:alpha val="43137"/>
+                    </a:srgbClr>
+                  </a:outerShdw>
+                </a:effectLst>
+              </a:rPr>
+              <a:t>X</a:t>
+            </a:r>
+            <a:endParaRPr lang="en-US" sz="3600" dirty="0">
+              <a:solidFill>
+                <a:srgbClr val="FF0000">
+                  <a:alpha val="44000"/>
+                </a:srgbClr>
+              </a:solidFill>
+              <a:effectLst>
+                <a:outerShdw blurRad="38100" dist="38100" dir="2700000" algn="tl">
+                  <a:srgbClr val="000000">
+                    <a:alpha val="43137"/>
+                  </a:srgbClr>
+                </a:outerShdw>
+              </a:effectLst>
+            </a:endParaRPr>
+          </a:p>
+        </p:txBody>
+      </p:sp>
+      <p:sp>
+        <p:nvSpPr>
+          <p:cNvPr id="8" name="Rectangle 7"/>
+          <p:cNvSpPr/>
+          <p:nvPr/>
+        </p:nvSpPr>
+        <p:spPr>
+          <a:xfrm>
+            <a:off x="5251175" y="3815283"/>
+            <a:ext cx="439544" cy="646331"/>
+          </a:xfrm>
+          <a:prstGeom prst="rect">
+            <a:avLst/>
+          </a:prstGeom>
+        </p:spPr>
+        <p:txBody>
+          <a:bodyPr wrap="none">
+            <a:spAutoFit/>
+          </a:bodyPr>
+          <a:lstStyle/>
+          <a:p>
+            <a:r>
+              <a:rPr lang="en-US" sz="3600" b="1" dirty="0" smtClean="0">
+                <a:solidFill>
+                  <a:srgbClr val="FF0000">
+                    <a:alpha val="44000"/>
+                  </a:srgbClr>
+                </a:solidFill>
+                <a:effectLst>
+                  <a:outerShdw blurRad="38100" dist="38100" dir="2700000" algn="tl">
+                    <a:srgbClr val="000000">
+                      <a:alpha val="43137"/>
+                    </a:srgbClr>
+                  </a:outerShdw>
+                </a:effectLst>
+              </a:rPr>
+              <a:t>X</a:t>
+            </a:r>
+            <a:endParaRPr lang="en-US" sz="3600" dirty="0">
+              <a:solidFill>
+                <a:srgbClr val="FF0000">
+                  <a:alpha val="44000"/>
+                </a:srgbClr>
+              </a:solidFill>
+              <a:effectLst>
+                <a:outerShdw blurRad="38100" dist="38100" dir="2700000" algn="tl">
+                  <a:srgbClr val="000000">
+                    <a:alpha val="43137"/>
+                  </a:srgbClr>
+                </a:outerShdw>
+              </a:effectLst>
+            </a:endParaRPr>
+          </a:p>
+        </p:txBody>
+      </p:sp>
+      <p:sp>
+        <p:nvSpPr>
+          <p:cNvPr id="9" name="Rectangle 8"/>
+          <p:cNvSpPr/>
+          <p:nvPr/>
+        </p:nvSpPr>
+        <p:spPr>
+          <a:xfrm>
+            <a:off x="4976463" y="2750327"/>
+            <a:ext cx="439544" cy="646331"/>
+          </a:xfrm>
+          <a:prstGeom prst="rect">
+            <a:avLst/>
+          </a:prstGeom>
+        </p:spPr>
+        <p:txBody>
+          <a:bodyPr wrap="none">
+            <a:spAutoFit/>
+          </a:bodyPr>
+          <a:lstStyle/>
+          <a:p>
+            <a:r>
+              <a:rPr lang="en-US" sz="3600" b="1" dirty="0" smtClean="0">
+                <a:solidFill>
+                  <a:srgbClr val="FF0000">
+                    <a:alpha val="44000"/>
+                  </a:srgbClr>
+                </a:solidFill>
+                <a:effectLst>
+                  <a:outerShdw blurRad="38100" dist="38100" dir="2700000" algn="tl">
+                    <a:srgbClr val="000000">
+                      <a:alpha val="43137"/>
+                    </a:srgbClr>
+                  </a:outerShdw>
+                </a:effectLst>
+              </a:rPr>
+              <a:t>X</a:t>
+            </a:r>
+            <a:endParaRPr lang="en-US" sz="3600" dirty="0">
+              <a:solidFill>
+                <a:srgbClr val="FF0000">
+                  <a:alpha val="44000"/>
+                </a:srgbClr>
+              </a:solidFill>
+              <a:effectLst>
+                <a:outerShdw blurRad="38100" dist="38100" dir="2700000" algn="tl">
+                  <a:srgbClr val="000000">
+                    <a:alpha val="43137"/>
+                  </a:srgbClr>
+                </a:outerShdw>
+              </a:effectLst>
+            </a:endParaRPr>
+          </a:p>
+        </p:txBody>
+      </p:sp>
+      <p:sp>
+        <p:nvSpPr>
+          <p:cNvPr id="10" name="Rectangle 9"/>
+          <p:cNvSpPr/>
+          <p:nvPr/>
+        </p:nvSpPr>
+        <p:spPr>
+          <a:xfrm>
+            <a:off x="5720905" y="2949712"/>
+            <a:ext cx="439544" cy="646331"/>
+          </a:xfrm>
+          <a:prstGeom prst="rect">
+            <a:avLst/>
+          </a:prstGeom>
+        </p:spPr>
+        <p:txBody>
+          <a:bodyPr wrap="none">
+            <a:spAutoFit/>
+          </a:bodyPr>
+          <a:lstStyle/>
+          <a:p>
+            <a:r>
+              <a:rPr lang="en-US" sz="3600" b="1" dirty="0" smtClean="0">
+                <a:solidFill>
+                  <a:srgbClr val="FF0000">
+                    <a:alpha val="44000"/>
+                  </a:srgbClr>
+                </a:solidFill>
+                <a:effectLst>
+                  <a:outerShdw blurRad="38100" dist="38100" dir="2700000" algn="tl">
+                    <a:srgbClr val="000000">
+                      <a:alpha val="43137"/>
+                    </a:srgbClr>
+                  </a:outerShdw>
+                </a:effectLst>
+              </a:rPr>
+              <a:t>X</a:t>
+            </a:r>
+            <a:endParaRPr lang="en-US" sz="3600" dirty="0">
+              <a:solidFill>
+                <a:srgbClr val="FF0000">
+                  <a:alpha val="44000"/>
+                </a:srgbClr>
+              </a:solidFill>
+              <a:effectLst>
+                <a:outerShdw blurRad="38100" dist="38100" dir="2700000" algn="tl">
+                  <a:srgbClr val="000000">
+                    <a:alpha val="43137"/>
+                  </a:srgbClr>
+                </a:outerShdw>
+              </a:effectLst>
+            </a:endParaRPr>
+          </a:p>
+        </p:txBody>
+      </p:sp>
+      <p:sp>
+        <p:nvSpPr>
+          <p:cNvPr id="11" name="Rectangle 10"/>
+          <p:cNvSpPr/>
+          <p:nvPr/>
+        </p:nvSpPr>
+        <p:spPr>
+          <a:xfrm>
+            <a:off x="5547369" y="3642743"/>
+            <a:ext cx="439544" cy="646331"/>
+          </a:xfrm>
+          <a:prstGeom prst="rect">
+            <a:avLst/>
+          </a:prstGeom>
+        </p:spPr>
+        <p:txBody>
+          <a:bodyPr wrap="none">
+            <a:spAutoFit/>
+          </a:bodyPr>
+          <a:lstStyle/>
+          <a:p>
+            <a:r>
+              <a:rPr lang="en-US" sz="3600" b="1" dirty="0" smtClean="0">
+                <a:solidFill>
+                  <a:srgbClr val="FF0000">
+                    <a:alpha val="44000"/>
+                  </a:srgbClr>
+                </a:solidFill>
+                <a:effectLst>
+                  <a:outerShdw blurRad="38100" dist="38100" dir="2700000" algn="tl">
+                    <a:srgbClr val="000000">
+                      <a:alpha val="43137"/>
+                    </a:srgbClr>
+                  </a:outerShdw>
+                </a:effectLst>
+              </a:rPr>
+              <a:t>X</a:t>
+            </a:r>
+            <a:endParaRPr lang="en-US" sz="3600" dirty="0">
+              <a:solidFill>
+                <a:srgbClr val="FF0000">
+                  <a:alpha val="44000"/>
+                </a:srgbClr>
+              </a:solidFill>
+              <a:effectLst>
+                <a:outerShdw blurRad="38100" dist="38100" dir="2700000" algn="tl">
+                  <a:srgbClr val="000000">
+                    <a:alpha val="43137"/>
+                  </a:srgbClr>
+                </a:outerShdw>
+              </a:effectLst>
+            </a:endParaRPr>
+          </a:p>
+        </p:txBody>
+      </p:sp>
+      <p:sp>
+        <p:nvSpPr>
+          <p:cNvPr id="12" name="Rectangle 11"/>
+          <p:cNvSpPr/>
+          <p:nvPr/>
+        </p:nvSpPr>
+        <p:spPr>
+          <a:xfrm>
+            <a:off x="7476475" y="5595931"/>
+            <a:ext cx="439544" cy="646331"/>
+          </a:xfrm>
+          <a:prstGeom prst="rect">
+            <a:avLst/>
+          </a:prstGeom>
+        </p:spPr>
+        <p:txBody>
+          <a:bodyPr wrap="none">
+            <a:spAutoFit/>
+          </a:bodyPr>
+          <a:lstStyle/>
+          <a:p>
+            <a:r>
+              <a:rPr lang="en-US" sz="3600" b="1" dirty="0" smtClean="0">
+                <a:solidFill>
+                  <a:srgbClr val="FF0000">
+                    <a:alpha val="44000"/>
+                  </a:srgbClr>
+                </a:solidFill>
+                <a:effectLst>
+                  <a:outerShdw blurRad="38100" dist="38100" dir="2700000" algn="tl">
+                    <a:srgbClr val="000000">
+                      <a:alpha val="43137"/>
+                    </a:srgbClr>
+                  </a:outerShdw>
+                </a:effectLst>
+              </a:rPr>
+              <a:t>X</a:t>
+            </a:r>
+            <a:endParaRPr lang="en-US" sz="3600" dirty="0">
+              <a:solidFill>
+                <a:srgbClr val="FF0000">
+                  <a:alpha val="44000"/>
+                </a:srgbClr>
+              </a:solidFill>
+              <a:effectLst>
+                <a:outerShdw blurRad="38100" dist="38100" dir="2700000" algn="tl">
+                  <a:srgbClr val="000000">
+                    <a:alpha val="43137"/>
+                  </a:srgbClr>
+                </a:outerShdw>
+              </a:effectLst>
+            </a:endParaRPr>
+          </a:p>
+        </p:txBody>
+      </p:sp>
+    </p:spTree>
+    <p:extLst>
+      <p:ext uri="{BB962C8B-B14F-4D97-AF65-F5344CB8AC3E}">
+        <p14:creationId xmlns:p14="http://schemas.microsoft.com/office/powerpoint/2010/main" val="240890192"/>
       </p:ext>
     </p:extLst>
   </p:cSld>
@@ -6107,4 +11158,265 @@
     </a:ext>
   </a:extLst>
 </a:theme>
+</file>
+
+<file path=ppt/theme/theme2.xml><?xml version="1.0" encoding="utf-8"?>
+<a:theme xmlns:a="http://schemas.openxmlformats.org/drawingml/2006/main" name="Office Theme">
+  <a:themeElements>
+    <a:clrScheme name="Office">
+      <a:dk1>
+        <a:sysClr val="windowText" lastClr="000000"/>
+      </a:dk1>
+      <a:lt1>
+        <a:sysClr val="window" lastClr="FFFFFF"/>
+      </a:lt1>
+      <a:dk2>
+        <a:srgbClr val="44546A"/>
+      </a:dk2>
+      <a:lt2>
+        <a:srgbClr val="E7E6E6"/>
+      </a:lt2>
+      <a:accent1>
+        <a:srgbClr val="5B9BD5"/>
+      </a:accent1>
+      <a:accent2>
+        <a:srgbClr val="ED7D31"/>
+      </a:accent2>
+      <a:accent3>
+        <a:srgbClr val="A5A5A5"/>
+      </a:accent3>
+      <a:accent4>
+        <a:srgbClr val="FFC000"/>
+      </a:accent4>
+      <a:accent5>
+        <a:srgbClr val="4472C4"/>
+      </a:accent5>
+      <a:accent6>
+        <a:srgbClr val="70AD47"/>
+      </a:accent6>
+      <a:hlink>
+        <a:srgbClr val="0563C1"/>
+      </a:hlink>
+      <a:folHlink>
+        <a:srgbClr val="954F72"/>
+      </a:folHlink>
+    </a:clrScheme>
+    <a:fontScheme name="Office">
+      <a:majorFont>
+        <a:latin typeface="Calibri Light" panose="020F0302020204030204"/>
+        <a:ea typeface=""/>
+        <a:cs typeface=""/>
+        <a:font script="Jpan" typeface="ＭＳ Ｐゴシック"/>
+        <a:font script="Hang" typeface="맑은 고딕"/>
+        <a:font script="Hans" typeface="宋体"/>
+        <a:font script="Hant" typeface="新細明體"/>
+        <a:font script="Arab" typeface="Times New Roman"/>
+        <a:font script="Hebr" typeface="Times New Roman"/>
+        <a:font script="Thai" typeface="Angsana New"/>
+        <a:font script="Ethi" typeface="Nyala"/>
+        <a:font script="Beng" typeface="Vrinda"/>
+        <a:font script="Gujr" typeface="Shruti"/>
+        <a:font script="Khmr" typeface="MoolBoran"/>
+        <a:font script="Knda" typeface="Tunga"/>
+        <a:font script="Guru" typeface="Raavi"/>
+        <a:font script="Cans" typeface="Euphemia"/>
+        <a:font script="Cher" typeface="Plantagenet Cherokee"/>
+        <a:font script="Yiii" typeface="Microsoft Yi Baiti"/>
+        <a:font script="Tibt" typeface="Microsoft Himalaya"/>
+        <a:font script="Thaa" typeface="MV Boli"/>
+        <a:font script="Deva" typeface="Mangal"/>
+        <a:font script="Telu" typeface="Gautami"/>
+        <a:font script="Taml" typeface="Latha"/>
+        <a:font script="Syrc" typeface="Estrangelo Edessa"/>
+        <a:font script="Orya" typeface="Kalinga"/>
+        <a:font script="Mlym" typeface="Kartika"/>
+        <a:font script="Laoo" typeface="DokChampa"/>
+        <a:font script="Sinh" typeface="Iskoola Pota"/>
+        <a:font script="Mong" typeface="Mongolian Baiti"/>
+        <a:font script="Viet" typeface="Times New Roman"/>
+        <a:font script="Uigh" typeface="Microsoft Uighur"/>
+        <a:font script="Geor" typeface="Sylfaen"/>
+      </a:majorFont>
+      <a:minorFont>
+        <a:latin typeface="Calibri" panose="020F0502020204030204"/>
+        <a:ea typeface=""/>
+        <a:cs typeface=""/>
+        <a:font script="Jpan" typeface="ＭＳ Ｐゴシック"/>
+        <a:font script="Hang" typeface="맑은 고딕"/>
+        <a:font script="Hans" typeface="宋体"/>
+        <a:font script="Hant" typeface="新細明體"/>
+        <a:font script="Arab" typeface="Arial"/>
+        <a:font script="Hebr" typeface="Arial"/>
+        <a:font script="Thai" typeface="Cordia New"/>
+        <a:font script="Ethi" typeface="Nyala"/>
+        <a:font script="Beng" typeface="Vrinda"/>
+        <a:font script="Gujr" typeface="Shruti"/>
+        <a:font script="Khmr" typeface="DaunPenh"/>
+        <a:font script="Knda" typeface="Tunga"/>
+        <a:font script="Guru" typeface="Raavi"/>
+        <a:font script="Cans" typeface="Euphemia"/>
+        <a:font script="Cher" typeface="Plantagenet Cherokee"/>
+        <a:font script="Yiii" typeface="Microsoft Yi Baiti"/>
+        <a:font script="Tibt" typeface="Microsoft Himalaya"/>
+        <a:font script="Thaa" typeface="MV Boli"/>
+        <a:font script="Deva" typeface="Mangal"/>
+        <a:font script="Telu" typeface="Gautami"/>
+        <a:font script="Taml" typeface="Latha"/>
+        <a:font script="Syrc" typeface="Estrangelo Edessa"/>
+        <a:font script="Orya" typeface="Kalinga"/>
+        <a:font script="Mlym" typeface="Kartika"/>
+        <a:font script="Laoo" typeface="DokChampa"/>
+        <a:font script="Sinh" typeface="Iskoola Pota"/>
+        <a:font script="Mong" typeface="Mongolian Baiti"/>
+        <a:font script="Viet" typeface="Arial"/>
+        <a:font script="Uigh" typeface="Microsoft Uighur"/>
+        <a:font script="Geor" typeface="Sylfaen"/>
+      </a:minorFont>
+    </a:fontScheme>
+    <a:fmtScheme name="Office">
+      <a:fillStyleLst>
+        <a:solidFill>
+          <a:schemeClr val="phClr"/>
+        </a:solidFill>
+        <a:gradFill rotWithShape="1">
+          <a:gsLst>
+            <a:gs pos="0">
+              <a:schemeClr val="phClr">
+                <a:lumMod val="110000"/>
+                <a:satMod val="105000"/>
+                <a:tint val="67000"/>
+              </a:schemeClr>
+            </a:gs>
+            <a:gs pos="50000">
+              <a:schemeClr val="phClr">
+                <a:lumMod val="105000"/>
+                <a:satMod val="103000"/>
+                <a:tint val="73000"/>
+              </a:schemeClr>
+            </a:gs>
+            <a:gs pos="100000">
+              <a:schemeClr val="phClr">
+                <a:lumMod val="105000"/>
+                <a:satMod val="109000"/>
+                <a:tint val="81000"/>
+              </a:schemeClr>
+            </a:gs>
+          </a:gsLst>
+          <a:lin ang="5400000" scaled="0"/>
+        </a:gradFill>
+        <a:gradFill rotWithShape="1">
+          <a:gsLst>
+            <a:gs pos="0">
+              <a:schemeClr val="phClr">
+                <a:satMod val="103000"/>
+                <a:lumMod val="102000"/>
+                <a:tint val="94000"/>
+              </a:schemeClr>
+            </a:gs>
+            <a:gs pos="50000">
+              <a:schemeClr val="phClr">
+                <a:satMod val="110000"/>
+                <a:lumMod val="100000"/>
+                <a:shade val="100000"/>
+              </a:schemeClr>
+            </a:gs>
+            <a:gs pos="100000">
+              <a:schemeClr val="phClr">
+                <a:lumMod val="99000"/>
+                <a:satMod val="120000"/>
+                <a:shade val="78000"/>
+              </a:schemeClr>
+            </a:gs>
+          </a:gsLst>
+          <a:lin ang="5400000" scaled="0"/>
+        </a:gradFill>
+      </a:fillStyleLst>
+      <a:lnStyleLst>
+        <a:ln w="6350" cap="flat" cmpd="sng" algn="ctr">
+          <a:solidFill>
+            <a:schemeClr val="phClr"/>
+          </a:solidFill>
+          <a:prstDash val="solid"/>
+          <a:miter lim="800000"/>
+        </a:ln>
+        <a:ln w="12700" cap="flat" cmpd="sng" algn="ctr">
+          <a:solidFill>
+            <a:schemeClr val="phClr"/>
+          </a:solidFill>
+          <a:prstDash val="solid"/>
+          <a:miter lim="800000"/>
+        </a:ln>
+        <a:ln w="19050" cap="flat" cmpd="sng" algn="ctr">
+          <a:solidFill>
+            <a:schemeClr val="phClr"/>
+          </a:solidFill>
+          <a:prstDash val="solid"/>
+          <a:miter lim="800000"/>
+        </a:ln>
+      </a:lnStyleLst>
+      <a:effectStyleLst>
+        <a:effectStyle>
+          <a:effectLst/>
+        </a:effectStyle>
+        <a:effectStyle>
+          <a:effectLst/>
+        </a:effectStyle>
+        <a:effectStyle>
+          <a:effectLst>
+            <a:outerShdw blurRad="57150" dist="19050" dir="5400000" algn="ctr" rotWithShape="0">
+              <a:srgbClr val="000000">
+                <a:alpha val="63000"/>
+              </a:srgbClr>
+            </a:outerShdw>
+          </a:effectLst>
+        </a:effectStyle>
+      </a:effectStyleLst>
+      <a:bgFillStyleLst>
+        <a:solidFill>
+          <a:schemeClr val="phClr"/>
+        </a:solidFill>
+        <a:solidFill>
+          <a:schemeClr val="phClr">
+            <a:tint val="95000"/>
+            <a:satMod val="170000"/>
+          </a:schemeClr>
+        </a:solidFill>
+        <a:gradFill rotWithShape="1">
+          <a:gsLst>
+            <a:gs pos="0">
+              <a:schemeClr val="phClr">
+                <a:tint val="93000"/>
+                <a:satMod val="150000"/>
+                <a:shade val="98000"/>
+                <a:lumMod val="102000"/>
+              </a:schemeClr>
+            </a:gs>
+            <a:gs pos="50000">
+              <a:schemeClr val="phClr">
+                <a:tint val="98000"/>
+                <a:satMod val="130000"/>
+                <a:shade val="90000"/>
+                <a:lumMod val="103000"/>
+              </a:schemeClr>
+            </a:gs>
+            <a:gs pos="100000">
+              <a:schemeClr val="phClr">
+                <a:shade val="63000"/>
+                <a:satMod val="120000"/>
+              </a:schemeClr>
+            </a:gs>
+          </a:gsLst>
+          <a:lin ang="5400000" scaled="0"/>
+        </a:gradFill>
+      </a:bgFillStyleLst>
+    </a:fmtScheme>
+  </a:themeElements>
+  <a:objectDefaults/>
+  <a:extraClrSchemeLst/>
+  <a:extLst>
+    <a:ext uri="{05A4C25C-085E-4340-85A3-A5531E510DB2}">
+      <thm15:themeFamily xmlns:thm15="http://schemas.microsoft.com/office/thememl/2012/main" name="Office Theme" id="{62F939B6-93AF-4DB8-9C6B-D6C7DFDC589F}" vid="{4A3C46E8-61CC-4603-A589-7422A47A8E4A}"/>
+    </a:ext>
+  </a:extLst>
+</a:theme>
 </file>